--- a/Telemetry/Logging Hero.pptx
+++ b/Telemetry/Logging Hero.pptx
@@ -6,7 +6,7 @@
     <p:sldMasterId id="2147483718" r:id="rId2"/>
   </p:sldMasterIdLst>
   <p:notesMasterIdLst>
-    <p:notesMasterId r:id="rId10"/>
+    <p:notesMasterId r:id="rId19"/>
   </p:notesMasterIdLst>
   <p:sldIdLst>
     <p:sldId id="256" r:id="rId3"/>
@@ -14,8 +14,17 @@
     <p:sldId id="317" r:id="rId5"/>
     <p:sldId id="409" r:id="rId6"/>
     <p:sldId id="400" r:id="rId7"/>
-    <p:sldId id="410" r:id="rId8"/>
-    <p:sldId id="390" r:id="rId9"/>
+    <p:sldId id="411" r:id="rId8"/>
+    <p:sldId id="414" r:id="rId9"/>
+    <p:sldId id="416" r:id="rId10"/>
+    <p:sldId id="417" r:id="rId11"/>
+    <p:sldId id="413" r:id="rId12"/>
+    <p:sldId id="418" r:id="rId13"/>
+    <p:sldId id="419" r:id="rId14"/>
+    <p:sldId id="412" r:id="rId15"/>
+    <p:sldId id="420" r:id="rId16"/>
+    <p:sldId id="410" r:id="rId17"/>
+    <p:sldId id="390" r:id="rId18"/>
   </p:sldIdLst>
   <p:sldSz cx="12192000" cy="6858000"/>
   <p:notesSz cx="6858000" cy="9144000"/>
@@ -124,6 +133,15 @@
             <p14:sldId id="317"/>
             <p14:sldId id="409"/>
             <p14:sldId id="400"/>
+            <p14:sldId id="411"/>
+            <p14:sldId id="414"/>
+            <p14:sldId id="416"/>
+            <p14:sldId id="417"/>
+            <p14:sldId id="413"/>
+            <p14:sldId id="418"/>
+            <p14:sldId id="419"/>
+            <p14:sldId id="412"/>
+            <p14:sldId id="420"/>
             <p14:sldId id="410"/>
             <p14:sldId id="390"/>
           </p14:sldIdLst>
@@ -578,6 +596,273 @@
 </p:notes>
 </file>
 
+<file path=ppt/notesSlides/notesSlide10.xml><?xml version="1.0" encoding="utf-8"?>
+<p:notes xmlns:a="http://schemas.openxmlformats.org/drawingml/2006/main" xmlns:r="http://schemas.openxmlformats.org/officeDocument/2006/relationships" xmlns:p="http://schemas.openxmlformats.org/presentationml/2006/main">
+  <p:cSld>
+    <p:spTree>
+      <p:nvGrpSpPr>
+        <p:cNvPr id="1" name=""/>
+        <p:cNvGrpSpPr/>
+        <p:nvPr/>
+      </p:nvGrpSpPr>
+      <p:grpSpPr>
+        <a:xfrm>
+          <a:off x="0" y="0"/>
+          <a:ext cx="0" cy="0"/>
+          <a:chOff x="0" y="0"/>
+          <a:chExt cx="0" cy="0"/>
+        </a:xfrm>
+      </p:grpSpPr>
+      <p:sp>
+        <p:nvSpPr>
+          <p:cNvPr id="2" name="Slide Image Placeholder 1"/>
+          <p:cNvSpPr>
+            <a:spLocks noGrp="1" noRot="1" noChangeAspect="1"/>
+          </p:cNvSpPr>
+          <p:nvPr>
+            <p:ph type="sldImg"/>
+          </p:nvPr>
+        </p:nvSpPr>
+        <p:spPr>
+          <a:xfrm>
+            <a:off x="685800" y="1143000"/>
+            <a:ext cx="5486400" cy="3086100"/>
+          </a:xfrm>
+        </p:spPr>
+      </p:sp>
+      <p:sp>
+        <p:nvSpPr>
+          <p:cNvPr id="3" name="Notes Placeholder 2"/>
+          <p:cNvSpPr>
+            <a:spLocks noGrp="1"/>
+          </p:cNvSpPr>
+          <p:nvPr>
+            <p:ph type="body" idx="1"/>
+          </p:nvPr>
+        </p:nvSpPr>
+        <p:spPr/>
+        <p:txBody>
+          <a:bodyPr/>
+          <a:lstStyle/>
+          <a:p>
+            <a:endParaRPr lang="en-US" dirty="0"/>
+          </a:p>
+        </p:txBody>
+      </p:sp>
+      <p:sp>
+        <p:nvSpPr>
+          <p:cNvPr id="4" name="Slide Number Placeholder 3"/>
+          <p:cNvSpPr>
+            <a:spLocks noGrp="1"/>
+          </p:cNvSpPr>
+          <p:nvPr>
+            <p:ph type="sldNum" sz="quarter" idx="10"/>
+          </p:nvPr>
+        </p:nvSpPr>
+        <p:spPr/>
+        <p:txBody>
+          <a:bodyPr/>
+          <a:lstStyle/>
+          <a:p>
+            <a:fld id="{94CE3395-F8FF-4336-B2AA-E15575B990E7}" type="slidenum">
+              <a:rPr lang="en-US" smtClean="0"/>
+              <a:t>14</a:t>
+            </a:fld>
+            <a:endParaRPr lang="en-US" dirty="0"/>
+          </a:p>
+        </p:txBody>
+      </p:sp>
+    </p:spTree>
+    <p:extLst>
+      <p:ext uri="{BB962C8B-B14F-4D97-AF65-F5344CB8AC3E}">
+        <p14:creationId xmlns:p14="http://schemas.microsoft.com/office/powerpoint/2010/main" val="2986958762"/>
+      </p:ext>
+    </p:extLst>
+  </p:cSld>
+  <p:clrMapOvr>
+    <a:masterClrMapping/>
+  </p:clrMapOvr>
+</p:notes>
+</file>
+
+<file path=ppt/notesSlides/notesSlide11.xml><?xml version="1.0" encoding="utf-8"?>
+<p:notes xmlns:a="http://schemas.openxmlformats.org/drawingml/2006/main" xmlns:r="http://schemas.openxmlformats.org/officeDocument/2006/relationships" xmlns:p="http://schemas.openxmlformats.org/presentationml/2006/main">
+  <p:cSld>
+    <p:spTree>
+      <p:nvGrpSpPr>
+        <p:cNvPr id="1" name=""/>
+        <p:cNvGrpSpPr/>
+        <p:nvPr/>
+      </p:nvGrpSpPr>
+      <p:grpSpPr>
+        <a:xfrm>
+          <a:off x="0" y="0"/>
+          <a:ext cx="0" cy="0"/>
+          <a:chOff x="0" y="0"/>
+          <a:chExt cx="0" cy="0"/>
+        </a:xfrm>
+      </p:grpSpPr>
+      <p:sp>
+        <p:nvSpPr>
+          <p:cNvPr id="2" name="Slide Image Placeholder 1"/>
+          <p:cNvSpPr>
+            <a:spLocks noGrp="1" noRot="1" noChangeAspect="1"/>
+          </p:cNvSpPr>
+          <p:nvPr>
+            <p:ph type="sldImg"/>
+          </p:nvPr>
+        </p:nvSpPr>
+        <p:spPr>
+          <a:xfrm>
+            <a:off x="685800" y="1143000"/>
+            <a:ext cx="5486400" cy="3086100"/>
+          </a:xfrm>
+        </p:spPr>
+      </p:sp>
+      <p:sp>
+        <p:nvSpPr>
+          <p:cNvPr id="3" name="Notes Placeholder 2"/>
+          <p:cNvSpPr>
+            <a:spLocks noGrp="1"/>
+          </p:cNvSpPr>
+          <p:nvPr>
+            <p:ph type="body" idx="1"/>
+          </p:nvPr>
+        </p:nvSpPr>
+        <p:spPr/>
+        <p:txBody>
+          <a:bodyPr/>
+          <a:lstStyle/>
+          <a:p>
+            <a:endParaRPr lang="en-US" dirty="0"/>
+          </a:p>
+        </p:txBody>
+      </p:sp>
+      <p:sp>
+        <p:nvSpPr>
+          <p:cNvPr id="4" name="Slide Number Placeholder 3"/>
+          <p:cNvSpPr>
+            <a:spLocks noGrp="1"/>
+          </p:cNvSpPr>
+          <p:nvPr>
+            <p:ph type="sldNum" sz="quarter" idx="10"/>
+          </p:nvPr>
+        </p:nvSpPr>
+        <p:spPr/>
+        <p:txBody>
+          <a:bodyPr/>
+          <a:lstStyle/>
+          <a:p>
+            <a:fld id="{94CE3395-F8FF-4336-B2AA-E15575B990E7}" type="slidenum">
+              <a:rPr lang="en-US" smtClean="0"/>
+              <a:t>15</a:t>
+            </a:fld>
+            <a:endParaRPr lang="en-US" dirty="0"/>
+          </a:p>
+        </p:txBody>
+      </p:sp>
+    </p:spTree>
+    <p:extLst>
+      <p:ext uri="{BB962C8B-B14F-4D97-AF65-F5344CB8AC3E}">
+        <p14:creationId xmlns:p14="http://schemas.microsoft.com/office/powerpoint/2010/main" val="3985613858"/>
+      </p:ext>
+    </p:extLst>
+  </p:cSld>
+  <p:clrMapOvr>
+    <a:masterClrMapping/>
+  </p:clrMapOvr>
+</p:notes>
+</file>
+
+<file path=ppt/notesSlides/notesSlide12.xml><?xml version="1.0" encoding="utf-8"?>
+<p:notes xmlns:a="http://schemas.openxmlformats.org/drawingml/2006/main" xmlns:r="http://schemas.openxmlformats.org/officeDocument/2006/relationships" xmlns:p="http://schemas.openxmlformats.org/presentationml/2006/main">
+  <p:cSld>
+    <p:spTree>
+      <p:nvGrpSpPr>
+        <p:cNvPr id="1" name=""/>
+        <p:cNvGrpSpPr/>
+        <p:nvPr/>
+      </p:nvGrpSpPr>
+      <p:grpSpPr>
+        <a:xfrm>
+          <a:off x="0" y="0"/>
+          <a:ext cx="0" cy="0"/>
+          <a:chOff x="0" y="0"/>
+          <a:chExt cx="0" cy="0"/>
+        </a:xfrm>
+      </p:grpSpPr>
+      <p:sp>
+        <p:nvSpPr>
+          <p:cNvPr id="2" name="Slide Image Placeholder 1"/>
+          <p:cNvSpPr>
+            <a:spLocks noGrp="1" noRot="1" noChangeAspect="1"/>
+          </p:cNvSpPr>
+          <p:nvPr>
+            <p:ph type="sldImg"/>
+          </p:nvPr>
+        </p:nvSpPr>
+        <p:spPr>
+          <a:xfrm>
+            <a:off x="685800" y="1143000"/>
+            <a:ext cx="5486400" cy="3086100"/>
+          </a:xfrm>
+        </p:spPr>
+      </p:sp>
+      <p:sp>
+        <p:nvSpPr>
+          <p:cNvPr id="3" name="Notes Placeholder 2"/>
+          <p:cNvSpPr>
+            <a:spLocks noGrp="1"/>
+          </p:cNvSpPr>
+          <p:nvPr>
+            <p:ph type="body" idx="1"/>
+          </p:nvPr>
+        </p:nvSpPr>
+        <p:spPr/>
+        <p:txBody>
+          <a:bodyPr/>
+          <a:lstStyle/>
+          <a:p>
+            <a:endParaRPr lang="en-US" baseline="0" dirty="0"/>
+          </a:p>
+        </p:txBody>
+      </p:sp>
+      <p:sp>
+        <p:nvSpPr>
+          <p:cNvPr id="4" name="Slide Number Placeholder 3"/>
+          <p:cNvSpPr>
+            <a:spLocks noGrp="1"/>
+          </p:cNvSpPr>
+          <p:nvPr>
+            <p:ph type="sldNum" sz="quarter" idx="10"/>
+          </p:nvPr>
+        </p:nvSpPr>
+        <p:spPr/>
+        <p:txBody>
+          <a:bodyPr/>
+          <a:lstStyle/>
+          <a:p>
+            <a:fld id="{94CE3395-F8FF-4336-B2AA-E15575B990E7}" type="slidenum">
+              <a:rPr lang="en-US" smtClean="0"/>
+              <a:t>16</a:t>
+            </a:fld>
+            <a:endParaRPr lang="en-US" dirty="0"/>
+          </a:p>
+        </p:txBody>
+      </p:sp>
+    </p:spTree>
+    <p:extLst>
+      <p:ext uri="{BB962C8B-B14F-4D97-AF65-F5344CB8AC3E}">
+        <p14:creationId xmlns:p14="http://schemas.microsoft.com/office/powerpoint/2010/main" val="2659012186"/>
+      </p:ext>
+    </p:extLst>
+  </p:cSld>
+  <p:clrMapOvr>
+    <a:masterClrMapping/>
+  </p:clrMapOvr>
+</p:notes>
+</file>
+
 <file path=ppt/notesSlides/notesSlide2.xml><?xml version="1.0" encoding="utf-8"?>
 <p:notes xmlns:a="http://schemas.openxmlformats.org/drawingml/2006/main" xmlns:r="http://schemas.openxmlformats.org/officeDocument/2006/relationships" xmlns:p="http://schemas.openxmlformats.org/presentationml/2006/main">
   <p:cSld>
@@ -1116,7 +1401,7 @@
     </p:spTree>
     <p:extLst>
       <p:ext uri="{BB962C8B-B14F-4D97-AF65-F5344CB8AC3E}">
-        <p14:creationId xmlns:p14="http://schemas.microsoft.com/office/powerpoint/2010/main" val="3985613858"/>
+        <p14:creationId xmlns:p14="http://schemas.microsoft.com/office/powerpoint/2010/main" val="3909354588"/>
       </p:ext>
     </p:extLst>
   </p:cSld>
@@ -1175,6 +1460,10 @@
           <a:bodyPr/>
           <a:lstStyle/>
           <a:p>
+            <a:pPr marL="171450" indent="-171450">
+              <a:buFont typeface="Arial" panose="020B0604020202020204" pitchFamily="34" charset="0"/>
+              <a:buChar char="•"/>
+            </a:pPr>
             <a:endParaRPr lang="en-US" baseline="0" dirty="0"/>
           </a:p>
         </p:txBody>
@@ -1196,7 +1485,7 @@
           <a:p>
             <a:fld id="{94CE3395-F8FF-4336-B2AA-E15575B990E7}" type="slidenum">
               <a:rPr lang="en-US" smtClean="0"/>
-              <a:t>7</a:t>
+              <a:t>10</a:t>
             </a:fld>
             <a:endParaRPr lang="en-US" dirty="0"/>
           </a:p>
@@ -1205,7 +1494,189 @@
     </p:spTree>
     <p:extLst>
       <p:ext uri="{BB962C8B-B14F-4D97-AF65-F5344CB8AC3E}">
-        <p14:creationId xmlns:p14="http://schemas.microsoft.com/office/powerpoint/2010/main" val="2659012186"/>
+        <p14:creationId xmlns:p14="http://schemas.microsoft.com/office/powerpoint/2010/main" val="854619830"/>
+      </p:ext>
+    </p:extLst>
+  </p:cSld>
+  <p:clrMapOvr>
+    <a:masterClrMapping/>
+  </p:clrMapOvr>
+</p:notes>
+</file>
+
+<file path=ppt/notesSlides/notesSlide8.xml><?xml version="1.0" encoding="utf-8"?>
+<p:notes xmlns:a="http://schemas.openxmlformats.org/drawingml/2006/main" xmlns:r="http://schemas.openxmlformats.org/officeDocument/2006/relationships" xmlns:p="http://schemas.openxmlformats.org/presentationml/2006/main">
+  <p:cSld>
+    <p:spTree>
+      <p:nvGrpSpPr>
+        <p:cNvPr id="1" name=""/>
+        <p:cNvGrpSpPr/>
+        <p:nvPr/>
+      </p:nvGrpSpPr>
+      <p:grpSpPr>
+        <a:xfrm>
+          <a:off x="0" y="0"/>
+          <a:ext cx="0" cy="0"/>
+          <a:chOff x="0" y="0"/>
+          <a:chExt cx="0" cy="0"/>
+        </a:xfrm>
+      </p:grpSpPr>
+      <p:sp>
+        <p:nvSpPr>
+          <p:cNvPr id="2" name="Slide Image Placeholder 1"/>
+          <p:cNvSpPr>
+            <a:spLocks noGrp="1" noRot="1" noChangeAspect="1"/>
+          </p:cNvSpPr>
+          <p:nvPr>
+            <p:ph type="sldImg"/>
+          </p:nvPr>
+        </p:nvSpPr>
+        <p:spPr>
+          <a:xfrm>
+            <a:off x="685800" y="1143000"/>
+            <a:ext cx="5486400" cy="3086100"/>
+          </a:xfrm>
+        </p:spPr>
+      </p:sp>
+      <p:sp>
+        <p:nvSpPr>
+          <p:cNvPr id="3" name="Notes Placeholder 2"/>
+          <p:cNvSpPr>
+            <a:spLocks noGrp="1"/>
+          </p:cNvSpPr>
+          <p:nvPr>
+            <p:ph type="body" idx="1"/>
+          </p:nvPr>
+        </p:nvSpPr>
+        <p:spPr/>
+        <p:txBody>
+          <a:bodyPr/>
+          <a:lstStyle/>
+          <a:p>
+            <a:pPr marL="171450" indent="-171450">
+              <a:buFont typeface="Arial" panose="020B0604020202020204" pitchFamily="34" charset="0"/>
+              <a:buChar char="•"/>
+            </a:pPr>
+            <a:endParaRPr lang="en-US" baseline="0" dirty="0"/>
+          </a:p>
+        </p:txBody>
+      </p:sp>
+      <p:sp>
+        <p:nvSpPr>
+          <p:cNvPr id="4" name="Slide Number Placeholder 3"/>
+          <p:cNvSpPr>
+            <a:spLocks noGrp="1"/>
+          </p:cNvSpPr>
+          <p:nvPr>
+            <p:ph type="sldNum" sz="quarter" idx="10"/>
+          </p:nvPr>
+        </p:nvSpPr>
+        <p:spPr/>
+        <p:txBody>
+          <a:bodyPr/>
+          <a:lstStyle/>
+          <a:p>
+            <a:fld id="{94CE3395-F8FF-4336-B2AA-E15575B990E7}" type="slidenum">
+              <a:rPr lang="en-US" smtClean="0"/>
+              <a:t>12</a:t>
+            </a:fld>
+            <a:endParaRPr lang="en-US" dirty="0"/>
+          </a:p>
+        </p:txBody>
+      </p:sp>
+    </p:spTree>
+    <p:extLst>
+      <p:ext uri="{BB962C8B-B14F-4D97-AF65-F5344CB8AC3E}">
+        <p14:creationId xmlns:p14="http://schemas.microsoft.com/office/powerpoint/2010/main" val="336173847"/>
+      </p:ext>
+    </p:extLst>
+  </p:cSld>
+  <p:clrMapOvr>
+    <a:masterClrMapping/>
+  </p:clrMapOvr>
+</p:notes>
+</file>
+
+<file path=ppt/notesSlides/notesSlide9.xml><?xml version="1.0" encoding="utf-8"?>
+<p:notes xmlns:a="http://schemas.openxmlformats.org/drawingml/2006/main" xmlns:r="http://schemas.openxmlformats.org/officeDocument/2006/relationships" xmlns:p="http://schemas.openxmlformats.org/presentationml/2006/main">
+  <p:cSld>
+    <p:spTree>
+      <p:nvGrpSpPr>
+        <p:cNvPr id="1" name=""/>
+        <p:cNvGrpSpPr/>
+        <p:nvPr/>
+      </p:nvGrpSpPr>
+      <p:grpSpPr>
+        <a:xfrm>
+          <a:off x="0" y="0"/>
+          <a:ext cx="0" cy="0"/>
+          <a:chOff x="0" y="0"/>
+          <a:chExt cx="0" cy="0"/>
+        </a:xfrm>
+      </p:grpSpPr>
+      <p:sp>
+        <p:nvSpPr>
+          <p:cNvPr id="2" name="Slide Image Placeholder 1"/>
+          <p:cNvSpPr>
+            <a:spLocks noGrp="1" noRot="1" noChangeAspect="1"/>
+          </p:cNvSpPr>
+          <p:nvPr>
+            <p:ph type="sldImg"/>
+          </p:nvPr>
+        </p:nvSpPr>
+        <p:spPr>
+          <a:xfrm>
+            <a:off x="685800" y="1143000"/>
+            <a:ext cx="5486400" cy="3086100"/>
+          </a:xfrm>
+        </p:spPr>
+      </p:sp>
+      <p:sp>
+        <p:nvSpPr>
+          <p:cNvPr id="3" name="Notes Placeholder 2"/>
+          <p:cNvSpPr>
+            <a:spLocks noGrp="1"/>
+          </p:cNvSpPr>
+          <p:nvPr>
+            <p:ph type="body" idx="1"/>
+          </p:nvPr>
+        </p:nvSpPr>
+        <p:spPr/>
+        <p:txBody>
+          <a:bodyPr/>
+          <a:lstStyle/>
+          <a:p>
+            <a:endParaRPr lang="en-US" dirty="0"/>
+          </a:p>
+        </p:txBody>
+      </p:sp>
+      <p:sp>
+        <p:nvSpPr>
+          <p:cNvPr id="4" name="Slide Number Placeholder 3"/>
+          <p:cNvSpPr>
+            <a:spLocks noGrp="1"/>
+          </p:cNvSpPr>
+          <p:nvPr>
+            <p:ph type="sldNum" sz="quarter" idx="10"/>
+          </p:nvPr>
+        </p:nvSpPr>
+        <p:spPr/>
+        <p:txBody>
+          <a:bodyPr/>
+          <a:lstStyle/>
+          <a:p>
+            <a:fld id="{94CE3395-F8FF-4336-B2AA-E15575B990E7}" type="slidenum">
+              <a:rPr lang="en-US" smtClean="0"/>
+              <a:t>13</a:t>
+            </a:fld>
+            <a:endParaRPr lang="en-US" dirty="0"/>
+          </a:p>
+        </p:txBody>
+      </p:sp>
+    </p:spTree>
+    <p:extLst>
+      <p:ext uri="{BB962C8B-B14F-4D97-AF65-F5344CB8AC3E}">
+        <p14:creationId xmlns:p14="http://schemas.microsoft.com/office/powerpoint/2010/main" val="2449990566"/>
       </p:ext>
     </p:extLst>
   </p:cSld>
@@ -4184,6 +4655,944 @@
 </p:sld>
 </file>
 
+<file path=ppt/slides/slide10.xml><?xml version="1.0" encoding="utf-8"?>
+<p:sld xmlns:a="http://schemas.openxmlformats.org/drawingml/2006/main" xmlns:r="http://schemas.openxmlformats.org/officeDocument/2006/relationships" xmlns:p="http://schemas.openxmlformats.org/presentationml/2006/main">
+  <p:cSld>
+    <p:spTree>
+      <p:nvGrpSpPr>
+        <p:cNvPr id="1" name=""/>
+        <p:cNvGrpSpPr/>
+        <p:nvPr/>
+      </p:nvGrpSpPr>
+      <p:grpSpPr>
+        <a:xfrm>
+          <a:off x="0" y="0"/>
+          <a:ext cx="0" cy="0"/>
+          <a:chOff x="0" y="0"/>
+          <a:chExt cx="0" cy="0"/>
+        </a:xfrm>
+      </p:grpSpPr>
+      <p:sp>
+        <p:nvSpPr>
+          <p:cNvPr id="2" name="Title 1"/>
+          <p:cNvSpPr>
+            <a:spLocks noGrp="1"/>
+          </p:cNvSpPr>
+          <p:nvPr>
+            <p:ph type="title"/>
+          </p:nvPr>
+        </p:nvSpPr>
+        <p:spPr/>
+        <p:txBody>
+          <a:bodyPr/>
+          <a:lstStyle/>
+          <a:p>
+            <a:r>
+              <a:rPr lang="en-US" dirty="0"/>
+              <a:t>Demo: Telemetry the Easy Way</a:t>
+            </a:r>
+          </a:p>
+        </p:txBody>
+      </p:sp>
+    </p:spTree>
+    <p:extLst>
+      <p:ext uri="{BB962C8B-B14F-4D97-AF65-F5344CB8AC3E}">
+        <p14:creationId xmlns:p14="http://schemas.microsoft.com/office/powerpoint/2010/main" val="2978234360"/>
+      </p:ext>
+    </p:extLst>
+  </p:cSld>
+  <p:clrMapOvr>
+    <a:masterClrMapping/>
+  </p:clrMapOvr>
+  <p:transition>
+    <p:fade/>
+  </p:transition>
+</p:sld>
+</file>
+
+<file path=ppt/slides/slide11.xml><?xml version="1.0" encoding="utf-8"?>
+<p:sld xmlns:a="http://schemas.openxmlformats.org/drawingml/2006/main" xmlns:r="http://schemas.openxmlformats.org/officeDocument/2006/relationships" xmlns:p="http://schemas.openxmlformats.org/presentationml/2006/main">
+  <p:cSld>
+    <p:spTree>
+      <p:nvGrpSpPr>
+        <p:cNvPr id="1" name=""/>
+        <p:cNvGrpSpPr/>
+        <p:nvPr/>
+      </p:nvGrpSpPr>
+      <p:grpSpPr>
+        <a:xfrm>
+          <a:off x="0" y="0"/>
+          <a:ext cx="0" cy="0"/>
+          <a:chOff x="0" y="0"/>
+          <a:chExt cx="0" cy="0"/>
+        </a:xfrm>
+      </p:grpSpPr>
+      <p:sp>
+        <p:nvSpPr>
+          <p:cNvPr id="3" name="Title 2">
+            <a:extLst>
+              <a:ext uri="{FF2B5EF4-FFF2-40B4-BE49-F238E27FC236}">
+                <a16:creationId xmlns:a16="http://schemas.microsoft.com/office/drawing/2014/main" id="{9441F8B5-FA38-46C3-BB17-0AAB7E0FC16C}"/>
+              </a:ext>
+            </a:extLst>
+          </p:cNvPr>
+          <p:cNvSpPr>
+            <a:spLocks noGrp="1"/>
+          </p:cNvSpPr>
+          <p:nvPr>
+            <p:ph type="title"/>
+          </p:nvPr>
+        </p:nvSpPr>
+        <p:spPr/>
+        <p:txBody>
+          <a:bodyPr/>
+          <a:lstStyle/>
+          <a:p>
+            <a:r>
+              <a:rPr lang="en-US" dirty="0"/>
+              <a:t>Demo: Local Telemetry</a:t>
+            </a:r>
+          </a:p>
+        </p:txBody>
+      </p:sp>
+      <p:sp>
+        <p:nvSpPr>
+          <p:cNvPr id="4" name="Text Placeholder 3">
+            <a:extLst>
+              <a:ext uri="{FF2B5EF4-FFF2-40B4-BE49-F238E27FC236}">
+                <a16:creationId xmlns:a16="http://schemas.microsoft.com/office/drawing/2014/main" id="{7BD85031-FD42-6790-BA83-C5AD8F1BBB24}"/>
+              </a:ext>
+            </a:extLst>
+          </p:cNvPr>
+          <p:cNvSpPr>
+            <a:spLocks noGrp="1"/>
+          </p:cNvSpPr>
+          <p:nvPr>
+            <p:ph type="body" sz="quarter" idx="10"/>
+          </p:nvPr>
+        </p:nvSpPr>
+        <p:spPr/>
+        <p:txBody>
+          <a:bodyPr/>
+          <a:lstStyle/>
+          <a:p>
+            <a:endParaRPr lang="en-US"/>
+          </a:p>
+        </p:txBody>
+      </p:sp>
+      <p:pic>
+        <p:nvPicPr>
+          <p:cNvPr id="8" name="Picture 7">
+            <a:extLst>
+              <a:ext uri="{FF2B5EF4-FFF2-40B4-BE49-F238E27FC236}">
+                <a16:creationId xmlns:a16="http://schemas.microsoft.com/office/drawing/2014/main" id="{8EA881E6-EFB4-E0AB-7A9E-39009C73B1A5}"/>
+              </a:ext>
+            </a:extLst>
+          </p:cNvPr>
+          <p:cNvPicPr>
+            <a:picLocks noChangeAspect="1"/>
+          </p:cNvPicPr>
+          <p:nvPr/>
+        </p:nvPicPr>
+        <p:blipFill>
+          <a:blip r:embed="rId2"/>
+          <a:stretch>
+            <a:fillRect/>
+          </a:stretch>
+        </p:blipFill>
+        <p:spPr>
+          <a:xfrm>
+            <a:off x="38712" y="1683834"/>
+            <a:ext cx="12111841" cy="3088191"/>
+          </a:xfrm>
+          <a:prstGeom prst="rect">
+            <a:avLst/>
+          </a:prstGeom>
+        </p:spPr>
+      </p:pic>
+    </p:spTree>
+    <p:extLst>
+      <p:ext uri="{BB962C8B-B14F-4D97-AF65-F5344CB8AC3E}">
+        <p14:creationId xmlns:p14="http://schemas.microsoft.com/office/powerpoint/2010/main" val="3758030291"/>
+      </p:ext>
+    </p:extLst>
+  </p:cSld>
+  <p:clrMapOvr>
+    <a:masterClrMapping/>
+  </p:clrMapOvr>
+  <p:transition>
+    <p:fade/>
+  </p:transition>
+</p:sld>
+</file>
+
+<file path=ppt/slides/slide12.xml><?xml version="1.0" encoding="utf-8"?>
+<p:sld xmlns:a="http://schemas.openxmlformats.org/drawingml/2006/main" xmlns:r="http://schemas.openxmlformats.org/officeDocument/2006/relationships" xmlns:p="http://schemas.openxmlformats.org/presentationml/2006/main">
+  <p:cSld>
+    <p:spTree>
+      <p:nvGrpSpPr>
+        <p:cNvPr id="1" name=""/>
+        <p:cNvGrpSpPr/>
+        <p:nvPr/>
+      </p:nvGrpSpPr>
+      <p:grpSpPr>
+        <a:xfrm>
+          <a:off x="0" y="0"/>
+          <a:ext cx="0" cy="0"/>
+          <a:chOff x="0" y="0"/>
+          <a:chExt cx="0" cy="0"/>
+        </a:xfrm>
+      </p:grpSpPr>
+      <p:sp>
+        <p:nvSpPr>
+          <p:cNvPr id="2" name="Title 1"/>
+          <p:cNvSpPr>
+            <a:spLocks noGrp="1"/>
+          </p:cNvSpPr>
+          <p:nvPr>
+            <p:ph type="title"/>
+          </p:nvPr>
+        </p:nvSpPr>
+        <p:spPr/>
+        <p:txBody>
+          <a:bodyPr/>
+          <a:lstStyle/>
+          <a:p>
+            <a:r>
+              <a:rPr lang="en-US" dirty="0"/>
+              <a:t>Logging</a:t>
+            </a:r>
+          </a:p>
+        </p:txBody>
+      </p:sp>
+    </p:spTree>
+    <p:extLst>
+      <p:ext uri="{BB962C8B-B14F-4D97-AF65-F5344CB8AC3E}">
+        <p14:creationId xmlns:p14="http://schemas.microsoft.com/office/powerpoint/2010/main" val="2083269779"/>
+      </p:ext>
+    </p:extLst>
+  </p:cSld>
+  <p:clrMapOvr>
+    <a:masterClrMapping/>
+  </p:clrMapOvr>
+  <p:transition>
+    <p:fade/>
+  </p:transition>
+</p:sld>
+</file>
+
+<file path=ppt/slides/slide13.xml><?xml version="1.0" encoding="utf-8"?>
+<p:sld xmlns:a="http://schemas.openxmlformats.org/drawingml/2006/main" xmlns:r="http://schemas.openxmlformats.org/officeDocument/2006/relationships" xmlns:p="http://schemas.openxmlformats.org/presentationml/2006/main">
+  <p:cSld>
+    <p:spTree>
+      <p:nvGrpSpPr>
+        <p:cNvPr id="1" name=""/>
+        <p:cNvGrpSpPr/>
+        <p:nvPr/>
+      </p:nvGrpSpPr>
+      <p:grpSpPr>
+        <a:xfrm>
+          <a:off x="0" y="0"/>
+          <a:ext cx="0" cy="0"/>
+          <a:chOff x="0" y="0"/>
+          <a:chExt cx="0" cy="0"/>
+        </a:xfrm>
+      </p:grpSpPr>
+      <p:sp>
+        <p:nvSpPr>
+          <p:cNvPr id="3" name="Title 2"/>
+          <p:cNvSpPr>
+            <a:spLocks noGrp="1"/>
+          </p:cNvSpPr>
+          <p:nvPr>
+            <p:ph type="title"/>
+          </p:nvPr>
+        </p:nvSpPr>
+        <p:spPr/>
+        <p:txBody>
+          <a:bodyPr/>
+          <a:lstStyle/>
+          <a:p>
+            <a:r>
+              <a:rPr lang="en-US" dirty="0"/>
+              <a:t>Semantic logging</a:t>
+            </a:r>
+          </a:p>
+        </p:txBody>
+      </p:sp>
+      <p:sp>
+        <p:nvSpPr>
+          <p:cNvPr id="4" name="Text Placeholder 3"/>
+          <p:cNvSpPr>
+            <a:spLocks noGrp="1"/>
+          </p:cNvSpPr>
+          <p:nvPr>
+            <p:ph type="body" sz="quarter" idx="10"/>
+          </p:nvPr>
+        </p:nvSpPr>
+        <p:spPr>
+          <a:xfrm>
+            <a:off x="269239" y="1197324"/>
+            <a:ext cx="11653523" cy="4167488"/>
+          </a:xfrm>
+        </p:spPr>
+        <p:txBody>
+          <a:bodyPr/>
+          <a:lstStyle/>
+          <a:p>
+            <a:pPr marL="457200" indent="-457200">
+              <a:buFontTx/>
+              <a:buChar char="-"/>
+            </a:pPr>
+            <a:r>
+              <a:rPr lang="en-US" dirty="0"/>
+              <a:t>A.k.a. Structured logging</a:t>
+            </a:r>
+          </a:p>
+          <a:p>
+            <a:pPr marL="457200" indent="-457200">
+              <a:buFontTx/>
+              <a:buChar char="-"/>
+            </a:pPr>
+            <a:r>
+              <a:rPr lang="en-US" dirty="0"/>
+              <a:t>A.k.a. Message templates </a:t>
+            </a:r>
+            <a:r>
+              <a:rPr lang="en-US" dirty="0">
+                <a:hlinkClick r:id="rId3"/>
+              </a:rPr>
+              <a:t>https://messagetemplates.org/</a:t>
+            </a:r>
+            <a:endParaRPr lang="en-US" dirty="0"/>
+          </a:p>
+          <a:p>
+            <a:pPr marL="457200" indent="-457200">
+              <a:buFontTx/>
+              <a:buChar char="-"/>
+            </a:pPr>
+            <a:endParaRPr lang="en-US" dirty="0"/>
+          </a:p>
+          <a:p>
+            <a:pPr marL="457200" indent="-457200">
+              <a:buFontTx/>
+              <a:buChar char="-"/>
+            </a:pPr>
+            <a:r>
+              <a:rPr lang="en-US" dirty="0"/>
+              <a:t>Technically violates 12-factor app: </a:t>
+            </a:r>
+            <a:r>
+              <a:rPr lang="en-US" dirty="0">
+                <a:hlinkClick r:id="rId4"/>
+              </a:rPr>
+              <a:t>https://12factor.net/</a:t>
+            </a:r>
+            <a:endParaRPr lang="en-US" dirty="0"/>
+          </a:p>
+          <a:p>
+            <a:pPr marL="457200" indent="-457200">
+              <a:buFontTx/>
+              <a:buChar char="-"/>
+            </a:pPr>
+            <a:r>
+              <a:rPr lang="en-US" dirty="0"/>
+              <a:t>Modern ASP.NET</a:t>
+            </a:r>
+          </a:p>
+          <a:p>
+            <a:pPr marL="796926" lvl="1" indent="-457200">
+              <a:buFontTx/>
+              <a:buChar char="-"/>
+            </a:pPr>
+            <a:r>
+              <a:rPr lang="en-US" dirty="0"/>
+              <a:t>Everything else! Be wary of injecting the wrong type. Variance.</a:t>
+            </a:r>
+          </a:p>
+          <a:p>
+            <a:pPr marL="457200" indent="-457200">
+              <a:buFontTx/>
+              <a:buChar char="-"/>
+            </a:pPr>
+            <a:r>
+              <a:rPr lang="en-US" dirty="0"/>
+              <a:t>Scopes!</a:t>
+            </a:r>
+          </a:p>
+          <a:p>
+            <a:pPr marL="796926" lvl="1" indent="-457200">
+              <a:buFontTx/>
+              <a:buChar char="-"/>
+            </a:pPr>
+            <a:r>
+              <a:rPr lang="en-US" dirty="0"/>
+              <a:t>Pitfall: exception logging scopes</a:t>
+            </a:r>
+          </a:p>
+        </p:txBody>
+      </p:sp>
+    </p:spTree>
+    <p:extLst>
+      <p:ext uri="{BB962C8B-B14F-4D97-AF65-F5344CB8AC3E}">
+        <p14:creationId xmlns:p14="http://schemas.microsoft.com/office/powerpoint/2010/main" val="3453632353"/>
+      </p:ext>
+    </p:extLst>
+  </p:cSld>
+  <p:clrMapOvr>
+    <a:masterClrMapping/>
+  </p:clrMapOvr>
+  <p:transition>
+    <p:fade/>
+  </p:transition>
+</p:sld>
+</file>
+
+<file path=ppt/slides/slide14.xml><?xml version="1.0" encoding="utf-8"?>
+<p:sld xmlns:a="http://schemas.openxmlformats.org/drawingml/2006/main" xmlns:r="http://schemas.openxmlformats.org/officeDocument/2006/relationships" xmlns:p="http://schemas.openxmlformats.org/presentationml/2006/main">
+  <p:cSld>
+    <p:spTree>
+      <p:nvGrpSpPr>
+        <p:cNvPr id="1" name=""/>
+        <p:cNvGrpSpPr/>
+        <p:nvPr/>
+      </p:nvGrpSpPr>
+      <p:grpSpPr>
+        <a:xfrm>
+          <a:off x="0" y="0"/>
+          <a:ext cx="0" cy="0"/>
+          <a:chOff x="0" y="0"/>
+          <a:chExt cx="0" cy="0"/>
+        </a:xfrm>
+      </p:grpSpPr>
+      <p:sp>
+        <p:nvSpPr>
+          <p:cNvPr id="3" name="Title 2"/>
+          <p:cNvSpPr>
+            <a:spLocks noGrp="1"/>
+          </p:cNvSpPr>
+          <p:nvPr>
+            <p:ph type="title"/>
+          </p:nvPr>
+        </p:nvSpPr>
+        <p:spPr/>
+        <p:txBody>
+          <a:bodyPr/>
+          <a:lstStyle/>
+          <a:p>
+            <a:endParaRPr lang="en-US" dirty="0"/>
+          </a:p>
+        </p:txBody>
+      </p:sp>
+      <p:sp>
+        <p:nvSpPr>
+          <p:cNvPr id="4" name="Text Placeholder 3"/>
+          <p:cNvSpPr>
+            <a:spLocks noGrp="1"/>
+          </p:cNvSpPr>
+          <p:nvPr>
+            <p:ph type="body" sz="quarter" idx="10"/>
+          </p:nvPr>
+        </p:nvSpPr>
+        <p:spPr>
+          <a:xfrm>
+            <a:off x="269239" y="1197324"/>
+            <a:ext cx="11653523" cy="3370859"/>
+          </a:xfrm>
+        </p:spPr>
+        <p:txBody>
+          <a:bodyPr/>
+          <a:lstStyle/>
+          <a:p>
+            <a:pPr marL="457200" indent="-457200">
+              <a:buFontTx/>
+              <a:buChar char="-"/>
+            </a:pPr>
+            <a:r>
+              <a:rPr lang="en-US" dirty="0"/>
+              <a:t>Semantic logging a.k.a. Structured logging </a:t>
+            </a:r>
+            <a:r>
+              <a:rPr lang="en-US" dirty="0" err="1"/>
+              <a:t>a.k.a</a:t>
+            </a:r>
+            <a:r>
+              <a:rPr lang="en-US" dirty="0"/>
+              <a:t> </a:t>
+            </a:r>
+            <a:r>
+              <a:rPr lang="en-US" dirty="0">
+                <a:hlinkClick r:id="rId3"/>
+              </a:rPr>
+              <a:t>https://messagetemplates.org/</a:t>
+            </a:r>
+            <a:endParaRPr lang="en-US" dirty="0"/>
+          </a:p>
+          <a:p>
+            <a:pPr marL="796926" lvl="1" indent="-457200">
+              <a:buFontTx/>
+              <a:buChar char="-"/>
+            </a:pPr>
+            <a:r>
+              <a:rPr lang="en-US" dirty="0"/>
+              <a:t>12-factor app: </a:t>
+            </a:r>
+            <a:r>
+              <a:rPr lang="en-US" dirty="0">
+                <a:hlinkClick r:id="rId4"/>
+              </a:rPr>
+              <a:t>https://12factor.net/</a:t>
+            </a:r>
+            <a:endParaRPr lang="en-US" dirty="0"/>
+          </a:p>
+          <a:p>
+            <a:pPr marL="457200" indent="-457200">
+              <a:buFontTx/>
+              <a:buChar char="-"/>
+            </a:pPr>
+            <a:r>
+              <a:rPr lang="en-US" dirty="0"/>
+              <a:t>Modern ASP.NET</a:t>
+            </a:r>
+          </a:p>
+          <a:p>
+            <a:pPr marL="796926" lvl="1" indent="-457200">
+              <a:buFontTx/>
+              <a:buChar char="-"/>
+            </a:pPr>
+            <a:r>
+              <a:rPr lang="en-US" dirty="0"/>
+              <a:t>Everything else! Be wary of injecting the wrong type. Variance.</a:t>
+            </a:r>
+          </a:p>
+          <a:p>
+            <a:pPr marL="457200" indent="-457200">
+              <a:buFontTx/>
+              <a:buChar char="-"/>
+            </a:pPr>
+            <a:r>
+              <a:rPr lang="en-US" dirty="0"/>
+              <a:t>Scopes!</a:t>
+            </a:r>
+          </a:p>
+          <a:p>
+            <a:pPr marL="796926" lvl="1" indent="-457200">
+              <a:buFontTx/>
+              <a:buChar char="-"/>
+            </a:pPr>
+            <a:r>
+              <a:rPr lang="en-US" dirty="0"/>
+              <a:t>Pitfall: exception logging scopes</a:t>
+            </a:r>
+          </a:p>
+        </p:txBody>
+      </p:sp>
+    </p:spTree>
+    <p:extLst>
+      <p:ext uri="{BB962C8B-B14F-4D97-AF65-F5344CB8AC3E}">
+        <p14:creationId xmlns:p14="http://schemas.microsoft.com/office/powerpoint/2010/main" val="1963768959"/>
+      </p:ext>
+    </p:extLst>
+  </p:cSld>
+  <p:clrMapOvr>
+    <a:masterClrMapping/>
+  </p:clrMapOvr>
+  <p:transition>
+    <p:fade/>
+  </p:transition>
+</p:sld>
+</file>
+
+<file path=ppt/slides/slide15.xml><?xml version="1.0" encoding="utf-8"?>
+<p:sld xmlns:a="http://schemas.openxmlformats.org/drawingml/2006/main" xmlns:r="http://schemas.openxmlformats.org/officeDocument/2006/relationships" xmlns:p="http://schemas.openxmlformats.org/presentationml/2006/main">
+  <p:cSld>
+    <p:spTree>
+      <p:nvGrpSpPr>
+        <p:cNvPr id="1" name=""/>
+        <p:cNvGrpSpPr/>
+        <p:nvPr/>
+      </p:nvGrpSpPr>
+      <p:grpSpPr>
+        <a:xfrm>
+          <a:off x="0" y="0"/>
+          <a:ext cx="0" cy="0"/>
+          <a:chOff x="0" y="0"/>
+          <a:chExt cx="0" cy="0"/>
+        </a:xfrm>
+      </p:grpSpPr>
+      <p:sp>
+        <p:nvSpPr>
+          <p:cNvPr id="3" name="Title 2"/>
+          <p:cNvSpPr>
+            <a:spLocks noGrp="1"/>
+          </p:cNvSpPr>
+          <p:nvPr>
+            <p:ph type="title"/>
+          </p:nvPr>
+        </p:nvSpPr>
+        <p:spPr/>
+        <p:txBody>
+          <a:bodyPr/>
+          <a:lstStyle/>
+          <a:p>
+            <a:endParaRPr lang="en-US" dirty="0"/>
+          </a:p>
+        </p:txBody>
+      </p:sp>
+      <p:sp>
+        <p:nvSpPr>
+          <p:cNvPr id="4" name="Text Placeholder 3"/>
+          <p:cNvSpPr>
+            <a:spLocks noGrp="1"/>
+          </p:cNvSpPr>
+          <p:nvPr>
+            <p:ph type="body" sz="quarter" idx="10"/>
+          </p:nvPr>
+        </p:nvSpPr>
+        <p:spPr>
+          <a:xfrm>
+            <a:off x="269239" y="1197324"/>
+            <a:ext cx="11653523" cy="4914230"/>
+          </a:xfrm>
+        </p:spPr>
+        <p:txBody>
+          <a:bodyPr/>
+          <a:lstStyle/>
+          <a:p>
+            <a:pPr marL="457200" indent="-457200">
+              <a:buFontTx/>
+              <a:buChar char="-"/>
+            </a:pPr>
+            <a:r>
+              <a:rPr lang="en-US" dirty="0"/>
+              <a:t>Backends: Azure AppInsights / AWS X-Ray / </a:t>
+            </a:r>
+            <a:r>
+              <a:rPr lang="en-US" dirty="0" err="1"/>
+              <a:t>Papertrail</a:t>
+            </a:r>
+            <a:r>
+              <a:rPr lang="en-US" dirty="0"/>
+              <a:t> etc., </a:t>
+            </a:r>
+            <a:r>
+              <a:rPr lang="en-US" dirty="0" err="1"/>
+              <a:t>Graylog</a:t>
+            </a:r>
+            <a:r>
+              <a:rPr lang="en-US" dirty="0"/>
+              <a:t>, Seq</a:t>
+            </a:r>
+          </a:p>
+          <a:p>
+            <a:pPr marL="457200" indent="-457200">
+              <a:buFontTx/>
+              <a:buChar char="-"/>
+            </a:pPr>
+            <a:r>
+              <a:rPr lang="en-US" dirty="0"/>
+              <a:t>Distributed tracing (including across queues)</a:t>
+            </a:r>
+          </a:p>
+          <a:p>
+            <a:pPr marL="457200" indent="-457200">
+              <a:buFontTx/>
+              <a:buChar char="-"/>
+            </a:pPr>
+            <a:r>
+              <a:rPr lang="en-US" dirty="0"/>
+              <a:t>Guidelines:</a:t>
+            </a:r>
+          </a:p>
+          <a:p>
+            <a:pPr marL="796926" lvl="1" indent="-457200">
+              <a:buFontTx/>
+              <a:buChar char="-"/>
+            </a:pPr>
+            <a:r>
+              <a:rPr lang="en-US" dirty="0"/>
+              <a:t>Know your backend (e.g., </a:t>
+            </a:r>
+            <a:r>
+              <a:rPr lang="en-US" dirty="0" err="1"/>
+              <a:t>Graylog’s</a:t>
+            </a:r>
+            <a:r>
+              <a:rPr lang="en-US" dirty="0"/>
+              <a:t> </a:t>
+            </a:r>
+            <a:r>
+              <a:rPr lang="en-US" dirty="0" err="1"/>
+              <a:t>ElasticSearch</a:t>
+            </a:r>
+            <a:r>
+              <a:rPr lang="en-US" dirty="0"/>
+              <a:t> index typing)</a:t>
+            </a:r>
+          </a:p>
+          <a:p>
+            <a:pPr marL="457200" indent="-457200">
+              <a:buFontTx/>
+              <a:buChar char="-"/>
+            </a:pPr>
+            <a:r>
+              <a:rPr lang="en-US" dirty="0"/>
+              <a:t>(time permitting) Implementing loggers, common scope providers.</a:t>
+            </a:r>
+          </a:p>
+          <a:p>
+            <a:pPr marL="457200" indent="-457200">
+              <a:buFontTx/>
+              <a:buChar char="-"/>
+            </a:pPr>
+            <a:r>
+              <a:rPr lang="en-US" dirty="0"/>
+              <a:t>Monitor:</a:t>
+            </a:r>
+          </a:p>
+          <a:p>
+            <a:pPr marL="796926" lvl="1" indent="-457200">
+              <a:buFontTx/>
+              <a:buChar char="-"/>
+            </a:pPr>
+            <a:r>
+              <a:rPr lang="en-US" dirty="0">
+                <a:hlinkClick r:id="rId3"/>
+              </a:rPr>
+              <a:t>https://tinyurl.com/WillAzureMonitorSupportOTLP</a:t>
+            </a:r>
+            <a:endParaRPr lang="en-US" dirty="0"/>
+          </a:p>
+          <a:p>
+            <a:pPr marL="796926" lvl="1" indent="-457200">
+              <a:buFontTx/>
+              <a:buChar char="-"/>
+            </a:pPr>
+            <a:r>
+              <a:rPr lang="en-US" dirty="0">
+                <a:hlinkClick r:id="rId4"/>
+              </a:rPr>
+              <a:t>https://tinyurl.com/AzureMonitorOTELTerminology</a:t>
+            </a:r>
+            <a:endParaRPr lang="en-US" dirty="0"/>
+          </a:p>
+        </p:txBody>
+      </p:sp>
+    </p:spTree>
+    <p:extLst>
+      <p:ext uri="{BB962C8B-B14F-4D97-AF65-F5344CB8AC3E}">
+        <p14:creationId xmlns:p14="http://schemas.microsoft.com/office/powerpoint/2010/main" val="3482452174"/>
+      </p:ext>
+    </p:extLst>
+  </p:cSld>
+  <p:clrMapOvr>
+    <a:masterClrMapping/>
+  </p:clrMapOvr>
+  <p:transition>
+    <p:fade/>
+  </p:transition>
+</p:sld>
+</file>
+
+<file path=ppt/slides/slide16.xml><?xml version="1.0" encoding="utf-8"?>
+<p:sld xmlns:a="http://schemas.openxmlformats.org/drawingml/2006/main" xmlns:r="http://schemas.openxmlformats.org/officeDocument/2006/relationships" xmlns:p="http://schemas.openxmlformats.org/presentationml/2006/main">
+  <p:cSld>
+    <p:spTree>
+      <p:nvGrpSpPr>
+        <p:cNvPr id="1" name=""/>
+        <p:cNvGrpSpPr/>
+        <p:nvPr/>
+      </p:nvGrpSpPr>
+      <p:grpSpPr>
+        <a:xfrm>
+          <a:off x="0" y="0"/>
+          <a:ext cx="0" cy="0"/>
+          <a:chOff x="0" y="0"/>
+          <a:chExt cx="0" cy="0"/>
+        </a:xfrm>
+      </p:grpSpPr>
+      <p:sp>
+        <p:nvSpPr>
+          <p:cNvPr id="4" name="Title 3"/>
+          <p:cNvSpPr>
+            <a:spLocks noGrp="1"/>
+          </p:cNvSpPr>
+          <p:nvPr>
+            <p:ph type="title"/>
+          </p:nvPr>
+        </p:nvSpPr>
+        <p:spPr/>
+        <p:txBody>
+          <a:bodyPr/>
+          <a:lstStyle/>
+          <a:p>
+            <a:r>
+              <a:rPr lang="en-US" dirty="0"/>
+              <a:t>Q&amp;A</a:t>
+            </a:r>
+          </a:p>
+        </p:txBody>
+      </p:sp>
+      <p:pic>
+        <p:nvPicPr>
+          <p:cNvPr id="5" name="Picture 4"/>
+          <p:cNvPicPr>
+            <a:picLocks noChangeAspect="1"/>
+          </p:cNvPicPr>
+          <p:nvPr/>
+        </p:nvPicPr>
+        <p:blipFill>
+          <a:blip r:embed="rId3" cstate="print">
+            <a:extLst>
+              <a:ext uri="{28A0092B-C50C-407E-A947-70E740481C1C}">
+                <a14:useLocalDpi xmlns:a14="http://schemas.microsoft.com/office/drawing/2010/main" val="0"/>
+              </a:ext>
+            </a:extLst>
+          </a:blip>
+          <a:stretch>
+            <a:fillRect/>
+          </a:stretch>
+        </p:blipFill>
+        <p:spPr>
+          <a:xfrm>
+            <a:off x="6724529" y="1103070"/>
+            <a:ext cx="3129100" cy="3981780"/>
+          </a:xfrm>
+          <a:prstGeom prst="rect">
+            <a:avLst/>
+          </a:prstGeom>
+        </p:spPr>
+      </p:pic>
+      <p:sp>
+        <p:nvSpPr>
+          <p:cNvPr id="6" name="TextBox 5"/>
+          <p:cNvSpPr txBox="1"/>
+          <p:nvPr/>
+        </p:nvSpPr>
+        <p:spPr>
+          <a:xfrm>
+            <a:off x="1725930" y="3296644"/>
+            <a:ext cx="2912785" cy="470898"/>
+          </a:xfrm>
+          <a:prstGeom prst="rect">
+            <a:avLst/>
+          </a:prstGeom>
+          <a:noFill/>
+        </p:spPr>
+        <p:txBody>
+          <a:bodyPr wrap="none" lIns="137160" tIns="109728" rIns="137160" bIns="109728" rtlCol="0">
+            <a:spAutoFit/>
+          </a:bodyPr>
+          <a:lstStyle/>
+          <a:p>
+            <a:pPr>
+              <a:lnSpc>
+                <a:spcPct val="90000"/>
+              </a:lnSpc>
+              <a:spcAft>
+                <a:spcPts val="450"/>
+              </a:spcAft>
+            </a:pPr>
+            <a:r>
+              <a:rPr lang="en-US" i="1" dirty="0">
+                <a:solidFill>
+                  <a:schemeClr val="bg1"/>
+                </a:solidFill>
+              </a:rPr>
+              <a:t>Go forth and be awesome!</a:t>
+            </a:r>
+          </a:p>
+        </p:txBody>
+      </p:sp>
+      <p:sp>
+        <p:nvSpPr>
+          <p:cNvPr id="7" name="TextBox 6"/>
+          <p:cNvSpPr txBox="1"/>
+          <p:nvPr/>
+        </p:nvSpPr>
+        <p:spPr>
+          <a:xfrm>
+            <a:off x="6795786" y="5084852"/>
+            <a:ext cx="3003707" cy="346249"/>
+          </a:xfrm>
+          <a:prstGeom prst="rect">
+            <a:avLst/>
+          </a:prstGeom>
+          <a:noFill/>
+        </p:spPr>
+        <p:txBody>
+          <a:bodyPr wrap="none" lIns="137160" tIns="109728" rIns="137160" bIns="109728" rtlCol="0">
+            <a:spAutoFit/>
+          </a:bodyPr>
+          <a:lstStyle/>
+          <a:p>
+            <a:pPr>
+              <a:lnSpc>
+                <a:spcPct val="90000"/>
+              </a:lnSpc>
+              <a:spcAft>
+                <a:spcPts val="450"/>
+              </a:spcAft>
+            </a:pPr>
+            <a:r>
+              <a:rPr lang="en-US" sz="900" dirty="0">
+                <a:solidFill>
+                  <a:schemeClr val="bg1"/>
+                </a:solidFill>
+              </a:rPr>
+              <a:t>Image from </a:t>
+            </a:r>
+            <a:r>
+              <a:rPr lang="en-US" sz="900" dirty="0" err="1">
+                <a:solidFill>
+                  <a:schemeClr val="bg1"/>
+                </a:solidFill>
+              </a:rPr>
+              <a:t>Etsy</a:t>
+            </a:r>
+            <a:r>
+              <a:rPr lang="en-US" sz="900" dirty="0">
+                <a:solidFill>
+                  <a:schemeClr val="bg1"/>
+                </a:solidFill>
+              </a:rPr>
+              <a:t> user </a:t>
+            </a:r>
+            <a:r>
+              <a:rPr lang="en-US" sz="900" dirty="0" err="1">
+                <a:solidFill>
+                  <a:schemeClr val="bg1"/>
+                </a:solidFill>
+              </a:rPr>
+              <a:t>Rosewine</a:t>
+            </a:r>
+            <a:r>
+              <a:rPr lang="en-US" sz="900" dirty="0">
+                <a:solidFill>
+                  <a:schemeClr val="bg1"/>
+                </a:solidFill>
+              </a:rPr>
+              <a:t>; used with permission</a:t>
+            </a:r>
+          </a:p>
+        </p:txBody>
+      </p:sp>
+    </p:spTree>
+    <p:extLst>
+      <p:ext uri="{BB962C8B-B14F-4D97-AF65-F5344CB8AC3E}">
+        <p14:creationId xmlns:p14="http://schemas.microsoft.com/office/powerpoint/2010/main" val="3243594767"/>
+      </p:ext>
+    </p:extLst>
+  </p:cSld>
+  <p:clrMapOvr>
+    <a:masterClrMapping/>
+  </p:clrMapOvr>
+  <p:transition>
+    <p:fade/>
+  </p:transition>
+</p:sld>
+</file>
+
 <file path=ppt/slides/slide2.xml><?xml version="1.0" encoding="utf-8"?>
 <p:sld xmlns:a="http://schemas.openxmlformats.org/drawingml/2006/main" xmlns:r="http://schemas.openxmlformats.org/officeDocument/2006/relationships" xmlns:p="http://schemas.openxmlformats.org/presentationml/2006/main">
   <p:cSld>
@@ -4427,7 +5836,10 @@
           <a:bodyPr/>
           <a:lstStyle/>
           <a:p>
-            <a:endParaRPr lang="en-US" dirty="0"/>
+            <a:r>
+              <a:rPr lang="en-US" dirty="0"/>
+              <a:t>Telemetry Terminology</a:t>
+            </a:r>
           </a:p>
         </p:txBody>
       </p:sp>
@@ -4444,7 +5856,7 @@
         <p:spPr>
           <a:xfrm>
             <a:off x="269239" y="1197324"/>
-            <a:ext cx="11653523" cy="4466159"/>
+            <a:ext cx="11653523" cy="2126288"/>
           </a:xfrm>
         </p:spPr>
         <p:txBody>
@@ -4457,7 +5869,24 @@
             </a:pPr>
             <a:r>
               <a:rPr lang="en-US" dirty="0"/>
-              <a:t>Terminology: Logs, Metrics, Traces</a:t>
+              <a:t>Open Telemetry (OTEL)</a:t>
+            </a:r>
+          </a:p>
+          <a:p>
+            <a:pPr marL="457200" indent="-457200">
+              <a:buFontTx/>
+              <a:buChar char="-"/>
+            </a:pPr>
+            <a:endParaRPr lang="en-US" dirty="0"/>
+          </a:p>
+          <a:p>
+            <a:pPr marL="457200" indent="-457200">
+              <a:buFontTx/>
+              <a:buChar char="-"/>
+            </a:pPr>
+            <a:r>
+              <a:rPr lang="en-US" dirty="0"/>
+              <a:t>Open Telemetry Protocol (OTLP)</a:t>
             </a:r>
           </a:p>
           <a:p>
@@ -4467,89 +5896,7 @@
             </a:pPr>
             <a:r>
               <a:rPr lang="en-US" dirty="0"/>
-              <a:t>OTEL &amp; OTLP</a:t>
-            </a:r>
-          </a:p>
-          <a:p>
-            <a:pPr marL="457200" indent="-457200">
-              <a:buFontTx/>
-              <a:buChar char="-"/>
-            </a:pPr>
-            <a:r>
-              <a:rPr lang="en-US" dirty="0"/>
-              <a:t>Semantic logging a.k.a. Structured logging </a:t>
-            </a:r>
-            <a:r>
-              <a:rPr lang="en-US" dirty="0" err="1"/>
-              <a:t>a.k.a</a:t>
-            </a:r>
-            <a:r>
-              <a:rPr lang="en-US" dirty="0"/>
-              <a:t> </a:t>
-            </a:r>
-            <a:r>
-              <a:rPr lang="en-US" dirty="0">
-                <a:hlinkClick r:id="rId3"/>
-              </a:rPr>
-              <a:t>https://messagetemplates.org/</a:t>
-            </a:r>
-            <a:endParaRPr lang="en-US" dirty="0"/>
-          </a:p>
-          <a:p>
-            <a:pPr marL="796926" lvl="1" indent="-457200">
-              <a:buFontTx/>
-              <a:buChar char="-"/>
-            </a:pPr>
-            <a:r>
-              <a:rPr lang="en-US" dirty="0"/>
-              <a:t>12-factor app: </a:t>
-            </a:r>
-            <a:r>
-              <a:rPr lang="en-US" dirty="0">
-                <a:hlinkClick r:id="rId4"/>
-              </a:rPr>
-              <a:t>https://12factor.net/</a:t>
-            </a:r>
-            <a:endParaRPr lang="en-US" dirty="0"/>
-          </a:p>
-          <a:p>
-            <a:pPr marL="457200" indent="-457200">
-              <a:buFontTx/>
-              <a:buChar char="-"/>
-            </a:pPr>
-            <a:r>
-              <a:rPr lang="en-US" dirty="0"/>
-              <a:t>Modern ASP.NET</a:t>
-            </a:r>
-          </a:p>
-          <a:p>
-            <a:pPr marL="796926" lvl="1" indent="-457200">
-              <a:buFontTx/>
-              <a:buChar char="-"/>
-            </a:pPr>
-            <a:r>
-              <a:rPr lang="en-US" dirty="0"/>
-              <a:t>Everything else! Be wary of injecting the wrong type. Variance.</a:t>
-            </a:r>
-          </a:p>
-          <a:p>
-            <a:pPr marL="457200" indent="-457200">
-              <a:buFontTx/>
-              <a:buChar char="-"/>
-            </a:pPr>
-            <a:r>
-              <a:rPr lang="en-US" dirty="0"/>
-              <a:t>Scopes!</a:t>
-            </a:r>
-          </a:p>
-          <a:p>
-            <a:pPr marL="796926" lvl="1" indent="-457200">
-              <a:buFontTx/>
-              <a:buChar char="-"/>
-            </a:pPr>
-            <a:r>
-              <a:rPr lang="en-US" dirty="0"/>
-              <a:t>Pitfall: exception logging scopes</a:t>
+              <a:t>gRPC:4317 / HTTP:4318</a:t>
             </a:r>
           </a:p>
         </p:txBody>
@@ -4602,7 +5949,10 @@
           <a:bodyPr/>
           <a:lstStyle/>
           <a:p>
-            <a:endParaRPr lang="en-US" dirty="0"/>
+            <a:r>
+              <a:rPr lang="en-US" dirty="0"/>
+              <a:t>Telemetry Terminology</a:t>
+            </a:r>
           </a:p>
         </p:txBody>
       </p:sp>
@@ -4619,7 +5969,7 @@
         <p:spPr>
           <a:xfrm>
             <a:off x="269239" y="1197324"/>
-            <a:ext cx="11653523" cy="3122009"/>
+            <a:ext cx="11653523" cy="4416337"/>
           </a:xfrm>
         </p:spPr>
         <p:txBody>
@@ -4632,15 +5982,7 @@
             </a:pPr>
             <a:r>
               <a:rPr lang="en-US" dirty="0"/>
-              <a:t>Backends: Azure AppInsights / AWS X-Ray, </a:t>
-            </a:r>
-            <a:r>
-              <a:rPr lang="en-US" dirty="0" err="1"/>
-              <a:t>Graylog</a:t>
-            </a:r>
-            <a:r>
-              <a:rPr lang="en-US" dirty="0"/>
-              <a:t>, Seq</a:t>
+              <a:t>Logs</a:t>
             </a:r>
           </a:p>
           <a:p>
@@ -4648,10 +5990,7 @@
               <a:buFontTx/>
               <a:buChar char="-"/>
             </a:pPr>
-            <a:r>
-              <a:rPr lang="en-US" dirty="0"/>
-              <a:t>Distributed tracing (including across queues)</a:t>
-            </a:r>
+            <a:endParaRPr lang="en-US" dirty="0"/>
           </a:p>
           <a:p>
             <a:pPr marL="457200" indent="-457200">
@@ -4660,7 +5999,7 @@
             </a:pPr>
             <a:r>
               <a:rPr lang="en-US" dirty="0"/>
-              <a:t>Guidelines:</a:t>
+              <a:t>Metrics</a:t>
             </a:r>
           </a:p>
           <a:p>
@@ -4670,24 +6009,15 @@
             </a:pPr>
             <a:r>
               <a:rPr lang="en-US" dirty="0"/>
-              <a:t>Know your backend (e.g., </a:t>
-            </a:r>
-            <a:r>
-              <a:rPr lang="en-US" dirty="0" err="1"/>
-              <a:t>Graylog’s</a:t>
-            </a:r>
-            <a:r>
-              <a:rPr lang="en-US" dirty="0"/>
-              <a:t> </a:t>
-            </a:r>
-            <a:r>
-              <a:rPr lang="en-US" dirty="0" err="1"/>
-              <a:t>ElasticSearch</a:t>
-            </a:r>
-            <a:r>
-              <a:rPr lang="en-US" dirty="0"/>
-              <a:t> index typing)</a:t>
-            </a:r>
+              <a:t>Measurements. Think Prometheus/Grafana dashboards.</a:t>
+            </a:r>
+          </a:p>
+          <a:p>
+            <a:pPr marL="796926" lvl="1" indent="-457200">
+              <a:buFontTx/>
+              <a:buChar char="-"/>
+            </a:pPr>
+            <a:endParaRPr lang="en-US" dirty="0"/>
           </a:p>
           <a:p>
             <a:pPr marL="457200" indent="-457200">
@@ -4696,7 +6026,38 @@
             </a:pPr>
             <a:r>
               <a:rPr lang="en-US" dirty="0"/>
-              <a:t>(time permitting) Implementing loggers, common scope providers.</a:t>
+              <a:t>Traces</a:t>
+            </a:r>
+          </a:p>
+          <a:p>
+            <a:pPr marL="796926" lvl="1" indent="-457200">
+              <a:buFontTx/>
+              <a:buChar char="-"/>
+            </a:pPr>
+            <a:r>
+              <a:rPr lang="en-US" dirty="0"/>
+              <a:t>Spans. Think waterfall diagrams or Start/Stop events.</a:t>
+            </a:r>
+          </a:p>
+          <a:p>
+            <a:pPr marL="796926" lvl="1" indent="-457200">
+              <a:buFontTx/>
+              <a:buChar char="-"/>
+            </a:pPr>
+            <a:endParaRPr lang="en-US" dirty="0"/>
+          </a:p>
+          <a:p>
+            <a:pPr marL="457200" indent="-457200">
+              <a:buFontTx/>
+              <a:buChar char="-"/>
+            </a:pPr>
+            <a:r>
+              <a:rPr lang="en-US" i="1" dirty="0"/>
+              <a:t>Timing</a:t>
+            </a:r>
+            <a:r>
+              <a:rPr lang="en-US" dirty="0"/>
+              <a:t> is a grey area; prefer traces unless you need metric.</a:t>
             </a:r>
           </a:p>
         </p:txBody>
@@ -4704,7 +6065,7 @@
     </p:spTree>
     <p:extLst>
       <p:ext uri="{BB962C8B-B14F-4D97-AF65-F5344CB8AC3E}">
-        <p14:creationId xmlns:p14="http://schemas.microsoft.com/office/powerpoint/2010/main" val="3482452174"/>
+        <p14:creationId xmlns:p14="http://schemas.microsoft.com/office/powerpoint/2010/main" val="2275416614"/>
       </p:ext>
     </p:extLst>
   </p:cSld>
@@ -4736,7 +6097,13 @@
       </p:grpSpPr>
       <p:sp>
         <p:nvSpPr>
-          <p:cNvPr id="4" name="Title 3"/>
+          <p:cNvPr id="2" name="Title 1">
+            <a:extLst>
+              <a:ext uri="{FF2B5EF4-FFF2-40B4-BE49-F238E27FC236}">
+                <a16:creationId xmlns:a16="http://schemas.microsoft.com/office/drawing/2014/main" id="{8A657E44-C671-4C6A-9C66-DC498D09B193}"/>
+              </a:ext>
+            </a:extLst>
+          </p:cNvPr>
           <p:cNvSpPr>
             <a:spLocks noGrp="1"/>
           </p:cNvSpPr>
@@ -4751,159 +6118,339 @@
           <a:p>
             <a:r>
               <a:rPr lang="en-US" dirty="0"/>
-              <a:t>Q&amp;A</a:t>
-            </a:r>
+              <a:t>Telemetry History: Metrics</a:t>
+            </a:r>
+          </a:p>
+        </p:txBody>
+      </p:sp>
+      <p:sp>
+        <p:nvSpPr>
+          <p:cNvPr id="3" name="Text Placeholder 2">
+            <a:extLst>
+              <a:ext uri="{FF2B5EF4-FFF2-40B4-BE49-F238E27FC236}">
+                <a16:creationId xmlns:a16="http://schemas.microsoft.com/office/drawing/2014/main" id="{D3CF2809-96C8-7A27-A245-2B844F255CA6}"/>
+              </a:ext>
+            </a:extLst>
+          </p:cNvPr>
+          <p:cNvSpPr>
+            <a:spLocks noGrp="1"/>
+          </p:cNvSpPr>
+          <p:nvPr>
+            <p:ph type="body" sz="quarter" idx="10"/>
+          </p:nvPr>
+        </p:nvSpPr>
+        <p:spPr>
+          <a:xfrm>
+            <a:off x="269239" y="1197324"/>
+            <a:ext cx="11653523" cy="632737"/>
+          </a:xfrm>
+        </p:spPr>
+        <p:txBody>
+          <a:bodyPr/>
+          <a:lstStyle/>
+          <a:p>
+            <a:pPr marL="457200" indent="-457200">
+              <a:buFontTx/>
+              <a:buChar char="-"/>
+            </a:pPr>
+            <a:endParaRPr lang="en-US" dirty="0"/>
           </a:p>
         </p:txBody>
       </p:sp>
       <p:pic>
         <p:nvPicPr>
-          <p:cNvPr id="5" name="Picture 4"/>
+          <p:cNvPr id="11" name="Picture 10">
+            <a:extLst>
+              <a:ext uri="{FF2B5EF4-FFF2-40B4-BE49-F238E27FC236}">
+                <a16:creationId xmlns:a16="http://schemas.microsoft.com/office/drawing/2014/main" id="{F2220D5E-173D-67B7-07A2-3782210ACC4E}"/>
+              </a:ext>
+            </a:extLst>
+          </p:cNvPr>
           <p:cNvPicPr>
             <a:picLocks noChangeAspect="1"/>
           </p:cNvPicPr>
           <p:nvPr/>
         </p:nvPicPr>
         <p:blipFill>
-          <a:blip r:embed="rId3" cstate="print">
+          <a:blip r:embed="rId2"/>
+          <a:stretch>
+            <a:fillRect/>
+          </a:stretch>
+        </p:blipFill>
+        <p:spPr>
+          <a:xfrm>
+            <a:off x="0" y="1875146"/>
+            <a:ext cx="12192000" cy="3107708"/>
+          </a:xfrm>
+          <a:prstGeom prst="rect">
+            <a:avLst/>
+          </a:prstGeom>
+        </p:spPr>
+      </p:pic>
+    </p:spTree>
+    <p:extLst>
+      <p:ext uri="{BB962C8B-B14F-4D97-AF65-F5344CB8AC3E}">
+        <p14:creationId xmlns:p14="http://schemas.microsoft.com/office/powerpoint/2010/main" val="436404392"/>
+      </p:ext>
+    </p:extLst>
+  </p:cSld>
+  <p:clrMapOvr>
+    <a:masterClrMapping/>
+  </p:clrMapOvr>
+  <p:transition>
+    <p:fade/>
+  </p:transition>
+</p:sld>
+</file>
+
+<file path=ppt/slides/slide8.xml><?xml version="1.0" encoding="utf-8"?>
+<p:sld xmlns:a="http://schemas.openxmlformats.org/drawingml/2006/main" xmlns:r="http://schemas.openxmlformats.org/officeDocument/2006/relationships" xmlns:p="http://schemas.openxmlformats.org/presentationml/2006/main">
+  <p:cSld>
+    <p:spTree>
+      <p:nvGrpSpPr>
+        <p:cNvPr id="1" name=""/>
+        <p:cNvGrpSpPr/>
+        <p:nvPr/>
+      </p:nvGrpSpPr>
+      <p:grpSpPr>
+        <a:xfrm>
+          <a:off x="0" y="0"/>
+          <a:ext cx="0" cy="0"/>
+          <a:chOff x="0" y="0"/>
+          <a:chExt cx="0" cy="0"/>
+        </a:xfrm>
+      </p:grpSpPr>
+      <p:sp>
+        <p:nvSpPr>
+          <p:cNvPr id="2" name="Title 1">
+            <a:extLst>
+              <a:ext uri="{FF2B5EF4-FFF2-40B4-BE49-F238E27FC236}">
+                <a16:creationId xmlns:a16="http://schemas.microsoft.com/office/drawing/2014/main" id="{8A657E44-C671-4C6A-9C66-DC498D09B193}"/>
+              </a:ext>
+            </a:extLst>
+          </p:cNvPr>
+          <p:cNvSpPr>
+            <a:spLocks noGrp="1"/>
+          </p:cNvSpPr>
+          <p:nvPr>
+            <p:ph type="title"/>
+          </p:nvPr>
+        </p:nvSpPr>
+        <p:spPr/>
+        <p:txBody>
+          <a:bodyPr/>
+          <a:lstStyle/>
+          <a:p>
+            <a:r>
+              <a:rPr lang="en-US" dirty="0"/>
+              <a:t>Telemetry History: Logs</a:t>
+            </a:r>
+          </a:p>
+        </p:txBody>
+      </p:sp>
+      <p:sp>
+        <p:nvSpPr>
+          <p:cNvPr id="3" name="Text Placeholder 2">
+            <a:extLst>
+              <a:ext uri="{FF2B5EF4-FFF2-40B4-BE49-F238E27FC236}">
+                <a16:creationId xmlns:a16="http://schemas.microsoft.com/office/drawing/2014/main" id="{D3CF2809-96C8-7A27-A245-2B844F255CA6}"/>
+              </a:ext>
+            </a:extLst>
+          </p:cNvPr>
+          <p:cNvSpPr>
+            <a:spLocks noGrp="1"/>
+          </p:cNvSpPr>
+          <p:nvPr>
+            <p:ph type="body" sz="quarter" idx="10"/>
+          </p:nvPr>
+        </p:nvSpPr>
+        <p:spPr>
+          <a:xfrm>
+            <a:off x="269239" y="1197324"/>
+            <a:ext cx="11653523" cy="632737"/>
+          </a:xfrm>
+        </p:spPr>
+        <p:txBody>
+          <a:bodyPr/>
+          <a:lstStyle/>
+          <a:p>
+            <a:pPr marL="457200" indent="-457200">
+              <a:buFontTx/>
+              <a:buChar char="-"/>
+            </a:pPr>
+            <a:endParaRPr lang="en-US" dirty="0"/>
+          </a:p>
+        </p:txBody>
+      </p:sp>
+      <p:pic>
+        <p:nvPicPr>
+          <p:cNvPr id="11" name="Picture 10">
+            <a:extLst>
+              <a:ext uri="{FF2B5EF4-FFF2-40B4-BE49-F238E27FC236}">
+                <a16:creationId xmlns:a16="http://schemas.microsoft.com/office/drawing/2014/main" id="{F2220D5E-173D-67B7-07A2-3782210ACC4E}"/>
+              </a:ext>
+            </a:extLst>
+          </p:cNvPr>
+          <p:cNvPicPr>
+            <a:picLocks noChangeAspect="1"/>
+          </p:cNvPicPr>
+          <p:nvPr/>
+        </p:nvPicPr>
+        <p:blipFill>
+          <a:blip r:embed="rId2">
             <a:extLst>
               <a:ext uri="{28A0092B-C50C-407E-A947-70E740481C1C}">
                 <a14:useLocalDpi xmlns:a14="http://schemas.microsoft.com/office/drawing/2010/main" val="0"/>
               </a:ext>
             </a:extLst>
           </a:blip>
-          <a:stretch>
-            <a:fillRect/>
-          </a:stretch>
+          <a:srcRect/>
+          <a:stretch/>
         </p:blipFill>
         <p:spPr>
           <a:xfrm>
-            <a:off x="6724529" y="1103070"/>
-            <a:ext cx="3129100" cy="3981780"/>
+            <a:off x="1807" y="1875146"/>
+            <a:ext cx="12188386" cy="3107708"/>
           </a:xfrm>
           <a:prstGeom prst="rect">
             <a:avLst/>
           </a:prstGeom>
         </p:spPr>
       </p:pic>
-      <p:sp>
-        <p:nvSpPr>
-          <p:cNvPr id="6" name="TextBox 5"/>
-          <p:cNvSpPr txBox="1"/>
-          <p:nvPr/>
+    </p:spTree>
+    <p:extLst>
+      <p:ext uri="{BB962C8B-B14F-4D97-AF65-F5344CB8AC3E}">
+        <p14:creationId xmlns:p14="http://schemas.microsoft.com/office/powerpoint/2010/main" val="1246794152"/>
+      </p:ext>
+    </p:extLst>
+  </p:cSld>
+  <p:clrMapOvr>
+    <a:masterClrMapping/>
+  </p:clrMapOvr>
+  <p:transition>
+    <p:fade/>
+  </p:transition>
+</p:sld>
+</file>
+
+<file path=ppt/slides/slide9.xml><?xml version="1.0" encoding="utf-8"?>
+<p:sld xmlns:a="http://schemas.openxmlformats.org/drawingml/2006/main" xmlns:r="http://schemas.openxmlformats.org/officeDocument/2006/relationships" xmlns:p="http://schemas.openxmlformats.org/presentationml/2006/main">
+  <p:cSld>
+    <p:spTree>
+      <p:nvGrpSpPr>
+        <p:cNvPr id="1" name=""/>
+        <p:cNvGrpSpPr/>
+        <p:nvPr/>
+      </p:nvGrpSpPr>
+      <p:grpSpPr>
+        <a:xfrm>
+          <a:off x="0" y="0"/>
+          <a:ext cx="0" cy="0"/>
+          <a:chOff x="0" y="0"/>
+          <a:chExt cx="0" cy="0"/>
+        </a:xfrm>
+      </p:grpSpPr>
+      <p:sp>
+        <p:nvSpPr>
+          <p:cNvPr id="2" name="Title 1">
+            <a:extLst>
+              <a:ext uri="{FF2B5EF4-FFF2-40B4-BE49-F238E27FC236}">
+                <a16:creationId xmlns:a16="http://schemas.microsoft.com/office/drawing/2014/main" id="{8A657E44-C671-4C6A-9C66-DC498D09B193}"/>
+              </a:ext>
+            </a:extLst>
+          </p:cNvPr>
+          <p:cNvSpPr>
+            <a:spLocks noGrp="1"/>
+          </p:cNvSpPr>
+          <p:nvPr>
+            <p:ph type="title"/>
+          </p:nvPr>
+        </p:nvSpPr>
+        <p:spPr/>
+        <p:txBody>
+          <a:bodyPr/>
+          <a:lstStyle/>
+          <a:p>
+            <a:r>
+              <a:rPr lang="en-US" dirty="0"/>
+              <a:t>Telemetry History: Traces</a:t>
+            </a:r>
+          </a:p>
+        </p:txBody>
+      </p:sp>
+      <p:sp>
+        <p:nvSpPr>
+          <p:cNvPr id="3" name="Text Placeholder 2">
+            <a:extLst>
+              <a:ext uri="{FF2B5EF4-FFF2-40B4-BE49-F238E27FC236}">
+                <a16:creationId xmlns:a16="http://schemas.microsoft.com/office/drawing/2014/main" id="{D3CF2809-96C8-7A27-A245-2B844F255CA6}"/>
+              </a:ext>
+            </a:extLst>
+          </p:cNvPr>
+          <p:cNvSpPr>
+            <a:spLocks noGrp="1"/>
+          </p:cNvSpPr>
+          <p:nvPr>
+            <p:ph type="body" sz="quarter" idx="10"/>
+          </p:nvPr>
         </p:nvSpPr>
         <p:spPr>
           <a:xfrm>
-            <a:off x="1725930" y="3296644"/>
-            <a:ext cx="2912785" cy="470898"/>
+            <a:off x="269239" y="1197324"/>
+            <a:ext cx="11653523" cy="632737"/>
+          </a:xfrm>
+        </p:spPr>
+        <p:txBody>
+          <a:bodyPr/>
+          <a:lstStyle/>
+          <a:p>
+            <a:pPr marL="457200" indent="-457200">
+              <a:buFontTx/>
+              <a:buChar char="-"/>
+            </a:pPr>
+            <a:endParaRPr lang="en-US" dirty="0"/>
+          </a:p>
+        </p:txBody>
+      </p:sp>
+      <p:pic>
+        <p:nvPicPr>
+          <p:cNvPr id="11" name="Picture 10">
+            <a:extLst>
+              <a:ext uri="{FF2B5EF4-FFF2-40B4-BE49-F238E27FC236}">
+                <a16:creationId xmlns:a16="http://schemas.microsoft.com/office/drawing/2014/main" id="{F2220D5E-173D-67B7-07A2-3782210ACC4E}"/>
+              </a:ext>
+            </a:extLst>
+          </p:cNvPr>
+          <p:cNvPicPr>
+            <a:picLocks noChangeAspect="1"/>
+          </p:cNvPicPr>
+          <p:nvPr/>
+        </p:nvPicPr>
+        <p:blipFill>
+          <a:blip r:embed="rId2">
+            <a:extLst>
+              <a:ext uri="{28A0092B-C50C-407E-A947-70E740481C1C}">
+                <a14:useLocalDpi xmlns:a14="http://schemas.microsoft.com/office/drawing/2010/main" val="0"/>
+              </a:ext>
+            </a:extLst>
+          </a:blip>
+          <a:srcRect/>
+          <a:stretch/>
+        </p:blipFill>
+        <p:spPr>
+          <a:xfrm>
+            <a:off x="1807" y="1875146"/>
+            <a:ext cx="12188386" cy="3107707"/>
           </a:xfrm>
           <a:prstGeom prst="rect">
             <a:avLst/>
           </a:prstGeom>
-          <a:noFill/>
         </p:spPr>
-        <p:txBody>
-          <a:bodyPr wrap="none" lIns="137160" tIns="109728" rIns="137160" bIns="109728" rtlCol="0">
-            <a:spAutoFit/>
-          </a:bodyPr>
-          <a:lstStyle/>
-          <a:p>
-            <a:pPr>
-              <a:lnSpc>
-                <a:spcPct val="90000"/>
-              </a:lnSpc>
-              <a:spcAft>
-                <a:spcPts val="450"/>
-              </a:spcAft>
-            </a:pPr>
-            <a:r>
-              <a:rPr lang="en-US" i="1" dirty="0">
-                <a:solidFill>
-                  <a:schemeClr val="bg1"/>
-                </a:solidFill>
-              </a:rPr>
-              <a:t>Go forth and be awesome!</a:t>
-            </a:r>
-          </a:p>
-        </p:txBody>
-      </p:sp>
-      <p:sp>
-        <p:nvSpPr>
-          <p:cNvPr id="7" name="TextBox 6"/>
-          <p:cNvSpPr txBox="1"/>
-          <p:nvPr/>
-        </p:nvSpPr>
-        <p:spPr>
-          <a:xfrm>
-            <a:off x="6795786" y="5084852"/>
-            <a:ext cx="3003707" cy="346249"/>
-          </a:xfrm>
-          <a:prstGeom prst="rect">
-            <a:avLst/>
-          </a:prstGeom>
-          <a:noFill/>
-        </p:spPr>
-        <p:txBody>
-          <a:bodyPr wrap="none" lIns="137160" tIns="109728" rIns="137160" bIns="109728" rtlCol="0">
-            <a:spAutoFit/>
-          </a:bodyPr>
-          <a:lstStyle/>
-          <a:p>
-            <a:pPr>
-              <a:lnSpc>
-                <a:spcPct val="90000"/>
-              </a:lnSpc>
-              <a:spcAft>
-                <a:spcPts val="450"/>
-              </a:spcAft>
-            </a:pPr>
-            <a:r>
-              <a:rPr lang="en-US" sz="900" dirty="0">
-                <a:solidFill>
-                  <a:schemeClr val="bg1"/>
-                </a:solidFill>
-              </a:rPr>
-              <a:t>Image from </a:t>
-            </a:r>
-            <a:r>
-              <a:rPr lang="en-US" sz="900" dirty="0" err="1">
-                <a:solidFill>
-                  <a:schemeClr val="bg1"/>
-                </a:solidFill>
-              </a:rPr>
-              <a:t>Etsy</a:t>
-            </a:r>
-            <a:r>
-              <a:rPr lang="en-US" sz="900" dirty="0">
-                <a:solidFill>
-                  <a:schemeClr val="bg1"/>
-                </a:solidFill>
-              </a:rPr>
-              <a:t> user </a:t>
-            </a:r>
-            <a:r>
-              <a:rPr lang="en-US" sz="900" dirty="0" err="1">
-                <a:solidFill>
-                  <a:schemeClr val="bg1"/>
-                </a:solidFill>
-              </a:rPr>
-              <a:t>Rosewine</a:t>
-            </a:r>
-            <a:r>
-              <a:rPr lang="en-US" sz="900" dirty="0">
-                <a:solidFill>
-                  <a:schemeClr val="bg1"/>
-                </a:solidFill>
-              </a:rPr>
-              <a:t>; used with permission</a:t>
-            </a:r>
-          </a:p>
-        </p:txBody>
-      </p:sp>
+      </p:pic>
     </p:spTree>
     <p:extLst>
       <p:ext uri="{BB962C8B-B14F-4D97-AF65-F5344CB8AC3E}">
-        <p14:creationId xmlns:p14="http://schemas.microsoft.com/office/powerpoint/2010/main" val="3243594767"/>
+        <p14:creationId xmlns:p14="http://schemas.microsoft.com/office/powerpoint/2010/main" val="4193017336"/>
       </p:ext>
     </p:extLst>
   </p:cSld>

--- a/Telemetry/Logging Hero.pptx
+++ b/Telemetry/Logging Hero.pptx
@@ -6,7 +6,7 @@
     <p:sldMasterId id="2147483718" r:id="rId2"/>
   </p:sldMasterIdLst>
   <p:notesMasterIdLst>
-    <p:notesMasterId r:id="rId19"/>
+    <p:notesMasterId r:id="rId26"/>
   </p:notesMasterIdLst>
   <p:sldIdLst>
     <p:sldId id="256" r:id="rId3"/>
@@ -23,8 +23,15 @@
     <p:sldId id="419" r:id="rId14"/>
     <p:sldId id="412" r:id="rId15"/>
     <p:sldId id="420" r:id="rId16"/>
-    <p:sldId id="410" r:id="rId17"/>
-    <p:sldId id="390" r:id="rId18"/>
+    <p:sldId id="422" r:id="rId17"/>
+    <p:sldId id="421" r:id="rId18"/>
+    <p:sldId id="426" r:id="rId19"/>
+    <p:sldId id="424" r:id="rId20"/>
+    <p:sldId id="423" r:id="rId21"/>
+    <p:sldId id="427" r:id="rId22"/>
+    <p:sldId id="425" r:id="rId23"/>
+    <p:sldId id="390" r:id="rId24"/>
+    <p:sldId id="410" r:id="rId25"/>
   </p:sldIdLst>
   <p:sldSz cx="12192000" cy="6858000"/>
   <p:notesSz cx="6858000" cy="9144000"/>
@@ -142,8 +149,15 @@
             <p14:sldId id="419"/>
             <p14:sldId id="412"/>
             <p14:sldId id="420"/>
+            <p14:sldId id="422"/>
+            <p14:sldId id="421"/>
+            <p14:sldId id="426"/>
+            <p14:sldId id="424"/>
+            <p14:sldId id="423"/>
+            <p14:sldId id="427"/>
+            <p14:sldId id="425"/>
+            <p14:sldId id="390"/>
             <p14:sldId id="410"/>
-            <p14:sldId id="390"/>
           </p14:sldIdLst>
         </p14:section>
       </p14:sectionLst>
@@ -764,7 +778,7 @@
     </p:spTree>
     <p:extLst>
       <p:ext uri="{BB962C8B-B14F-4D97-AF65-F5344CB8AC3E}">
-        <p14:creationId xmlns:p14="http://schemas.microsoft.com/office/powerpoint/2010/main" val="3985613858"/>
+        <p14:creationId xmlns:p14="http://schemas.microsoft.com/office/powerpoint/2010/main" val="852700127"/>
       </p:ext>
     </p:extLst>
   </p:cSld>
@@ -823,7 +837,14 @@
           <a:bodyPr/>
           <a:lstStyle/>
           <a:p>
-            <a:endParaRPr lang="en-US" baseline="0" dirty="0"/>
+            <a:pPr marL="171450" indent="-171450">
+              <a:buFont typeface="Arial" panose="020B0604020202020204" pitchFamily="34" charset="0"/>
+              <a:buChar char="•"/>
+            </a:pPr>
+            <a:r>
+              <a:rPr lang="en-US" baseline="0" dirty="0"/>
+              <a:t>(and under the covers)</a:t>
+            </a:r>
           </a:p>
         </p:txBody>
       </p:sp>
@@ -853,7 +874,640 @@
     </p:spTree>
     <p:extLst>
       <p:ext uri="{BB962C8B-B14F-4D97-AF65-F5344CB8AC3E}">
+        <p14:creationId xmlns:p14="http://schemas.microsoft.com/office/powerpoint/2010/main" val="1284201677"/>
+      </p:ext>
+    </p:extLst>
+  </p:cSld>
+  <p:clrMapOvr>
+    <a:masterClrMapping/>
+  </p:clrMapOvr>
+</p:notes>
+</file>
+
+<file path=ppt/notesSlides/notesSlide13.xml><?xml version="1.0" encoding="utf-8"?>
+<p:notes xmlns:a="http://schemas.openxmlformats.org/drawingml/2006/main" xmlns:r="http://schemas.openxmlformats.org/officeDocument/2006/relationships" xmlns:p="http://schemas.openxmlformats.org/presentationml/2006/main">
+  <p:cSld>
+    <p:spTree>
+      <p:nvGrpSpPr>
+        <p:cNvPr id="1" name=""/>
+        <p:cNvGrpSpPr/>
+        <p:nvPr/>
+      </p:nvGrpSpPr>
+      <p:grpSpPr>
+        <a:xfrm>
+          <a:off x="0" y="0"/>
+          <a:ext cx="0" cy="0"/>
+          <a:chOff x="0" y="0"/>
+          <a:chExt cx="0" cy="0"/>
+        </a:xfrm>
+      </p:grpSpPr>
+      <p:sp>
+        <p:nvSpPr>
+          <p:cNvPr id="2" name="Slide Image Placeholder 1"/>
+          <p:cNvSpPr>
+            <a:spLocks noGrp="1" noRot="1" noChangeAspect="1"/>
+          </p:cNvSpPr>
+          <p:nvPr>
+            <p:ph type="sldImg"/>
+          </p:nvPr>
+        </p:nvSpPr>
+        <p:spPr>
+          <a:xfrm>
+            <a:off x="685800" y="1143000"/>
+            <a:ext cx="5486400" cy="3086100"/>
+          </a:xfrm>
+        </p:spPr>
+      </p:sp>
+      <p:sp>
+        <p:nvSpPr>
+          <p:cNvPr id="3" name="Notes Placeholder 2"/>
+          <p:cNvSpPr>
+            <a:spLocks noGrp="1"/>
+          </p:cNvSpPr>
+          <p:nvPr>
+            <p:ph type="body" idx="1"/>
+          </p:nvPr>
+        </p:nvSpPr>
+        <p:spPr/>
+        <p:txBody>
+          <a:bodyPr/>
+          <a:lstStyle/>
+          <a:p>
+            <a:endParaRPr lang="en-US" dirty="0"/>
+          </a:p>
+        </p:txBody>
+      </p:sp>
+      <p:sp>
+        <p:nvSpPr>
+          <p:cNvPr id="4" name="Slide Number Placeholder 3"/>
+          <p:cNvSpPr>
+            <a:spLocks noGrp="1"/>
+          </p:cNvSpPr>
+          <p:nvPr>
+            <p:ph type="sldNum" sz="quarter" idx="10"/>
+          </p:nvPr>
+        </p:nvSpPr>
+        <p:spPr/>
+        <p:txBody>
+          <a:bodyPr/>
+          <a:lstStyle/>
+          <a:p>
+            <a:fld id="{94CE3395-F8FF-4336-B2AA-E15575B990E7}" type="slidenum">
+              <a:rPr lang="en-US" smtClean="0"/>
+              <a:t>17</a:t>
+            </a:fld>
+            <a:endParaRPr lang="en-US" dirty="0"/>
+          </a:p>
+        </p:txBody>
+      </p:sp>
+    </p:spTree>
+    <p:extLst>
+      <p:ext uri="{BB962C8B-B14F-4D97-AF65-F5344CB8AC3E}">
+        <p14:creationId xmlns:p14="http://schemas.microsoft.com/office/powerpoint/2010/main" val="1627092989"/>
+      </p:ext>
+    </p:extLst>
+  </p:cSld>
+  <p:clrMapOvr>
+    <a:masterClrMapping/>
+  </p:clrMapOvr>
+</p:notes>
+</file>
+
+<file path=ppt/notesSlides/notesSlide14.xml><?xml version="1.0" encoding="utf-8"?>
+<p:notes xmlns:a="http://schemas.openxmlformats.org/drawingml/2006/main" xmlns:r="http://schemas.openxmlformats.org/officeDocument/2006/relationships" xmlns:p="http://schemas.openxmlformats.org/presentationml/2006/main">
+  <p:cSld>
+    <p:spTree>
+      <p:nvGrpSpPr>
+        <p:cNvPr id="1" name=""/>
+        <p:cNvGrpSpPr/>
+        <p:nvPr/>
+      </p:nvGrpSpPr>
+      <p:grpSpPr>
+        <a:xfrm>
+          <a:off x="0" y="0"/>
+          <a:ext cx="0" cy="0"/>
+          <a:chOff x="0" y="0"/>
+          <a:chExt cx="0" cy="0"/>
+        </a:xfrm>
+      </p:grpSpPr>
+      <p:sp>
+        <p:nvSpPr>
+          <p:cNvPr id="2" name="Slide Image Placeholder 1"/>
+          <p:cNvSpPr>
+            <a:spLocks noGrp="1" noRot="1" noChangeAspect="1"/>
+          </p:cNvSpPr>
+          <p:nvPr>
+            <p:ph type="sldImg"/>
+          </p:nvPr>
+        </p:nvSpPr>
+        <p:spPr>
+          <a:xfrm>
+            <a:off x="685800" y="1143000"/>
+            <a:ext cx="5486400" cy="3086100"/>
+          </a:xfrm>
+        </p:spPr>
+      </p:sp>
+      <p:sp>
+        <p:nvSpPr>
+          <p:cNvPr id="3" name="Notes Placeholder 2"/>
+          <p:cNvSpPr>
+            <a:spLocks noGrp="1"/>
+          </p:cNvSpPr>
+          <p:nvPr>
+            <p:ph type="body" idx="1"/>
+          </p:nvPr>
+        </p:nvSpPr>
+        <p:spPr/>
+        <p:txBody>
+          <a:bodyPr/>
+          <a:lstStyle/>
+          <a:p>
+            <a:r>
+              <a:rPr lang="en-US" dirty="0"/>
+              <a:t>(I don’t bother; this is really for hot path or framework/library code)</a:t>
+            </a:r>
+          </a:p>
+        </p:txBody>
+      </p:sp>
+      <p:sp>
+        <p:nvSpPr>
+          <p:cNvPr id="4" name="Slide Number Placeholder 3"/>
+          <p:cNvSpPr>
+            <a:spLocks noGrp="1"/>
+          </p:cNvSpPr>
+          <p:nvPr>
+            <p:ph type="sldNum" sz="quarter" idx="10"/>
+          </p:nvPr>
+        </p:nvSpPr>
+        <p:spPr/>
+        <p:txBody>
+          <a:bodyPr/>
+          <a:lstStyle/>
+          <a:p>
+            <a:fld id="{94CE3395-F8FF-4336-B2AA-E15575B990E7}" type="slidenum">
+              <a:rPr lang="en-US" smtClean="0"/>
+              <a:t>18</a:t>
+            </a:fld>
+            <a:endParaRPr lang="en-US" dirty="0"/>
+          </a:p>
+        </p:txBody>
+      </p:sp>
+    </p:spTree>
+    <p:extLst>
+      <p:ext uri="{BB962C8B-B14F-4D97-AF65-F5344CB8AC3E}">
+        <p14:creationId xmlns:p14="http://schemas.microsoft.com/office/powerpoint/2010/main" val="2718682907"/>
+      </p:ext>
+    </p:extLst>
+  </p:cSld>
+  <p:clrMapOvr>
+    <a:masterClrMapping/>
+  </p:clrMapOvr>
+</p:notes>
+</file>
+
+<file path=ppt/notesSlides/notesSlide15.xml><?xml version="1.0" encoding="utf-8"?>
+<p:notes xmlns:a="http://schemas.openxmlformats.org/drawingml/2006/main" xmlns:r="http://schemas.openxmlformats.org/officeDocument/2006/relationships" xmlns:p="http://schemas.openxmlformats.org/presentationml/2006/main">
+  <p:cSld>
+    <p:spTree>
+      <p:nvGrpSpPr>
+        <p:cNvPr id="1" name=""/>
+        <p:cNvGrpSpPr/>
+        <p:nvPr/>
+      </p:nvGrpSpPr>
+      <p:grpSpPr>
+        <a:xfrm>
+          <a:off x="0" y="0"/>
+          <a:ext cx="0" cy="0"/>
+          <a:chOff x="0" y="0"/>
+          <a:chExt cx="0" cy="0"/>
+        </a:xfrm>
+      </p:grpSpPr>
+      <p:sp>
+        <p:nvSpPr>
+          <p:cNvPr id="2" name="Slide Image Placeholder 1"/>
+          <p:cNvSpPr>
+            <a:spLocks noGrp="1" noRot="1" noChangeAspect="1"/>
+          </p:cNvSpPr>
+          <p:nvPr>
+            <p:ph type="sldImg"/>
+          </p:nvPr>
+        </p:nvSpPr>
+        <p:spPr>
+          <a:xfrm>
+            <a:off x="685800" y="1143000"/>
+            <a:ext cx="5486400" cy="3086100"/>
+          </a:xfrm>
+        </p:spPr>
+      </p:sp>
+      <p:sp>
+        <p:nvSpPr>
+          <p:cNvPr id="3" name="Notes Placeholder 2"/>
+          <p:cNvSpPr>
+            <a:spLocks noGrp="1"/>
+          </p:cNvSpPr>
+          <p:nvPr>
+            <p:ph type="body" idx="1"/>
+          </p:nvPr>
+        </p:nvSpPr>
+        <p:spPr/>
+        <p:txBody>
+          <a:bodyPr/>
+          <a:lstStyle/>
+          <a:p>
+            <a:endParaRPr lang="en-US" dirty="0"/>
+          </a:p>
+        </p:txBody>
+      </p:sp>
+      <p:sp>
+        <p:nvSpPr>
+          <p:cNvPr id="4" name="Slide Number Placeholder 3"/>
+          <p:cNvSpPr>
+            <a:spLocks noGrp="1"/>
+          </p:cNvSpPr>
+          <p:nvPr>
+            <p:ph type="sldNum" sz="quarter" idx="10"/>
+          </p:nvPr>
+        </p:nvSpPr>
+        <p:spPr/>
+        <p:txBody>
+          <a:bodyPr/>
+          <a:lstStyle/>
+          <a:p>
+            <a:fld id="{94CE3395-F8FF-4336-B2AA-E15575B990E7}" type="slidenum">
+              <a:rPr lang="en-US" smtClean="0"/>
+              <a:t>19</a:t>
+            </a:fld>
+            <a:endParaRPr lang="en-US" dirty="0"/>
+          </a:p>
+        </p:txBody>
+      </p:sp>
+    </p:spTree>
+    <p:extLst>
+      <p:ext uri="{BB962C8B-B14F-4D97-AF65-F5344CB8AC3E}">
+        <p14:creationId xmlns:p14="http://schemas.microsoft.com/office/powerpoint/2010/main" val="3722376141"/>
+      </p:ext>
+    </p:extLst>
+  </p:cSld>
+  <p:clrMapOvr>
+    <a:masterClrMapping/>
+  </p:clrMapOvr>
+</p:notes>
+</file>
+
+<file path=ppt/notesSlides/notesSlide16.xml><?xml version="1.0" encoding="utf-8"?>
+<p:notes xmlns:a="http://schemas.openxmlformats.org/drawingml/2006/main" xmlns:r="http://schemas.openxmlformats.org/officeDocument/2006/relationships" xmlns:p="http://schemas.openxmlformats.org/presentationml/2006/main">
+  <p:cSld>
+    <p:spTree>
+      <p:nvGrpSpPr>
+        <p:cNvPr id="1" name=""/>
+        <p:cNvGrpSpPr/>
+        <p:nvPr/>
+      </p:nvGrpSpPr>
+      <p:grpSpPr>
+        <a:xfrm>
+          <a:off x="0" y="0"/>
+          <a:ext cx="0" cy="0"/>
+          <a:chOff x="0" y="0"/>
+          <a:chExt cx="0" cy="0"/>
+        </a:xfrm>
+      </p:grpSpPr>
+      <p:sp>
+        <p:nvSpPr>
+          <p:cNvPr id="2" name="Slide Image Placeholder 1"/>
+          <p:cNvSpPr>
+            <a:spLocks noGrp="1" noRot="1" noChangeAspect="1"/>
+          </p:cNvSpPr>
+          <p:nvPr>
+            <p:ph type="sldImg"/>
+          </p:nvPr>
+        </p:nvSpPr>
+        <p:spPr>
+          <a:xfrm>
+            <a:off x="685800" y="1143000"/>
+            <a:ext cx="5486400" cy="3086100"/>
+          </a:xfrm>
+        </p:spPr>
+      </p:sp>
+      <p:sp>
+        <p:nvSpPr>
+          <p:cNvPr id="3" name="Notes Placeholder 2"/>
+          <p:cNvSpPr>
+            <a:spLocks noGrp="1"/>
+          </p:cNvSpPr>
+          <p:nvPr>
+            <p:ph type="body" idx="1"/>
+          </p:nvPr>
+        </p:nvSpPr>
+        <p:spPr/>
+        <p:txBody>
+          <a:bodyPr/>
+          <a:lstStyle/>
+          <a:p>
+            <a:pPr marL="171450" indent="-171450">
+              <a:buFont typeface="Arial" panose="020B0604020202020204" pitchFamily="34" charset="0"/>
+              <a:buChar char="•"/>
+            </a:pPr>
+            <a:r>
+              <a:rPr lang="en-US" baseline="0" dirty="0"/>
+              <a:t>(and under the covers)</a:t>
+            </a:r>
+          </a:p>
+        </p:txBody>
+      </p:sp>
+      <p:sp>
+        <p:nvSpPr>
+          <p:cNvPr id="4" name="Slide Number Placeholder 3"/>
+          <p:cNvSpPr>
+            <a:spLocks noGrp="1"/>
+          </p:cNvSpPr>
+          <p:nvPr>
+            <p:ph type="sldNum" sz="quarter" idx="10"/>
+          </p:nvPr>
+        </p:nvSpPr>
+        <p:spPr/>
+        <p:txBody>
+          <a:bodyPr/>
+          <a:lstStyle/>
+          <a:p>
+            <a:fld id="{94CE3395-F8FF-4336-B2AA-E15575B990E7}" type="slidenum">
+              <a:rPr lang="en-US" smtClean="0"/>
+              <a:t>20</a:t>
+            </a:fld>
+            <a:endParaRPr lang="en-US" dirty="0"/>
+          </a:p>
+        </p:txBody>
+      </p:sp>
+    </p:spTree>
+    <p:extLst>
+      <p:ext uri="{BB962C8B-B14F-4D97-AF65-F5344CB8AC3E}">
+        <p14:creationId xmlns:p14="http://schemas.microsoft.com/office/powerpoint/2010/main" val="4029572401"/>
+      </p:ext>
+    </p:extLst>
+  </p:cSld>
+  <p:clrMapOvr>
+    <a:masterClrMapping/>
+  </p:clrMapOvr>
+</p:notes>
+</file>
+
+<file path=ppt/notesSlides/notesSlide17.xml><?xml version="1.0" encoding="utf-8"?>
+<p:notes xmlns:a="http://schemas.openxmlformats.org/drawingml/2006/main" xmlns:r="http://schemas.openxmlformats.org/officeDocument/2006/relationships" xmlns:p="http://schemas.openxmlformats.org/presentationml/2006/main">
+  <p:cSld>
+    <p:spTree>
+      <p:nvGrpSpPr>
+        <p:cNvPr id="1" name=""/>
+        <p:cNvGrpSpPr/>
+        <p:nvPr/>
+      </p:nvGrpSpPr>
+      <p:grpSpPr>
+        <a:xfrm>
+          <a:off x="0" y="0"/>
+          <a:ext cx="0" cy="0"/>
+          <a:chOff x="0" y="0"/>
+          <a:chExt cx="0" cy="0"/>
+        </a:xfrm>
+      </p:grpSpPr>
+      <p:sp>
+        <p:nvSpPr>
+          <p:cNvPr id="2" name="Slide Image Placeholder 1"/>
+          <p:cNvSpPr>
+            <a:spLocks noGrp="1" noRot="1" noChangeAspect="1"/>
+          </p:cNvSpPr>
+          <p:nvPr>
+            <p:ph type="sldImg"/>
+          </p:nvPr>
+        </p:nvSpPr>
+        <p:spPr>
+          <a:xfrm>
+            <a:off x="685800" y="1143000"/>
+            <a:ext cx="5486400" cy="3086100"/>
+          </a:xfrm>
+        </p:spPr>
+      </p:sp>
+      <p:sp>
+        <p:nvSpPr>
+          <p:cNvPr id="3" name="Notes Placeholder 2"/>
+          <p:cNvSpPr>
+            <a:spLocks noGrp="1"/>
+          </p:cNvSpPr>
+          <p:nvPr>
+            <p:ph type="body" idx="1"/>
+          </p:nvPr>
+        </p:nvSpPr>
+        <p:spPr/>
+        <p:txBody>
+          <a:bodyPr/>
+          <a:lstStyle/>
+          <a:p>
+            <a:endParaRPr lang="en-US" dirty="0"/>
+          </a:p>
+        </p:txBody>
+      </p:sp>
+      <p:sp>
+        <p:nvSpPr>
+          <p:cNvPr id="4" name="Slide Number Placeholder 3"/>
+          <p:cNvSpPr>
+            <a:spLocks noGrp="1"/>
+          </p:cNvSpPr>
+          <p:nvPr>
+            <p:ph type="sldNum" sz="quarter" idx="10"/>
+          </p:nvPr>
+        </p:nvSpPr>
+        <p:spPr/>
+        <p:txBody>
+          <a:bodyPr/>
+          <a:lstStyle/>
+          <a:p>
+            <a:fld id="{94CE3395-F8FF-4336-B2AA-E15575B990E7}" type="slidenum">
+              <a:rPr lang="en-US" smtClean="0"/>
+              <a:t>21</a:t>
+            </a:fld>
+            <a:endParaRPr lang="en-US" dirty="0"/>
+          </a:p>
+        </p:txBody>
+      </p:sp>
+    </p:spTree>
+    <p:extLst>
+      <p:ext uri="{BB962C8B-B14F-4D97-AF65-F5344CB8AC3E}">
+        <p14:creationId xmlns:p14="http://schemas.microsoft.com/office/powerpoint/2010/main" val="1379723772"/>
+      </p:ext>
+    </p:extLst>
+  </p:cSld>
+  <p:clrMapOvr>
+    <a:masterClrMapping/>
+  </p:clrMapOvr>
+</p:notes>
+</file>
+
+<file path=ppt/notesSlides/notesSlide18.xml><?xml version="1.0" encoding="utf-8"?>
+<p:notes xmlns:a="http://schemas.openxmlformats.org/drawingml/2006/main" xmlns:r="http://schemas.openxmlformats.org/officeDocument/2006/relationships" xmlns:p="http://schemas.openxmlformats.org/presentationml/2006/main">
+  <p:cSld>
+    <p:spTree>
+      <p:nvGrpSpPr>
+        <p:cNvPr id="1" name=""/>
+        <p:cNvGrpSpPr/>
+        <p:nvPr/>
+      </p:nvGrpSpPr>
+      <p:grpSpPr>
+        <a:xfrm>
+          <a:off x="0" y="0"/>
+          <a:ext cx="0" cy="0"/>
+          <a:chOff x="0" y="0"/>
+          <a:chExt cx="0" cy="0"/>
+        </a:xfrm>
+      </p:grpSpPr>
+      <p:sp>
+        <p:nvSpPr>
+          <p:cNvPr id="2" name="Slide Image Placeholder 1"/>
+          <p:cNvSpPr>
+            <a:spLocks noGrp="1" noRot="1" noChangeAspect="1"/>
+          </p:cNvSpPr>
+          <p:nvPr>
+            <p:ph type="sldImg"/>
+          </p:nvPr>
+        </p:nvSpPr>
+        <p:spPr>
+          <a:xfrm>
+            <a:off x="685800" y="1143000"/>
+            <a:ext cx="5486400" cy="3086100"/>
+          </a:xfrm>
+        </p:spPr>
+      </p:sp>
+      <p:sp>
+        <p:nvSpPr>
+          <p:cNvPr id="3" name="Notes Placeholder 2"/>
+          <p:cNvSpPr>
+            <a:spLocks noGrp="1"/>
+          </p:cNvSpPr>
+          <p:nvPr>
+            <p:ph type="body" idx="1"/>
+          </p:nvPr>
+        </p:nvSpPr>
+        <p:spPr/>
+        <p:txBody>
+          <a:bodyPr/>
+          <a:lstStyle/>
+          <a:p>
+            <a:endParaRPr lang="en-US" baseline="0" dirty="0"/>
+          </a:p>
+        </p:txBody>
+      </p:sp>
+      <p:sp>
+        <p:nvSpPr>
+          <p:cNvPr id="4" name="Slide Number Placeholder 3"/>
+          <p:cNvSpPr>
+            <a:spLocks noGrp="1"/>
+          </p:cNvSpPr>
+          <p:nvPr>
+            <p:ph type="sldNum" sz="quarter" idx="10"/>
+          </p:nvPr>
+        </p:nvSpPr>
+        <p:spPr/>
+        <p:txBody>
+          <a:bodyPr/>
+          <a:lstStyle/>
+          <a:p>
+            <a:fld id="{94CE3395-F8FF-4336-B2AA-E15575B990E7}" type="slidenum">
+              <a:rPr lang="en-US" smtClean="0"/>
+              <a:t>22</a:t>
+            </a:fld>
+            <a:endParaRPr lang="en-US" dirty="0"/>
+          </a:p>
+        </p:txBody>
+      </p:sp>
+    </p:spTree>
+    <p:extLst>
+      <p:ext uri="{BB962C8B-B14F-4D97-AF65-F5344CB8AC3E}">
         <p14:creationId xmlns:p14="http://schemas.microsoft.com/office/powerpoint/2010/main" val="2659012186"/>
+      </p:ext>
+    </p:extLst>
+  </p:cSld>
+  <p:clrMapOvr>
+    <a:masterClrMapping/>
+  </p:clrMapOvr>
+</p:notes>
+</file>
+
+<file path=ppt/notesSlides/notesSlide19.xml><?xml version="1.0" encoding="utf-8"?>
+<p:notes xmlns:a="http://schemas.openxmlformats.org/drawingml/2006/main" xmlns:r="http://schemas.openxmlformats.org/officeDocument/2006/relationships" xmlns:p="http://schemas.openxmlformats.org/presentationml/2006/main">
+  <p:cSld>
+    <p:spTree>
+      <p:nvGrpSpPr>
+        <p:cNvPr id="1" name=""/>
+        <p:cNvGrpSpPr/>
+        <p:nvPr/>
+      </p:nvGrpSpPr>
+      <p:grpSpPr>
+        <a:xfrm>
+          <a:off x="0" y="0"/>
+          <a:ext cx="0" cy="0"/>
+          <a:chOff x="0" y="0"/>
+          <a:chExt cx="0" cy="0"/>
+        </a:xfrm>
+      </p:grpSpPr>
+      <p:sp>
+        <p:nvSpPr>
+          <p:cNvPr id="2" name="Slide Image Placeholder 1"/>
+          <p:cNvSpPr>
+            <a:spLocks noGrp="1" noRot="1" noChangeAspect="1"/>
+          </p:cNvSpPr>
+          <p:nvPr>
+            <p:ph type="sldImg"/>
+          </p:nvPr>
+        </p:nvSpPr>
+        <p:spPr>
+          <a:xfrm>
+            <a:off x="685800" y="1143000"/>
+            <a:ext cx="5486400" cy="3086100"/>
+          </a:xfrm>
+        </p:spPr>
+      </p:sp>
+      <p:sp>
+        <p:nvSpPr>
+          <p:cNvPr id="3" name="Notes Placeholder 2"/>
+          <p:cNvSpPr>
+            <a:spLocks noGrp="1"/>
+          </p:cNvSpPr>
+          <p:nvPr>
+            <p:ph type="body" idx="1"/>
+          </p:nvPr>
+        </p:nvSpPr>
+        <p:spPr/>
+        <p:txBody>
+          <a:bodyPr/>
+          <a:lstStyle/>
+          <a:p>
+            <a:endParaRPr lang="en-US" dirty="0"/>
+          </a:p>
+        </p:txBody>
+      </p:sp>
+      <p:sp>
+        <p:nvSpPr>
+          <p:cNvPr id="4" name="Slide Number Placeholder 3"/>
+          <p:cNvSpPr>
+            <a:spLocks noGrp="1"/>
+          </p:cNvSpPr>
+          <p:nvPr>
+            <p:ph type="sldNum" sz="quarter" idx="10"/>
+          </p:nvPr>
+        </p:nvSpPr>
+        <p:spPr/>
+        <p:txBody>
+          <a:bodyPr/>
+          <a:lstStyle/>
+          <a:p>
+            <a:fld id="{94CE3395-F8FF-4336-B2AA-E15575B990E7}" type="slidenum">
+              <a:rPr lang="en-US" smtClean="0"/>
+              <a:t>23</a:t>
+            </a:fld>
+            <a:endParaRPr lang="en-US" dirty="0"/>
+          </a:p>
+        </p:txBody>
+      </p:sp>
+    </p:spTree>
+    <p:extLst>
+      <p:ext uri="{BB962C8B-B14F-4D97-AF65-F5344CB8AC3E}">
+        <p14:creationId xmlns:p14="http://schemas.microsoft.com/office/powerpoint/2010/main" val="3985613858"/>
       </p:ext>
     </p:extLst>
   </p:cSld>
@@ -1464,7 +2118,10 @@
               <a:buFont typeface="Arial" panose="020B0604020202020204" pitchFamily="34" charset="0"/>
               <a:buChar char="•"/>
             </a:pPr>
-            <a:endParaRPr lang="en-US" baseline="0" dirty="0"/>
+            <a:r>
+              <a:rPr lang="en-US" baseline="0" dirty="0"/>
+              <a:t>(and under the covers)</a:t>
+            </a:r>
           </a:p>
         </p:txBody>
       </p:sp>
@@ -4860,7 +5517,7 @@
           <a:p>
             <a:r>
               <a:rPr lang="en-US" dirty="0"/>
-              <a:t>Logging</a:t>
+              <a:t>Semantic Logging</a:t>
             </a:r>
           </a:p>
         </p:txBody>
@@ -4933,7 +5590,7 @@
         <p:spPr>
           <a:xfrm>
             <a:off x="269239" y="1197324"/>
-            <a:ext cx="11653523" cy="4167488"/>
+            <a:ext cx="11653523" cy="2275688"/>
           </a:xfrm>
         </p:spPr>
         <p:txBody>
@@ -4989,46 +5646,6 @@
               <a:t>https://12factor.net/</a:t>
             </a:r>
             <a:endParaRPr lang="en-US" dirty="0"/>
-          </a:p>
-          <a:p>
-            <a:pPr marL="457200" indent="-457200">
-              <a:buFontTx/>
-              <a:buChar char="-"/>
-            </a:pPr>
-            <a:r>
-              <a:rPr lang="en-US" dirty="0"/>
-              <a:t>Modern ASP.NET</a:t>
-            </a:r>
-          </a:p>
-          <a:p>
-            <a:pPr marL="796926" lvl="1" indent="-457200">
-              <a:buFontTx/>
-              <a:buChar char="-"/>
-            </a:pPr>
-            <a:r>
-              <a:rPr lang="en-US" dirty="0"/>
-              <a:t>Everything else! Be wary of injecting the wrong type. Variance.</a:t>
-            </a:r>
-          </a:p>
-          <a:p>
-            <a:pPr marL="457200" indent="-457200">
-              <a:buFontTx/>
-              <a:buChar char="-"/>
-            </a:pPr>
-            <a:r>
-              <a:rPr lang="en-US" dirty="0"/>
-              <a:t>Scopes!</a:t>
-            </a:r>
-          </a:p>
-          <a:p>
-            <a:pPr marL="796926" lvl="1" indent="-457200">
-              <a:buFontTx/>
-              <a:buChar char="-"/>
-            </a:pPr>
-            <a:r>
-              <a:rPr lang="en-US" dirty="0"/>
-              <a:t>Pitfall: exception logging scopes</a:t>
-            </a:r>
           </a:p>
         </p:txBody>
       </p:sp>
@@ -5080,7 +5697,10 @@
           <a:bodyPr/>
           <a:lstStyle/>
           <a:p>
-            <a:endParaRPr lang="en-US" dirty="0"/>
+            <a:r>
+              <a:rPr lang="en-US" dirty="0"/>
+              <a:t>Semantic Logging: Getting a logger</a:t>
+            </a:r>
           </a:p>
         </p:txBody>
       </p:sp>
@@ -5097,7 +5717,7 @@
         <p:spPr>
           <a:xfrm>
             <a:off x="269239" y="1197324"/>
-            <a:ext cx="11653523" cy="3370859"/>
+            <a:ext cx="11653523" cy="4559518"/>
           </a:xfrm>
         </p:spPr>
         <p:txBody>
@@ -5110,23 +5730,8 @@
             </a:pPr>
             <a:r>
               <a:rPr lang="en-US" dirty="0"/>
-              <a:t>Semantic logging a.k.a. Structured logging </a:t>
-            </a:r>
-            <a:r>
-              <a:rPr lang="en-US" dirty="0" err="1"/>
-              <a:t>a.k.a</a:t>
-            </a:r>
-            <a:r>
-              <a:rPr lang="en-US" dirty="0"/>
-              <a:t> </a:t>
-            </a:r>
-            <a:r>
-              <a:rPr lang="en-US" dirty="0">
-                <a:hlinkClick r:id="rId3"/>
-              </a:rPr>
-              <a:t>https://messagetemplates.org/</a:t>
-            </a:r>
-            <a:endParaRPr lang="en-US" dirty="0"/>
+              <a:t>Modern ASP.NET</a:t>
+            </a:r>
           </a:p>
           <a:p>
             <a:pPr marL="796926" lvl="1" indent="-457200">
@@ -5135,15 +5740,121 @@
             </a:pPr>
             <a:r>
               <a:rPr lang="en-US" dirty="0"/>
-              <a:t>12-factor app: </a:t>
+              <a:t>Configure your logger with its backend output(s).</a:t>
+            </a:r>
+          </a:p>
+          <a:p>
+            <a:pPr marL="796926" lvl="1" indent="-457200">
+              <a:buFontTx/>
+              <a:buChar char="-"/>
+            </a:pPr>
+            <a:r>
+              <a:rPr lang="en-US" dirty="0"/>
+              <a:t>Inject </a:t>
+            </a:r>
+            <a:r>
+              <a:rPr lang="en-US" dirty="0" err="1">
+                <a:latin typeface="Consolas" panose="020B0609020204030204" pitchFamily="49" charset="0"/>
+              </a:rPr>
+              <a:t>ILogger</a:t>
             </a:r>
             <a:r>
               <a:rPr lang="en-US" dirty="0">
-                <a:hlinkClick r:id="rId4"/>
+                <a:latin typeface="Consolas" panose="020B0609020204030204" pitchFamily="49" charset="0"/>
               </a:rPr>
-              <a:t>https://12factor.net/</a:t>
+              <a:t>&lt;T&gt;</a:t>
+            </a:r>
+          </a:p>
+          <a:p>
+            <a:pPr marL="796926" lvl="1" indent="-457200">
+              <a:buFontTx/>
+              <a:buChar char="-"/>
+            </a:pPr>
+            <a:r>
+              <a:rPr lang="en-US" dirty="0"/>
+              <a:t>Note: if you need to dynamically create loggers, inject </a:t>
+            </a:r>
+            <a:r>
+              <a:rPr lang="en-US" dirty="0" err="1">
+                <a:latin typeface="Consolas" panose="020B0609020204030204" pitchFamily="49" charset="0"/>
+              </a:rPr>
+              <a:t>ILoggerFactory</a:t>
+            </a:r>
+            <a:r>
+              <a:rPr lang="en-US" dirty="0"/>
+              <a:t>, not </a:t>
+            </a:r>
+            <a:r>
+              <a:rPr lang="en-US" dirty="0" err="1">
+                <a:latin typeface="Consolas" panose="020B0609020204030204" pitchFamily="49" charset="0"/>
+              </a:rPr>
+              <a:t>ILoggerProvider</a:t>
+            </a:r>
+            <a:r>
+              <a:rPr lang="en-US" dirty="0"/>
+              <a:t>.</a:t>
+            </a:r>
+          </a:p>
+          <a:p>
+            <a:pPr marL="1030290" lvl="2" indent="-457200">
+              <a:buFontTx/>
+              <a:buChar char="-"/>
+            </a:pPr>
+            <a:r>
+              <a:rPr lang="en-US" dirty="0" err="1">
+                <a:latin typeface="Consolas" panose="020B0609020204030204" pitchFamily="49" charset="0"/>
+              </a:rPr>
+              <a:t>ILoggerFactory</a:t>
+            </a:r>
+            <a:r>
+              <a:rPr lang="en-US" dirty="0">
+                <a:latin typeface="+mn-lt"/>
+              </a:rPr>
+              <a:t> is for getting loggers for your components to use.</a:t>
             </a:r>
             <a:endParaRPr lang="en-US" dirty="0"/>
+          </a:p>
+          <a:p>
+            <a:pPr marL="1030290" lvl="2" indent="-457200">
+              <a:buFontTx/>
+              <a:buChar char="-"/>
+            </a:pPr>
+            <a:r>
+              <a:rPr lang="en-US" dirty="0" err="1">
+                <a:latin typeface="Consolas" panose="020B0609020204030204" pitchFamily="49" charset="0"/>
+              </a:rPr>
+              <a:t>ILoggerProvider</a:t>
+            </a:r>
+            <a:r>
+              <a:rPr lang="en-US" dirty="0"/>
+              <a:t> is for implementing custom backend outputs.</a:t>
+            </a:r>
+          </a:p>
+          <a:p>
+            <a:pPr marL="796926" lvl="1" indent="-457200">
+              <a:buFontTx/>
+              <a:buChar char="-"/>
+            </a:pPr>
+            <a:r>
+              <a:rPr lang="en-US" dirty="0"/>
+              <a:t>Tip: </a:t>
+            </a:r>
+            <a:r>
+              <a:rPr lang="en-US" dirty="0" err="1">
+                <a:latin typeface="Consolas" panose="020B0609020204030204" pitchFamily="49" charset="0"/>
+              </a:rPr>
+              <a:t>ILogger</a:t>
+            </a:r>
+            <a:r>
+              <a:rPr lang="en-US" dirty="0">
+                <a:latin typeface="Consolas" panose="020B0609020204030204" pitchFamily="49" charset="0"/>
+              </a:rPr>
+              <a:t>&lt;T&gt;</a:t>
+            </a:r>
+            <a:r>
+              <a:rPr lang="en-US" dirty="0"/>
+              <a:t> is covariant; you can pass it to base types!</a:t>
+            </a:r>
           </a:p>
           <a:p>
             <a:pPr marL="457200" indent="-457200">
@@ -5152,7 +5863,7 @@
             </a:pPr>
             <a:r>
               <a:rPr lang="en-US" dirty="0"/>
-              <a:t>Modern ASP.NET</a:t>
+              <a:t>Everything else:</a:t>
             </a:r>
           </a:p>
           <a:p>
@@ -5162,18 +5873,17 @@
             </a:pPr>
             <a:r>
               <a:rPr lang="en-US" dirty="0"/>
-              <a:t>Everything else! Be wary of injecting the wrong type. Variance.</a:t>
-            </a:r>
-          </a:p>
-          <a:p>
-            <a:pPr marL="457200" indent="-457200">
-              <a:buFontTx/>
-              <a:buChar char="-"/>
-            </a:pPr>
-            <a:r>
-              <a:rPr lang="en-US" dirty="0"/>
-              <a:t>Scopes!</a:t>
-            </a:r>
+              <a:t>Configure a logger factory via </a:t>
+            </a:r>
+            <a:r>
+              <a:rPr lang="en-US" dirty="0" err="1">
+                <a:latin typeface="Consolas" panose="020B0609020204030204" pitchFamily="49" charset="0"/>
+              </a:rPr>
+              <a:t>LoggerFactory.Create</a:t>
+            </a:r>
+            <a:endParaRPr lang="en-US" dirty="0">
+              <a:latin typeface="Consolas" panose="020B0609020204030204" pitchFamily="49" charset="0"/>
+            </a:endParaRPr>
           </a:p>
           <a:p>
             <a:pPr marL="796926" lvl="1" indent="-457200">
@@ -5182,7 +5892,17 @@
             </a:pPr>
             <a:r>
               <a:rPr lang="en-US" dirty="0"/>
-              <a:t>Pitfall: exception logging scopes</a:t>
+              <a:t>Call </a:t>
+            </a:r>
+            <a:r>
+              <a:rPr lang="en-US" dirty="0" err="1">
+                <a:latin typeface="Consolas" panose="020B0609020204030204" pitchFamily="49" charset="0"/>
+              </a:rPr>
+              <a:t>CreateLogger</a:t>
+            </a:r>
+            <a:r>
+              <a:rPr lang="en-US" dirty="0"/>
+              <a:t> on the factory.</a:t>
             </a:r>
           </a:p>
         </p:txBody>
@@ -5235,7 +5955,10 @@
           <a:bodyPr/>
           <a:lstStyle/>
           <a:p>
-            <a:endParaRPr lang="en-US" dirty="0"/>
+            <a:r>
+              <a:rPr lang="en-US" dirty="0"/>
+              <a:t>Semantic Logging: Basic Logging</a:t>
+            </a:r>
           </a:p>
         </p:txBody>
       </p:sp>
@@ -5252,7 +5975,7 @@
         <p:spPr>
           <a:xfrm>
             <a:off x="269239" y="1197324"/>
-            <a:ext cx="11653523" cy="4914230"/>
+            <a:ext cx="11653523" cy="4860626"/>
           </a:xfrm>
         </p:spPr>
         <p:txBody>
@@ -5265,24 +5988,41 @@
             </a:pPr>
             <a:r>
               <a:rPr lang="en-US" dirty="0"/>
-              <a:t>Backends: Azure AppInsights / AWS X-Ray / </a:t>
-            </a:r>
-            <a:r>
-              <a:rPr lang="en-US" dirty="0" err="1"/>
-              <a:t>Papertrail</a:t>
-            </a:r>
-            <a:r>
-              <a:rPr lang="en-US" dirty="0"/>
-              <a:t> etc., </a:t>
-            </a:r>
-            <a:r>
-              <a:rPr lang="en-US" dirty="0" err="1"/>
-              <a:t>Graylog</a:t>
-            </a:r>
-            <a:r>
-              <a:rPr lang="en-US" dirty="0"/>
-              <a:t>, Seq</a:t>
-            </a:r>
+              <a:t>Log with placeholders, like this:</a:t>
+            </a:r>
+          </a:p>
+          <a:p>
+            <a:br>
+              <a:rPr lang="en-US" sz="2200" dirty="0">
+                <a:latin typeface="Consolas" panose="020B0609020204030204" pitchFamily="49" charset="0"/>
+              </a:rPr>
+            </a:br>
+            <a:r>
+              <a:rPr lang="en-US" sz="2200" dirty="0">
+                <a:latin typeface="Consolas" panose="020B0609020204030204" pitchFamily="49" charset="0"/>
+              </a:rPr>
+              <a:t>_</a:t>
+            </a:r>
+            <a:r>
+              <a:rPr lang="en-US" sz="2200" dirty="0" err="1">
+                <a:latin typeface="Consolas" panose="020B0609020204030204" pitchFamily="49" charset="0"/>
+              </a:rPr>
+              <a:t>logger.LogInformation</a:t>
+            </a:r>
+            <a:r>
+              <a:rPr lang="en-US" sz="2200" dirty="0">
+                <a:latin typeface="Consolas" panose="020B0609020204030204" pitchFamily="49" charset="0"/>
+              </a:rPr>
+              <a:t>("Forecast result: {temperature}", temperature);</a:t>
+            </a:r>
+            <a:br>
+              <a:rPr lang="en-US" sz="2200" dirty="0">
+                <a:latin typeface="Consolas" panose="020B0609020204030204" pitchFamily="49" charset="0"/>
+              </a:rPr>
+            </a:br>
+            <a:endParaRPr lang="en-US" sz="2200" dirty="0">
+              <a:latin typeface="Consolas" panose="020B0609020204030204" pitchFamily="49" charset="0"/>
+            </a:endParaRPr>
           </a:p>
           <a:p>
             <a:pPr marL="457200" indent="-457200">
@@ -5291,7 +6031,7 @@
             </a:pPr>
             <a:r>
               <a:rPr lang="en-US" dirty="0"/>
-              <a:t>Distributed tracing (including across queues)</a:t>
+              <a:t>This is not string interpolation!</a:t>
             </a:r>
           </a:p>
           <a:p>
@@ -5301,33 +6041,7 @@
             </a:pPr>
             <a:r>
               <a:rPr lang="en-US" dirty="0"/>
-              <a:t>Guidelines:</a:t>
-            </a:r>
-          </a:p>
-          <a:p>
-            <a:pPr marL="796926" lvl="1" indent="-457200">
-              <a:buFontTx/>
-              <a:buChar char="-"/>
-            </a:pPr>
-            <a:r>
-              <a:rPr lang="en-US" dirty="0"/>
-              <a:t>Know your backend (e.g., </a:t>
-            </a:r>
-            <a:r>
-              <a:rPr lang="en-US" dirty="0" err="1"/>
-              <a:t>Graylog’s</a:t>
-            </a:r>
-            <a:r>
-              <a:rPr lang="en-US" dirty="0"/>
-              <a:t> </a:t>
-            </a:r>
-            <a:r>
-              <a:rPr lang="en-US" dirty="0" err="1"/>
-              <a:t>ElasticSearch</a:t>
-            </a:r>
-            <a:r>
-              <a:rPr lang="en-US" dirty="0"/>
-              <a:t> index typing)</a:t>
+              <a:t>This is not format string arguments!</a:t>
             </a:r>
           </a:p>
           <a:p>
@@ -5337,7 +6051,7 @@
             </a:pPr>
             <a:r>
               <a:rPr lang="en-US" dirty="0"/>
-              <a:t>(time permitting) Implementing loggers, common scope providers.</a:t>
+              <a:t>This is a message template.</a:t>
             </a:r>
           </a:p>
           <a:p>
@@ -5347,33 +6061,27 @@
             </a:pPr>
             <a:r>
               <a:rPr lang="en-US" dirty="0"/>
-              <a:t>Monitor:</a:t>
-            </a:r>
-          </a:p>
-          <a:p>
-            <a:pPr marL="796926" lvl="1" indent="-457200">
+              <a:t>What actually happens </a:t>
+            </a:r>
+            <a:r>
+              <a:rPr lang="en-US"/>
+              <a:t>(mostly):</a:t>
+            </a:r>
+            <a:endParaRPr lang="en-US" dirty="0"/>
+          </a:p>
+          <a:p>
+            <a:r>
+              <a:rPr lang="en-US" sz="3000" dirty="0">
+                <a:latin typeface="Consolas" panose="020B0609020204030204" pitchFamily="49" charset="0"/>
+              </a:rPr>
+              <a:t>{ message: "Forecast result: 13", temperature: 13 }</a:t>
+            </a:r>
+          </a:p>
+          <a:p>
+            <a:pPr marL="457200" indent="-457200">
               <a:buFontTx/>
               <a:buChar char="-"/>
             </a:pPr>
-            <a:r>
-              <a:rPr lang="en-US" dirty="0">
-                <a:hlinkClick r:id="rId3"/>
-              </a:rPr>
-              <a:t>https://tinyurl.com/WillAzureMonitorSupportOTLP</a:t>
-            </a:r>
-            <a:endParaRPr lang="en-US" dirty="0"/>
-          </a:p>
-          <a:p>
-            <a:pPr marL="796926" lvl="1" indent="-457200">
-              <a:buFontTx/>
-              <a:buChar char="-"/>
-            </a:pPr>
-            <a:r>
-              <a:rPr lang="en-US" dirty="0">
-                <a:hlinkClick r:id="rId4"/>
-              </a:rPr>
-              <a:t>https://tinyurl.com/AzureMonitorOTELTerminology</a:t>
-            </a:r>
             <a:endParaRPr lang="en-US" dirty="0"/>
           </a:p>
         </p:txBody>
@@ -5381,7 +6089,7 @@
     </p:spTree>
     <p:extLst>
       <p:ext uri="{BB962C8B-B14F-4D97-AF65-F5344CB8AC3E}">
-        <p14:creationId xmlns:p14="http://schemas.microsoft.com/office/powerpoint/2010/main" val="3482452174"/>
+        <p14:creationId xmlns:p14="http://schemas.microsoft.com/office/powerpoint/2010/main" val="2245855290"/>
       </p:ext>
     </p:extLst>
   </p:cSld>
@@ -5413,7 +6121,7 @@
       </p:grpSpPr>
       <p:sp>
         <p:nvSpPr>
-          <p:cNvPr id="4" name="Title 3"/>
+          <p:cNvPr id="2" name="Title 1"/>
           <p:cNvSpPr>
             <a:spLocks noGrp="1"/>
           </p:cNvSpPr>
@@ -5428,159 +6136,903 @@
           <a:p>
             <a:r>
               <a:rPr lang="en-US" dirty="0"/>
-              <a:t>Q&amp;A</a:t>
-            </a:r>
-          </a:p>
-        </p:txBody>
-      </p:sp>
-      <p:pic>
-        <p:nvPicPr>
-          <p:cNvPr id="5" name="Picture 4"/>
-          <p:cNvPicPr>
-            <a:picLocks noChangeAspect="1"/>
-          </p:cNvPicPr>
-          <p:nvPr/>
-        </p:nvPicPr>
-        <p:blipFill>
-          <a:blip r:embed="rId3" cstate="print">
-            <a:extLst>
-              <a:ext uri="{28A0092B-C50C-407E-A947-70E740481C1C}">
-                <a14:useLocalDpi xmlns:a14="http://schemas.microsoft.com/office/drawing/2010/main" val="0"/>
-              </a:ext>
-            </a:extLst>
-          </a:blip>
-          <a:stretch>
-            <a:fillRect/>
-          </a:stretch>
-        </p:blipFill>
+              <a:t>Demo: Basic Semantic Logging</a:t>
+            </a:r>
+          </a:p>
+        </p:txBody>
+      </p:sp>
+    </p:spTree>
+    <p:extLst>
+      <p:ext uri="{BB962C8B-B14F-4D97-AF65-F5344CB8AC3E}">
+        <p14:creationId xmlns:p14="http://schemas.microsoft.com/office/powerpoint/2010/main" val="2037938741"/>
+      </p:ext>
+    </p:extLst>
+  </p:cSld>
+  <p:clrMapOvr>
+    <a:masterClrMapping/>
+  </p:clrMapOvr>
+  <p:transition>
+    <p:fade/>
+  </p:transition>
+</p:sld>
+</file>
+
+<file path=ppt/slides/slide17.xml><?xml version="1.0" encoding="utf-8"?>
+<p:sld xmlns:a="http://schemas.openxmlformats.org/drawingml/2006/main" xmlns:r="http://schemas.openxmlformats.org/officeDocument/2006/relationships" xmlns:p="http://schemas.openxmlformats.org/presentationml/2006/main">
+  <p:cSld>
+    <p:spTree>
+      <p:nvGrpSpPr>
+        <p:cNvPr id="1" name=""/>
+        <p:cNvGrpSpPr/>
+        <p:nvPr/>
+      </p:nvGrpSpPr>
+      <p:grpSpPr>
+        <a:xfrm>
+          <a:off x="0" y="0"/>
+          <a:ext cx="0" cy="0"/>
+          <a:chOff x="0" y="0"/>
+          <a:chExt cx="0" cy="0"/>
+        </a:xfrm>
+      </p:grpSpPr>
+      <p:sp>
+        <p:nvSpPr>
+          <p:cNvPr id="3" name="Title 2"/>
+          <p:cNvSpPr>
+            <a:spLocks noGrp="1"/>
+          </p:cNvSpPr>
+          <p:nvPr>
+            <p:ph type="title"/>
+          </p:nvPr>
+        </p:nvSpPr>
+        <p:spPr/>
+        <p:txBody>
+          <a:bodyPr/>
+          <a:lstStyle/>
+          <a:p>
+            <a:r>
+              <a:rPr lang="en-US" dirty="0"/>
+              <a:t>Semantic Logging: Backend options</a:t>
+            </a:r>
+          </a:p>
+        </p:txBody>
+      </p:sp>
+      <p:sp>
+        <p:nvSpPr>
+          <p:cNvPr id="4" name="Text Placeholder 3"/>
+          <p:cNvSpPr>
+            <a:spLocks noGrp="1"/>
+          </p:cNvSpPr>
+          <p:nvPr>
+            <p:ph type="body" sz="quarter" idx="10"/>
+          </p:nvPr>
+        </p:nvSpPr>
         <p:spPr>
           <a:xfrm>
-            <a:off x="6724529" y="1103070"/>
-            <a:ext cx="3129100" cy="3981780"/>
+            <a:off x="269239" y="1197324"/>
+            <a:ext cx="11653523" cy="4449423"/>
           </a:xfrm>
-          <a:prstGeom prst="rect">
-            <a:avLst/>
-          </a:prstGeom>
         </p:spPr>
-      </p:pic>
-      <p:sp>
-        <p:nvSpPr>
-          <p:cNvPr id="6" name="TextBox 5"/>
-          <p:cNvSpPr txBox="1"/>
-          <p:nvPr/>
+        <p:txBody>
+          <a:bodyPr/>
+          <a:lstStyle/>
+          <a:p>
+            <a:pPr marL="457200" indent="-457200">
+              <a:buFontTx/>
+              <a:buChar char="-"/>
+            </a:pPr>
+            <a:r>
+              <a:rPr lang="en-US" dirty="0"/>
+              <a:t>Cloud:</a:t>
+            </a:r>
+          </a:p>
+          <a:p>
+            <a:pPr marL="796926" lvl="1" indent="-457200">
+              <a:buFontTx/>
+              <a:buChar char="-"/>
+            </a:pPr>
+            <a:r>
+              <a:rPr lang="en-US" dirty="0"/>
+              <a:t>Azure AppInsights/Monitor </a:t>
+            </a:r>
+            <a:r>
+              <a:rPr lang="en-US" dirty="0">
+                <a:hlinkClick r:id="rId3"/>
+              </a:rPr>
+              <a:t>https://tinyurl.com/WillAzureMonitorSupportOTLP</a:t>
+            </a:r>
+            <a:endParaRPr lang="en-US" dirty="0"/>
+          </a:p>
+          <a:p>
+            <a:pPr marL="796926" lvl="1" indent="-457200">
+              <a:buFontTx/>
+              <a:buChar char="-"/>
+            </a:pPr>
+            <a:r>
+              <a:rPr lang="en-US" dirty="0"/>
+              <a:t>AWS CloudWatch (</a:t>
+            </a:r>
+            <a:r>
+              <a:rPr lang="en-US" dirty="0">
+                <a:hlinkClick r:id="rId4"/>
+              </a:rPr>
+              <a:t>https://tinyurl.com/AWS-OTEL-logs</a:t>
+            </a:r>
+            <a:r>
+              <a:rPr lang="en-US" dirty="0"/>
+              <a:t>)</a:t>
+            </a:r>
+          </a:p>
+          <a:p>
+            <a:pPr marL="1030290" lvl="2" indent="-457200">
+              <a:buFontTx/>
+              <a:buChar char="-"/>
+            </a:pPr>
+            <a:r>
+              <a:rPr lang="en-US" dirty="0"/>
+              <a:t>(Use X-Ray for metrics: </a:t>
+            </a:r>
+            <a:r>
+              <a:rPr lang="en-US" dirty="0">
+                <a:hlinkClick r:id="rId5"/>
+              </a:rPr>
+              <a:t>https://tinyurl.com/AWS-OTEL-metrics</a:t>
+            </a:r>
+            <a:r>
+              <a:rPr lang="en-US" dirty="0"/>
+              <a:t>)</a:t>
+            </a:r>
+          </a:p>
+          <a:p>
+            <a:pPr marL="457200" indent="-457200">
+              <a:buFontTx/>
+              <a:buChar char="-"/>
+            </a:pPr>
+            <a:r>
+              <a:rPr lang="en-US" dirty="0"/>
+              <a:t>SaaS:</a:t>
+            </a:r>
+          </a:p>
+          <a:p>
+            <a:pPr marL="796926" lvl="1" indent="-457200">
+              <a:buFontTx/>
+              <a:buChar char="-"/>
+            </a:pPr>
+            <a:r>
+              <a:rPr lang="en-US" dirty="0" err="1"/>
+              <a:t>Graylog</a:t>
+            </a:r>
+            <a:r>
+              <a:rPr lang="en-US" dirty="0"/>
+              <a:t> cloud</a:t>
+            </a:r>
+          </a:p>
+          <a:p>
+            <a:pPr marL="796926" lvl="1" indent="-457200">
+              <a:buFontTx/>
+              <a:buChar char="-"/>
+            </a:pPr>
+            <a:r>
+              <a:rPr lang="en-US" dirty="0" err="1"/>
+              <a:t>Papertrail</a:t>
+            </a:r>
+            <a:endParaRPr lang="en-US" dirty="0"/>
+          </a:p>
+          <a:p>
+            <a:pPr marL="457200" indent="-457200">
+              <a:buFontTx/>
+              <a:buChar char="-"/>
+            </a:pPr>
+            <a:r>
+              <a:rPr lang="en-US" dirty="0"/>
+              <a:t>Self-hosted:</a:t>
+            </a:r>
+          </a:p>
+          <a:p>
+            <a:pPr marL="796926" lvl="1" indent="-457200">
+              <a:buFontTx/>
+              <a:buChar char="-"/>
+            </a:pPr>
+            <a:r>
+              <a:rPr lang="en-US" dirty="0" err="1"/>
+              <a:t>Graylog</a:t>
+            </a:r>
+            <a:endParaRPr lang="en-US" dirty="0"/>
+          </a:p>
+          <a:p>
+            <a:pPr marL="796926" lvl="1" indent="-457200">
+              <a:buFontTx/>
+              <a:buChar char="-"/>
+            </a:pPr>
+            <a:r>
+              <a:rPr lang="en-US" dirty="0"/>
+              <a:t>Seq</a:t>
+            </a:r>
+          </a:p>
+        </p:txBody>
+      </p:sp>
+    </p:spTree>
+    <p:extLst>
+      <p:ext uri="{BB962C8B-B14F-4D97-AF65-F5344CB8AC3E}">
+        <p14:creationId xmlns:p14="http://schemas.microsoft.com/office/powerpoint/2010/main" val="4149073084"/>
+      </p:ext>
+    </p:extLst>
+  </p:cSld>
+  <p:clrMapOvr>
+    <a:masterClrMapping/>
+  </p:clrMapOvr>
+  <p:transition>
+    <p:fade/>
+  </p:transition>
+</p:sld>
+</file>
+
+<file path=ppt/slides/slide18.xml><?xml version="1.0" encoding="utf-8"?>
+<p:sld xmlns:a="http://schemas.openxmlformats.org/drawingml/2006/main" xmlns:r="http://schemas.openxmlformats.org/officeDocument/2006/relationships" xmlns:p="http://schemas.openxmlformats.org/presentationml/2006/main">
+  <p:cSld>
+    <p:spTree>
+      <p:nvGrpSpPr>
+        <p:cNvPr id="1" name=""/>
+        <p:cNvGrpSpPr/>
+        <p:nvPr/>
+      </p:nvGrpSpPr>
+      <p:grpSpPr>
+        <a:xfrm>
+          <a:off x="0" y="0"/>
+          <a:ext cx="0" cy="0"/>
+          <a:chOff x="0" y="0"/>
+          <a:chExt cx="0" cy="0"/>
+        </a:xfrm>
+      </p:grpSpPr>
+      <p:sp>
+        <p:nvSpPr>
+          <p:cNvPr id="3" name="Title 2"/>
+          <p:cNvSpPr>
+            <a:spLocks noGrp="1"/>
+          </p:cNvSpPr>
+          <p:nvPr>
+            <p:ph type="title"/>
+          </p:nvPr>
+        </p:nvSpPr>
+        <p:spPr/>
+        <p:txBody>
+          <a:bodyPr/>
+          <a:lstStyle/>
+          <a:p>
+            <a:r>
+              <a:rPr lang="en-US" dirty="0"/>
+              <a:t>Semantic Logging: Performance</a:t>
+            </a:r>
+          </a:p>
+        </p:txBody>
+      </p:sp>
+      <p:sp>
+        <p:nvSpPr>
+          <p:cNvPr id="4" name="Text Placeholder 3"/>
+          <p:cNvSpPr>
+            <a:spLocks noGrp="1"/>
+          </p:cNvSpPr>
+          <p:nvPr>
+            <p:ph type="body" sz="quarter" idx="10"/>
+          </p:nvPr>
         </p:nvSpPr>
         <p:spPr>
           <a:xfrm>
-            <a:off x="1725930" y="3296644"/>
-            <a:ext cx="2912785" cy="470898"/>
+            <a:off x="269239" y="1197324"/>
+            <a:ext cx="11653523" cy="4125809"/>
           </a:xfrm>
-          <a:prstGeom prst="rect">
-            <a:avLst/>
-          </a:prstGeom>
-          <a:noFill/>
         </p:spPr>
         <p:txBody>
-          <a:bodyPr wrap="none" lIns="137160" tIns="109728" rIns="137160" bIns="109728" rtlCol="0">
-            <a:spAutoFit/>
-          </a:bodyPr>
+          <a:bodyPr/>
           <a:lstStyle/>
           <a:p>
-            <a:pPr>
+            <a:pPr marL="457200" indent="-457200">
+              <a:buFontTx/>
+              <a:buChar char="-"/>
+            </a:pPr>
+            <a:r>
+              <a:rPr lang="en-US" dirty="0"/>
+              <a:t>Basic form:</a:t>
+            </a:r>
+          </a:p>
+          <a:p>
+            <a:br>
+              <a:rPr lang="en-US" sz="2200" dirty="0">
+                <a:latin typeface="Consolas" panose="020B0609020204030204" pitchFamily="49" charset="0"/>
+              </a:rPr>
+            </a:br>
+            <a:r>
+              <a:rPr lang="en-US" sz="2200" dirty="0">
+                <a:latin typeface="Consolas" panose="020B0609020204030204" pitchFamily="49" charset="0"/>
+              </a:rPr>
+              <a:t>_</a:t>
+            </a:r>
+            <a:r>
+              <a:rPr lang="en-US" sz="2200" dirty="0" err="1">
+                <a:latin typeface="Consolas" panose="020B0609020204030204" pitchFamily="49" charset="0"/>
+              </a:rPr>
+              <a:t>logger.LogInformation</a:t>
+            </a:r>
+            <a:r>
+              <a:rPr lang="en-US" sz="2200" dirty="0">
+                <a:latin typeface="Consolas" panose="020B0609020204030204" pitchFamily="49" charset="0"/>
+              </a:rPr>
+              <a:t>("Forecast result: {temperature}", temperature);</a:t>
+            </a:r>
+            <a:br>
+              <a:rPr lang="en-US" sz="2200" dirty="0">
+                <a:latin typeface="Consolas" panose="020B0609020204030204" pitchFamily="49" charset="0"/>
+              </a:rPr>
+            </a:br>
+            <a:endParaRPr lang="en-US" sz="2200" dirty="0">
+              <a:latin typeface="Consolas" panose="020B0609020204030204" pitchFamily="49" charset="0"/>
+            </a:endParaRPr>
+          </a:p>
+          <a:p>
+            <a:pPr marL="457200" indent="-457200">
+              <a:buFontTx/>
+              <a:buChar char="-"/>
+            </a:pPr>
+            <a:r>
+              <a:rPr lang="en-US" dirty="0"/>
+              <a:t>Performant form:</a:t>
+            </a:r>
+            <a:endParaRPr lang="en-US" sz="3000" dirty="0">
+              <a:latin typeface="Consolas" panose="020B0609020204030204" pitchFamily="49" charset="0"/>
+            </a:endParaRPr>
+          </a:p>
+          <a:p>
+            <a:pPr marL="0" marR="0" lvl="0" indent="0" algn="l" defTabSz="914367" rtl="0" eaLnBrk="1" fontAlgn="auto" latinLnBrk="0" hangingPunct="1">
               <a:lnSpc>
                 <a:spcPct val="90000"/>
               </a:lnSpc>
+              <a:spcBef>
+                <a:spcPct val="20000"/>
+              </a:spcBef>
               <a:spcAft>
-                <a:spcPts val="450"/>
+                <a:spcPts val="0"/>
               </a:spcAft>
+              <a:buClrTx/>
+              <a:buSzPct val="90000"/>
+              <a:buFont typeface="Arial" pitchFamily="34" charset="0"/>
+              <a:buNone/>
+              <a:tabLst/>
+              <a:defRPr/>
             </a:pPr>
-            <a:r>
-              <a:rPr lang="en-US" i="1" dirty="0">
-                <a:solidFill>
-                  <a:schemeClr val="bg1"/>
-                </a:solidFill>
+            <a:br>
+              <a:rPr kumimoji="0" lang="en-US" sz="2200" b="0" i="0" u="none" strike="noStrike" kern="1200" cap="none" spc="0" normalizeH="0" baseline="0" noProof="0" dirty="0">
+                <a:ln>
+                  <a:noFill/>
+                </a:ln>
+                <a:gradFill>
+                  <a:gsLst>
+                    <a:gs pos="1250">
+                      <a:srgbClr val="000000"/>
+                    </a:gs>
+                    <a:gs pos="100000">
+                      <a:srgbClr val="000000"/>
+                    </a:gs>
+                  </a:gsLst>
+                  <a:lin ang="5400000" scaled="0"/>
+                </a:gradFill>
+                <a:effectLst/>
+                <a:uLnTx/>
+                <a:uFillTx/>
+                <a:latin typeface="Consolas" panose="020B0609020204030204" pitchFamily="49" charset="0"/>
+                <a:ea typeface="+mn-ea"/>
+                <a:cs typeface="Segoe UI" pitchFamily="34" charset="0"/>
               </a:rPr>
-              <a:t>Go forth and be awesome!</a:t>
-            </a:r>
-          </a:p>
-        </p:txBody>
-      </p:sp>
-      <p:sp>
-        <p:nvSpPr>
-          <p:cNvPr id="7" name="TextBox 6"/>
-          <p:cNvSpPr txBox="1"/>
-          <p:nvPr/>
-        </p:nvSpPr>
-        <p:spPr>
-          <a:xfrm>
-            <a:off x="6795786" y="5084852"/>
-            <a:ext cx="3003707" cy="346249"/>
-          </a:xfrm>
-          <a:prstGeom prst="rect">
-            <a:avLst/>
-          </a:prstGeom>
-          <a:noFill/>
-        </p:spPr>
-        <p:txBody>
-          <a:bodyPr wrap="none" lIns="137160" tIns="109728" rIns="137160" bIns="109728" rtlCol="0">
-            <a:spAutoFit/>
-          </a:bodyPr>
-          <a:lstStyle/>
-          <a:p>
-            <a:pPr>
+            </a:br>
+            <a:r>
+              <a:rPr kumimoji="0" lang="en-US" sz="2200" b="0" i="0" u="none" strike="noStrike" kern="1200" cap="none" spc="0" normalizeH="0" baseline="0" noProof="0" dirty="0">
+                <a:ln>
+                  <a:noFill/>
+                </a:ln>
+                <a:gradFill>
+                  <a:gsLst>
+                    <a:gs pos="1250">
+                      <a:srgbClr val="000000"/>
+                    </a:gs>
+                    <a:gs pos="100000">
+                      <a:srgbClr val="000000"/>
+                    </a:gs>
+                  </a:gsLst>
+                  <a:lin ang="5400000" scaled="0"/>
+                </a:gradFill>
+                <a:effectLst/>
+                <a:uLnTx/>
+                <a:uFillTx/>
+                <a:latin typeface="Consolas" panose="020B0609020204030204" pitchFamily="49" charset="0"/>
+                <a:ea typeface="+mn-ea"/>
+                <a:cs typeface="Segoe UI" pitchFamily="34" charset="0"/>
+              </a:rPr>
+              <a:t>_</a:t>
+            </a:r>
+            <a:r>
+              <a:rPr kumimoji="0" lang="en-US" sz="2200" b="0" i="0" u="none" strike="noStrike" kern="1200" cap="none" spc="0" normalizeH="0" baseline="0" noProof="0" dirty="0" err="1">
+                <a:ln>
+                  <a:noFill/>
+                </a:ln>
+                <a:gradFill>
+                  <a:gsLst>
+                    <a:gs pos="1250">
+                      <a:srgbClr val="000000"/>
+                    </a:gs>
+                    <a:gs pos="100000">
+                      <a:srgbClr val="000000"/>
+                    </a:gs>
+                  </a:gsLst>
+                  <a:lin ang="5400000" scaled="0"/>
+                </a:gradFill>
+                <a:effectLst/>
+                <a:uLnTx/>
+                <a:uFillTx/>
+                <a:latin typeface="Consolas" panose="020B0609020204030204" pitchFamily="49" charset="0"/>
+                <a:ea typeface="+mn-ea"/>
+                <a:cs typeface="Segoe UI" pitchFamily="34" charset="0"/>
+              </a:rPr>
+              <a:t>logger.LogTemperature</a:t>
+            </a:r>
+            <a:r>
+              <a:rPr kumimoji="0" lang="en-US" sz="2200" b="0" i="0" u="none" strike="noStrike" kern="1200" cap="none" spc="0" normalizeH="0" baseline="0" noProof="0" dirty="0">
+                <a:ln>
+                  <a:noFill/>
+                </a:ln>
+                <a:gradFill>
+                  <a:gsLst>
+                    <a:gs pos="1250">
+                      <a:srgbClr val="000000"/>
+                    </a:gs>
+                    <a:gs pos="100000">
+                      <a:srgbClr val="000000"/>
+                    </a:gs>
+                  </a:gsLst>
+                  <a:lin ang="5400000" scaled="0"/>
+                </a:gradFill>
+                <a:effectLst/>
+                <a:uLnTx/>
+                <a:uFillTx/>
+                <a:latin typeface="Consolas" panose="020B0609020204030204" pitchFamily="49" charset="0"/>
+                <a:ea typeface="+mn-ea"/>
+                <a:cs typeface="Segoe UI" pitchFamily="34" charset="0"/>
+              </a:rPr>
+              <a:t>(temperature);</a:t>
+            </a:r>
+            <a:br>
+              <a:rPr kumimoji="0" lang="en-US" sz="2200" b="0" i="0" u="none" strike="noStrike" kern="1200" cap="none" spc="0" normalizeH="0" baseline="0" noProof="0" dirty="0">
+                <a:ln>
+                  <a:noFill/>
+                </a:ln>
+                <a:gradFill>
+                  <a:gsLst>
+                    <a:gs pos="1250">
+                      <a:srgbClr val="000000"/>
+                    </a:gs>
+                    <a:gs pos="100000">
+                      <a:srgbClr val="000000"/>
+                    </a:gs>
+                  </a:gsLst>
+                  <a:lin ang="5400000" scaled="0"/>
+                </a:gradFill>
+                <a:effectLst/>
+                <a:uLnTx/>
+                <a:uFillTx/>
+                <a:latin typeface="Consolas" panose="020B0609020204030204" pitchFamily="49" charset="0"/>
+                <a:ea typeface="+mn-ea"/>
+                <a:cs typeface="Segoe UI" pitchFamily="34" charset="0"/>
+              </a:rPr>
+            </a:br>
+            <a:br>
+              <a:rPr kumimoji="0" lang="en-US" sz="2200" b="0" i="0" u="none" strike="noStrike" kern="1200" cap="none" spc="0" normalizeH="0" baseline="0" noProof="0" dirty="0">
+                <a:ln>
+                  <a:noFill/>
+                </a:ln>
+                <a:gradFill>
+                  <a:gsLst>
+                    <a:gs pos="1250">
+                      <a:srgbClr val="000000"/>
+                    </a:gs>
+                    <a:gs pos="100000">
+                      <a:srgbClr val="000000"/>
+                    </a:gs>
+                  </a:gsLst>
+                  <a:lin ang="5400000" scaled="0"/>
+                </a:gradFill>
+                <a:effectLst/>
+                <a:uLnTx/>
+                <a:uFillTx/>
+                <a:latin typeface="Consolas" panose="020B0609020204030204" pitchFamily="49" charset="0"/>
+                <a:ea typeface="+mn-ea"/>
+                <a:cs typeface="Segoe UI" pitchFamily="34" charset="0"/>
+              </a:rPr>
+            </a:br>
+            <a:r>
+              <a:rPr kumimoji="0" lang="en-US" sz="2200" b="0" i="0" u="none" strike="noStrike" kern="1200" cap="none" spc="0" normalizeH="0" baseline="0" noProof="0" dirty="0">
+                <a:ln>
+                  <a:noFill/>
+                </a:ln>
+                <a:gradFill>
+                  <a:gsLst>
+                    <a:gs pos="1250">
+                      <a:srgbClr val="000000"/>
+                    </a:gs>
+                    <a:gs pos="100000">
+                      <a:srgbClr val="000000"/>
+                    </a:gs>
+                  </a:gsLst>
+                  <a:lin ang="5400000" scaled="0"/>
+                </a:gradFill>
+                <a:effectLst/>
+                <a:uLnTx/>
+                <a:uFillTx/>
+                <a:latin typeface="Consolas" panose="020B0609020204030204" pitchFamily="49" charset="0"/>
+                <a:ea typeface="+mn-ea"/>
+                <a:cs typeface="Segoe UI" pitchFamily="34" charset="0"/>
+              </a:rPr>
+              <a:t>[</a:t>
+            </a:r>
+            <a:r>
+              <a:rPr kumimoji="0" lang="en-US" sz="2200" b="0" i="0" u="none" strike="noStrike" kern="1200" cap="none" spc="0" normalizeH="0" baseline="0" noProof="0" dirty="0" err="1">
+                <a:ln>
+                  <a:noFill/>
+                </a:ln>
+                <a:gradFill>
+                  <a:gsLst>
+                    <a:gs pos="1250">
+                      <a:srgbClr val="000000"/>
+                    </a:gs>
+                    <a:gs pos="100000">
+                      <a:srgbClr val="000000"/>
+                    </a:gs>
+                  </a:gsLst>
+                  <a:lin ang="5400000" scaled="0"/>
+                </a:gradFill>
+                <a:effectLst/>
+                <a:uLnTx/>
+                <a:uFillTx/>
+                <a:latin typeface="Consolas" panose="020B0609020204030204" pitchFamily="49" charset="0"/>
+                <a:ea typeface="+mn-ea"/>
+                <a:cs typeface="Segoe UI" pitchFamily="34" charset="0"/>
+              </a:rPr>
+              <a:t>LoggerMessage</a:t>
+            </a:r>
+            <a:r>
+              <a:rPr kumimoji="0" lang="en-US" sz="2200" b="0" i="0" u="none" strike="noStrike" kern="1200" cap="none" spc="0" normalizeH="0" baseline="0" noProof="0" dirty="0">
+                <a:ln>
+                  <a:noFill/>
+                </a:ln>
+                <a:gradFill>
+                  <a:gsLst>
+                    <a:gs pos="1250">
+                      <a:srgbClr val="000000"/>
+                    </a:gs>
+                    <a:gs pos="100000">
+                      <a:srgbClr val="000000"/>
+                    </a:gs>
+                  </a:gsLst>
+                  <a:lin ang="5400000" scaled="0"/>
+                </a:gradFill>
+                <a:effectLst/>
+                <a:uLnTx/>
+                <a:uFillTx/>
+                <a:latin typeface="Consolas" panose="020B0609020204030204" pitchFamily="49" charset="0"/>
+                <a:ea typeface="+mn-ea"/>
+                <a:cs typeface="Segoe UI" pitchFamily="34" charset="0"/>
+              </a:rPr>
+              <a:t>(Level = </a:t>
+            </a:r>
+            <a:r>
+              <a:rPr kumimoji="0" lang="en-US" sz="2200" b="0" i="0" u="none" strike="noStrike" kern="1200" cap="none" spc="0" normalizeH="0" baseline="0" noProof="0" dirty="0" err="1">
+                <a:ln>
+                  <a:noFill/>
+                </a:ln>
+                <a:gradFill>
+                  <a:gsLst>
+                    <a:gs pos="1250">
+                      <a:srgbClr val="000000"/>
+                    </a:gs>
+                    <a:gs pos="100000">
+                      <a:srgbClr val="000000"/>
+                    </a:gs>
+                  </a:gsLst>
+                  <a:lin ang="5400000" scaled="0"/>
+                </a:gradFill>
+                <a:effectLst/>
+                <a:uLnTx/>
+                <a:uFillTx/>
+                <a:latin typeface="Consolas" panose="020B0609020204030204" pitchFamily="49" charset="0"/>
+                <a:ea typeface="+mn-ea"/>
+                <a:cs typeface="Segoe UI" pitchFamily="34" charset="0"/>
+              </a:rPr>
+              <a:t>LogLevel.Information</a:t>
+            </a:r>
+            <a:r>
+              <a:rPr kumimoji="0" lang="en-US" sz="2200" b="0" i="0" u="none" strike="noStrike" kern="1200" cap="none" spc="0" normalizeH="0" baseline="0" noProof="0" dirty="0">
+                <a:ln>
+                  <a:noFill/>
+                </a:ln>
+                <a:gradFill>
+                  <a:gsLst>
+                    <a:gs pos="1250">
+                      <a:srgbClr val="000000"/>
+                    </a:gs>
+                    <a:gs pos="100000">
+                      <a:srgbClr val="000000"/>
+                    </a:gs>
+                  </a:gsLst>
+                  <a:lin ang="5400000" scaled="0"/>
+                </a:gradFill>
+                <a:effectLst/>
+                <a:uLnTx/>
+                <a:uFillTx/>
+                <a:latin typeface="Consolas" panose="020B0609020204030204" pitchFamily="49" charset="0"/>
+                <a:ea typeface="+mn-ea"/>
+                <a:cs typeface="Segoe UI" pitchFamily="34" charset="0"/>
+              </a:rPr>
+              <a:t>, Message = "Forecast result: {temperature}")]</a:t>
+            </a:r>
+          </a:p>
+          <a:p>
+            <a:pPr marL="0" marR="0" lvl="0" indent="0" algn="l" defTabSz="914367" rtl="0" eaLnBrk="1" fontAlgn="auto" latinLnBrk="0" hangingPunct="1">
               <a:lnSpc>
                 <a:spcPct val="90000"/>
               </a:lnSpc>
+              <a:spcBef>
+                <a:spcPct val="20000"/>
+              </a:spcBef>
               <a:spcAft>
-                <a:spcPts val="450"/>
+                <a:spcPts val="0"/>
               </a:spcAft>
+              <a:buClrTx/>
+              <a:buSzPct val="90000"/>
+              <a:buFont typeface="Arial" pitchFamily="34" charset="0"/>
+              <a:buNone/>
+              <a:tabLst/>
+              <a:defRPr/>
             </a:pPr>
             <a:r>
-              <a:rPr lang="en-US" sz="900" dirty="0">
-                <a:solidFill>
-                  <a:schemeClr val="bg1"/>
-                </a:solidFill>
+              <a:rPr kumimoji="0" lang="en-US" sz="2200" b="0" i="0" u="none" strike="noStrike" kern="1200" cap="none" spc="0" normalizeH="0" baseline="0" noProof="0" dirty="0">
+                <a:ln>
+                  <a:noFill/>
+                </a:ln>
+                <a:gradFill>
+                  <a:gsLst>
+                    <a:gs pos="1250">
+                      <a:srgbClr val="000000"/>
+                    </a:gs>
+                    <a:gs pos="100000">
+                      <a:srgbClr val="000000"/>
+                    </a:gs>
+                  </a:gsLst>
+                  <a:lin ang="5400000" scaled="0"/>
+                </a:gradFill>
+                <a:effectLst/>
+                <a:uLnTx/>
+                <a:uFillTx/>
+                <a:latin typeface="Consolas" panose="020B0609020204030204" pitchFamily="49" charset="0"/>
+                <a:ea typeface="+mn-ea"/>
+                <a:cs typeface="Segoe UI" pitchFamily="34" charset="0"/>
               </a:rPr>
-              <a:t>Image from </a:t>
-            </a:r>
-            <a:r>
-              <a:rPr lang="en-US" sz="900" dirty="0" err="1">
-                <a:solidFill>
-                  <a:schemeClr val="bg1"/>
-                </a:solidFill>
+              <a:t>static partial void </a:t>
+            </a:r>
+            <a:r>
+              <a:rPr kumimoji="0" lang="en-US" sz="2200" b="0" i="0" u="none" strike="noStrike" kern="1200" cap="none" spc="0" normalizeH="0" baseline="0" noProof="0" dirty="0" err="1">
+                <a:ln>
+                  <a:noFill/>
+                </a:ln>
+                <a:gradFill>
+                  <a:gsLst>
+                    <a:gs pos="1250">
+                      <a:srgbClr val="000000"/>
+                    </a:gs>
+                    <a:gs pos="100000">
+                      <a:srgbClr val="000000"/>
+                    </a:gs>
+                  </a:gsLst>
+                  <a:lin ang="5400000" scaled="0"/>
+                </a:gradFill>
+                <a:effectLst/>
+                <a:uLnTx/>
+                <a:uFillTx/>
+                <a:latin typeface="Consolas" panose="020B0609020204030204" pitchFamily="49" charset="0"/>
+                <a:ea typeface="+mn-ea"/>
+                <a:cs typeface="Segoe UI" pitchFamily="34" charset="0"/>
               </a:rPr>
-              <a:t>Etsy</a:t>
-            </a:r>
-            <a:r>
-              <a:rPr lang="en-US" sz="900" dirty="0">
-                <a:solidFill>
-                  <a:schemeClr val="bg1"/>
-                </a:solidFill>
+              <a:t>LogTemperature</a:t>
+            </a:r>
+            <a:r>
+              <a:rPr kumimoji="0" lang="en-US" sz="2200" b="0" i="0" u="none" strike="noStrike" kern="1200" cap="none" spc="0" normalizeH="0" baseline="0" noProof="0" dirty="0">
+                <a:ln>
+                  <a:noFill/>
+                </a:ln>
+                <a:gradFill>
+                  <a:gsLst>
+                    <a:gs pos="1250">
+                      <a:srgbClr val="000000"/>
+                    </a:gs>
+                    <a:gs pos="100000">
+                      <a:srgbClr val="000000"/>
+                    </a:gs>
+                  </a:gsLst>
+                  <a:lin ang="5400000" scaled="0"/>
+                </a:gradFill>
+                <a:effectLst/>
+                <a:uLnTx/>
+                <a:uFillTx/>
+                <a:latin typeface="Consolas" panose="020B0609020204030204" pitchFamily="49" charset="0"/>
+                <a:ea typeface="+mn-ea"/>
+                <a:cs typeface="Segoe UI" pitchFamily="34" charset="0"/>
               </a:rPr>
-              <a:t> user </a:t>
-            </a:r>
-            <a:r>
-              <a:rPr lang="en-US" sz="900" dirty="0" err="1">
-                <a:solidFill>
-                  <a:schemeClr val="bg1"/>
-                </a:solidFill>
+              <a:t>(this </a:t>
+            </a:r>
+            <a:r>
+              <a:rPr kumimoji="0" lang="en-US" sz="2200" b="0" i="0" u="none" strike="noStrike" kern="1200" cap="none" spc="0" normalizeH="0" baseline="0" noProof="0" dirty="0" err="1">
+                <a:ln>
+                  <a:noFill/>
+                </a:ln>
+                <a:gradFill>
+                  <a:gsLst>
+                    <a:gs pos="1250">
+                      <a:srgbClr val="000000"/>
+                    </a:gs>
+                    <a:gs pos="100000">
+                      <a:srgbClr val="000000"/>
+                    </a:gs>
+                  </a:gsLst>
+                  <a:lin ang="5400000" scaled="0"/>
+                </a:gradFill>
+                <a:effectLst/>
+                <a:uLnTx/>
+                <a:uFillTx/>
+                <a:latin typeface="Consolas" panose="020B0609020204030204" pitchFamily="49" charset="0"/>
+                <a:ea typeface="+mn-ea"/>
+                <a:cs typeface="Segoe UI" pitchFamily="34" charset="0"/>
               </a:rPr>
-              <a:t>Rosewine</a:t>
-            </a:r>
-            <a:r>
-              <a:rPr lang="en-US" sz="900" dirty="0">
-                <a:solidFill>
-                  <a:schemeClr val="bg1"/>
-                </a:solidFill>
+              <a:t>ILogger</a:t>
+            </a:r>
+            <a:r>
+              <a:rPr kumimoji="0" lang="en-US" sz="2200" b="0" i="0" u="none" strike="noStrike" kern="1200" cap="none" spc="0" normalizeH="0" baseline="0" noProof="0" dirty="0">
+                <a:ln>
+                  <a:noFill/>
+                </a:ln>
+                <a:gradFill>
+                  <a:gsLst>
+                    <a:gs pos="1250">
+                      <a:srgbClr val="000000"/>
+                    </a:gs>
+                    <a:gs pos="100000">
+                      <a:srgbClr val="000000"/>
+                    </a:gs>
+                  </a:gsLst>
+                  <a:lin ang="5400000" scaled="0"/>
+                </a:gradFill>
+                <a:effectLst/>
+                <a:uLnTx/>
+                <a:uFillTx/>
+                <a:latin typeface="Consolas" panose="020B0609020204030204" pitchFamily="49" charset="0"/>
+                <a:ea typeface="+mn-ea"/>
+                <a:cs typeface="Segoe UI" pitchFamily="34" charset="0"/>
               </a:rPr>
-              <a:t>; used with permission</a:t>
-            </a:r>
+              <a:t> logger, int temperature);</a:t>
+            </a:r>
+            <a:endParaRPr lang="en-US" dirty="0"/>
           </a:p>
         </p:txBody>
       </p:sp>
     </p:spTree>
     <p:extLst>
       <p:ext uri="{BB962C8B-B14F-4D97-AF65-F5344CB8AC3E}">
-        <p14:creationId xmlns:p14="http://schemas.microsoft.com/office/powerpoint/2010/main" val="3243594767"/>
+        <p14:creationId xmlns:p14="http://schemas.microsoft.com/office/powerpoint/2010/main" val="527700196"/>
+      </p:ext>
+    </p:extLst>
+  </p:cSld>
+  <p:clrMapOvr>
+    <a:masterClrMapping/>
+  </p:clrMapOvr>
+  <p:transition>
+    <p:fade/>
+  </p:transition>
+</p:sld>
+</file>
+
+<file path=ppt/slides/slide19.xml><?xml version="1.0" encoding="utf-8"?>
+<p:sld xmlns:a="http://schemas.openxmlformats.org/drawingml/2006/main" xmlns:r="http://schemas.openxmlformats.org/officeDocument/2006/relationships" xmlns:p="http://schemas.openxmlformats.org/presentationml/2006/main">
+  <p:cSld>
+    <p:spTree>
+      <p:nvGrpSpPr>
+        <p:cNvPr id="1" name=""/>
+        <p:cNvGrpSpPr/>
+        <p:nvPr/>
+      </p:nvGrpSpPr>
+      <p:grpSpPr>
+        <a:xfrm>
+          <a:off x="0" y="0"/>
+          <a:ext cx="0" cy="0"/>
+          <a:chOff x="0" y="0"/>
+          <a:chExt cx="0" cy="0"/>
+        </a:xfrm>
+      </p:grpSpPr>
+      <p:sp>
+        <p:nvSpPr>
+          <p:cNvPr id="3" name="Title 2"/>
+          <p:cNvSpPr>
+            <a:spLocks noGrp="1"/>
+          </p:cNvSpPr>
+          <p:nvPr>
+            <p:ph type="title"/>
+          </p:nvPr>
+        </p:nvSpPr>
+        <p:spPr/>
+        <p:txBody>
+          <a:bodyPr/>
+          <a:lstStyle/>
+          <a:p>
+            <a:r>
+              <a:rPr lang="en-US" dirty="0"/>
+              <a:t>Semantic Logging: Scopes!</a:t>
+            </a:r>
+          </a:p>
+        </p:txBody>
+      </p:sp>
+      <p:sp>
+        <p:nvSpPr>
+          <p:cNvPr id="4" name="Text Placeholder 3"/>
+          <p:cNvSpPr>
+            <a:spLocks noGrp="1"/>
+          </p:cNvSpPr>
+          <p:nvPr>
+            <p:ph type="body" sz="quarter" idx="10"/>
+          </p:nvPr>
+        </p:nvSpPr>
+        <p:spPr>
+          <a:xfrm>
+            <a:off x="269239" y="1197324"/>
+            <a:ext cx="11653523" cy="2176109"/>
+          </a:xfrm>
+        </p:spPr>
+        <p:txBody>
+          <a:bodyPr/>
+          <a:lstStyle/>
+          <a:p>
+            <a:pPr marL="457200" indent="-457200">
+              <a:buFontTx/>
+              <a:buChar char="-"/>
+            </a:pPr>
+            <a:r>
+              <a:rPr lang="en-US" dirty="0"/>
+              <a:t>This is your hero superpower.</a:t>
+            </a:r>
+          </a:p>
+          <a:p>
+            <a:pPr marL="457200" indent="-457200">
+              <a:buFontTx/>
+              <a:buChar char="-"/>
+            </a:pPr>
+            <a:endParaRPr lang="en-US" dirty="0"/>
+          </a:p>
+          <a:p>
+            <a:pPr marL="457200" indent="-457200">
+              <a:buFontTx/>
+              <a:buChar char="-"/>
+            </a:pPr>
+            <a:r>
+              <a:rPr lang="en-US" dirty="0"/>
+              <a:t>Scopes allow you to attach </a:t>
+            </a:r>
+            <a:r>
+              <a:rPr lang="en-US" dirty="0" err="1"/>
+              <a:t>name:value</a:t>
+            </a:r>
+            <a:r>
+              <a:rPr lang="en-US" dirty="0"/>
+              <a:t> data pairs to all logs within a scope.</a:t>
+            </a:r>
+          </a:p>
+        </p:txBody>
+      </p:sp>
+    </p:spTree>
+    <p:extLst>
+      <p:ext uri="{BB962C8B-B14F-4D97-AF65-F5344CB8AC3E}">
+        <p14:creationId xmlns:p14="http://schemas.microsoft.com/office/powerpoint/2010/main" val="211969485"/>
       </p:ext>
     </p:extLst>
   </p:cSld>
@@ -5664,6 +7116,548 @@
     <p:extLst>
       <p:ext uri="{BB962C8B-B14F-4D97-AF65-F5344CB8AC3E}">
         <p14:creationId xmlns:p14="http://schemas.microsoft.com/office/powerpoint/2010/main" val="223290894"/>
+      </p:ext>
+    </p:extLst>
+  </p:cSld>
+  <p:clrMapOvr>
+    <a:masterClrMapping/>
+  </p:clrMapOvr>
+  <p:transition>
+    <p:fade/>
+  </p:transition>
+</p:sld>
+</file>
+
+<file path=ppt/slides/slide20.xml><?xml version="1.0" encoding="utf-8"?>
+<p:sld xmlns:a="http://schemas.openxmlformats.org/drawingml/2006/main" xmlns:r="http://schemas.openxmlformats.org/officeDocument/2006/relationships" xmlns:p="http://schemas.openxmlformats.org/presentationml/2006/main">
+  <p:cSld>
+    <p:spTree>
+      <p:nvGrpSpPr>
+        <p:cNvPr id="1" name=""/>
+        <p:cNvGrpSpPr/>
+        <p:nvPr/>
+      </p:nvGrpSpPr>
+      <p:grpSpPr>
+        <a:xfrm>
+          <a:off x="0" y="0"/>
+          <a:ext cx="0" cy="0"/>
+          <a:chOff x="0" y="0"/>
+          <a:chExt cx="0" cy="0"/>
+        </a:xfrm>
+      </p:grpSpPr>
+      <p:sp>
+        <p:nvSpPr>
+          <p:cNvPr id="2" name="Title 1"/>
+          <p:cNvSpPr>
+            <a:spLocks noGrp="1"/>
+          </p:cNvSpPr>
+          <p:nvPr>
+            <p:ph type="title"/>
+          </p:nvPr>
+        </p:nvSpPr>
+        <p:spPr/>
+        <p:txBody>
+          <a:bodyPr/>
+          <a:lstStyle/>
+          <a:p>
+            <a:r>
+              <a:rPr lang="en-US" dirty="0"/>
+              <a:t>Demo: Scopes</a:t>
+            </a:r>
+          </a:p>
+        </p:txBody>
+      </p:sp>
+    </p:spTree>
+    <p:extLst>
+      <p:ext uri="{BB962C8B-B14F-4D97-AF65-F5344CB8AC3E}">
+        <p14:creationId xmlns:p14="http://schemas.microsoft.com/office/powerpoint/2010/main" val="1255695555"/>
+      </p:ext>
+    </p:extLst>
+  </p:cSld>
+  <p:clrMapOvr>
+    <a:masterClrMapping/>
+  </p:clrMapOvr>
+  <p:transition>
+    <p:fade/>
+  </p:transition>
+</p:sld>
+</file>
+
+<file path=ppt/slides/slide21.xml><?xml version="1.0" encoding="utf-8"?>
+<p:sld xmlns:a="http://schemas.openxmlformats.org/drawingml/2006/main" xmlns:r="http://schemas.openxmlformats.org/officeDocument/2006/relationships" xmlns:p="http://schemas.openxmlformats.org/presentationml/2006/main">
+  <p:cSld>
+    <p:spTree>
+      <p:nvGrpSpPr>
+        <p:cNvPr id="1" name=""/>
+        <p:cNvGrpSpPr/>
+        <p:nvPr/>
+      </p:nvGrpSpPr>
+      <p:grpSpPr>
+        <a:xfrm>
+          <a:off x="0" y="0"/>
+          <a:ext cx="0" cy="0"/>
+          <a:chOff x="0" y="0"/>
+          <a:chExt cx="0" cy="0"/>
+        </a:xfrm>
+      </p:grpSpPr>
+      <p:sp>
+        <p:nvSpPr>
+          <p:cNvPr id="3" name="Title 2"/>
+          <p:cNvSpPr>
+            <a:spLocks noGrp="1"/>
+          </p:cNvSpPr>
+          <p:nvPr>
+            <p:ph type="title"/>
+          </p:nvPr>
+        </p:nvSpPr>
+        <p:spPr/>
+        <p:txBody>
+          <a:bodyPr/>
+          <a:lstStyle/>
+          <a:p>
+            <a:r>
+              <a:rPr lang="en-US" dirty="0"/>
+              <a:t>Semantic Logging Scopes</a:t>
+            </a:r>
+          </a:p>
+        </p:txBody>
+      </p:sp>
+      <p:sp>
+        <p:nvSpPr>
+          <p:cNvPr id="4" name="Text Placeholder 3"/>
+          <p:cNvSpPr>
+            <a:spLocks noGrp="1"/>
+          </p:cNvSpPr>
+          <p:nvPr>
+            <p:ph type="body" sz="quarter" idx="10"/>
+          </p:nvPr>
+        </p:nvSpPr>
+        <p:spPr>
+          <a:xfrm>
+            <a:off x="269239" y="1197324"/>
+            <a:ext cx="11653523" cy="1877309"/>
+          </a:xfrm>
+        </p:spPr>
+        <p:txBody>
+          <a:bodyPr/>
+          <a:lstStyle/>
+          <a:p>
+            <a:pPr marL="457200" indent="-457200">
+              <a:buFontTx/>
+              <a:buChar char="-"/>
+            </a:pPr>
+            <a:r>
+              <a:rPr lang="en-US" dirty="0"/>
+              <a:t>The scope type is</a:t>
+            </a:r>
+            <a:br>
+              <a:rPr lang="en-US" dirty="0"/>
+            </a:br>
+            <a:r>
+              <a:rPr lang="en-US" dirty="0" err="1">
+                <a:latin typeface="Consolas" panose="020B0609020204030204" pitchFamily="49" charset="0"/>
+              </a:rPr>
+              <a:t>IEnumerable</a:t>
+            </a:r>
+            <a:r>
+              <a:rPr lang="en-US" dirty="0">
+                <a:latin typeface="Consolas" panose="020B0609020204030204" pitchFamily="49" charset="0"/>
+              </a:rPr>
+              <a:t>&lt;</a:t>
+            </a:r>
+            <a:r>
+              <a:rPr lang="en-US" dirty="0" err="1">
+                <a:latin typeface="Consolas" panose="020B0609020204030204" pitchFamily="49" charset="0"/>
+              </a:rPr>
+              <a:t>KeyValuePair</a:t>
+            </a:r>
+            <a:r>
+              <a:rPr lang="en-US" dirty="0">
+                <a:latin typeface="Consolas" panose="020B0609020204030204" pitchFamily="49" charset="0"/>
+              </a:rPr>
+              <a:t>&lt;string, object&gt;&gt;</a:t>
+            </a:r>
+          </a:p>
+          <a:p>
+            <a:pPr marL="796926" lvl="1" indent="-457200">
+              <a:buFontTx/>
+              <a:buChar char="-"/>
+            </a:pPr>
+            <a:r>
+              <a:rPr lang="en-US" dirty="0">
+                <a:hlinkClick r:id="rId3"/>
+              </a:rPr>
+              <a:t>https://tinyurl.com/BeginScope</a:t>
+            </a:r>
+            <a:endParaRPr lang="en-US" dirty="0"/>
+          </a:p>
+          <a:p>
+            <a:pPr marL="796926" lvl="1" indent="-457200">
+              <a:buFontTx/>
+              <a:buChar char="-"/>
+            </a:pPr>
+            <a:r>
+              <a:rPr lang="en-US" dirty="0"/>
+              <a:t>Tip: helpers are convenient.</a:t>
+            </a:r>
+          </a:p>
+        </p:txBody>
+      </p:sp>
+    </p:spTree>
+    <p:extLst>
+      <p:ext uri="{BB962C8B-B14F-4D97-AF65-F5344CB8AC3E}">
+        <p14:creationId xmlns:p14="http://schemas.microsoft.com/office/powerpoint/2010/main" val="3145903675"/>
+      </p:ext>
+    </p:extLst>
+  </p:cSld>
+  <p:clrMapOvr>
+    <a:masterClrMapping/>
+  </p:clrMapOvr>
+  <p:transition>
+    <p:fade/>
+  </p:transition>
+</p:sld>
+</file>
+
+<file path=ppt/slides/slide22.xml><?xml version="1.0" encoding="utf-8"?>
+<p:sld xmlns:a="http://schemas.openxmlformats.org/drawingml/2006/main" xmlns:r="http://schemas.openxmlformats.org/officeDocument/2006/relationships" xmlns:p="http://schemas.openxmlformats.org/presentationml/2006/main">
+  <p:cSld>
+    <p:spTree>
+      <p:nvGrpSpPr>
+        <p:cNvPr id="1" name=""/>
+        <p:cNvGrpSpPr/>
+        <p:nvPr/>
+      </p:nvGrpSpPr>
+      <p:grpSpPr>
+        <a:xfrm>
+          <a:off x="0" y="0"/>
+          <a:ext cx="0" cy="0"/>
+          <a:chOff x="0" y="0"/>
+          <a:chExt cx="0" cy="0"/>
+        </a:xfrm>
+      </p:grpSpPr>
+      <p:sp>
+        <p:nvSpPr>
+          <p:cNvPr id="4" name="Title 3"/>
+          <p:cNvSpPr>
+            <a:spLocks noGrp="1"/>
+          </p:cNvSpPr>
+          <p:nvPr>
+            <p:ph type="title"/>
+          </p:nvPr>
+        </p:nvSpPr>
+        <p:spPr/>
+        <p:txBody>
+          <a:bodyPr/>
+          <a:lstStyle/>
+          <a:p>
+            <a:r>
+              <a:rPr lang="en-US" dirty="0"/>
+              <a:t>Q&amp;A</a:t>
+            </a:r>
+          </a:p>
+        </p:txBody>
+      </p:sp>
+      <p:pic>
+        <p:nvPicPr>
+          <p:cNvPr id="5" name="Picture 4"/>
+          <p:cNvPicPr>
+            <a:picLocks noChangeAspect="1"/>
+          </p:cNvPicPr>
+          <p:nvPr/>
+        </p:nvPicPr>
+        <p:blipFill>
+          <a:blip r:embed="rId3" cstate="print">
+            <a:extLst>
+              <a:ext uri="{28A0092B-C50C-407E-A947-70E740481C1C}">
+                <a14:useLocalDpi xmlns:a14="http://schemas.microsoft.com/office/drawing/2010/main" val="0"/>
+              </a:ext>
+            </a:extLst>
+          </a:blip>
+          <a:stretch>
+            <a:fillRect/>
+          </a:stretch>
+        </p:blipFill>
+        <p:spPr>
+          <a:xfrm>
+            <a:off x="6724529" y="1103070"/>
+            <a:ext cx="3129100" cy="3981780"/>
+          </a:xfrm>
+          <a:prstGeom prst="rect">
+            <a:avLst/>
+          </a:prstGeom>
+        </p:spPr>
+      </p:pic>
+      <p:sp>
+        <p:nvSpPr>
+          <p:cNvPr id="6" name="TextBox 5"/>
+          <p:cNvSpPr txBox="1"/>
+          <p:nvPr/>
+        </p:nvSpPr>
+        <p:spPr>
+          <a:xfrm>
+            <a:off x="1725930" y="3296644"/>
+            <a:ext cx="2912785" cy="470898"/>
+          </a:xfrm>
+          <a:prstGeom prst="rect">
+            <a:avLst/>
+          </a:prstGeom>
+          <a:noFill/>
+        </p:spPr>
+        <p:txBody>
+          <a:bodyPr wrap="none" lIns="137160" tIns="109728" rIns="137160" bIns="109728" rtlCol="0">
+            <a:spAutoFit/>
+          </a:bodyPr>
+          <a:lstStyle/>
+          <a:p>
+            <a:pPr>
+              <a:lnSpc>
+                <a:spcPct val="90000"/>
+              </a:lnSpc>
+              <a:spcAft>
+                <a:spcPts val="450"/>
+              </a:spcAft>
+            </a:pPr>
+            <a:r>
+              <a:rPr lang="en-US" i="1" dirty="0">
+                <a:solidFill>
+                  <a:schemeClr val="bg1"/>
+                </a:solidFill>
+              </a:rPr>
+              <a:t>Go forth and be awesome!</a:t>
+            </a:r>
+          </a:p>
+        </p:txBody>
+      </p:sp>
+      <p:sp>
+        <p:nvSpPr>
+          <p:cNvPr id="7" name="TextBox 6"/>
+          <p:cNvSpPr txBox="1"/>
+          <p:nvPr/>
+        </p:nvSpPr>
+        <p:spPr>
+          <a:xfrm>
+            <a:off x="6795786" y="5084852"/>
+            <a:ext cx="3003707" cy="346249"/>
+          </a:xfrm>
+          <a:prstGeom prst="rect">
+            <a:avLst/>
+          </a:prstGeom>
+          <a:noFill/>
+        </p:spPr>
+        <p:txBody>
+          <a:bodyPr wrap="none" lIns="137160" tIns="109728" rIns="137160" bIns="109728" rtlCol="0">
+            <a:spAutoFit/>
+          </a:bodyPr>
+          <a:lstStyle/>
+          <a:p>
+            <a:pPr>
+              <a:lnSpc>
+                <a:spcPct val="90000"/>
+              </a:lnSpc>
+              <a:spcAft>
+                <a:spcPts val="450"/>
+              </a:spcAft>
+            </a:pPr>
+            <a:r>
+              <a:rPr lang="en-US" sz="900" dirty="0">
+                <a:solidFill>
+                  <a:schemeClr val="bg1"/>
+                </a:solidFill>
+              </a:rPr>
+              <a:t>Image from </a:t>
+            </a:r>
+            <a:r>
+              <a:rPr lang="en-US" sz="900" dirty="0" err="1">
+                <a:solidFill>
+                  <a:schemeClr val="bg1"/>
+                </a:solidFill>
+              </a:rPr>
+              <a:t>Etsy</a:t>
+            </a:r>
+            <a:r>
+              <a:rPr lang="en-US" sz="900" dirty="0">
+                <a:solidFill>
+                  <a:schemeClr val="bg1"/>
+                </a:solidFill>
+              </a:rPr>
+              <a:t> user </a:t>
+            </a:r>
+            <a:r>
+              <a:rPr lang="en-US" sz="900" dirty="0" err="1">
+                <a:solidFill>
+                  <a:schemeClr val="bg1"/>
+                </a:solidFill>
+              </a:rPr>
+              <a:t>Rosewine</a:t>
+            </a:r>
+            <a:r>
+              <a:rPr lang="en-US" sz="900" dirty="0">
+                <a:solidFill>
+                  <a:schemeClr val="bg1"/>
+                </a:solidFill>
+              </a:rPr>
+              <a:t>; used with permission</a:t>
+            </a:r>
+          </a:p>
+        </p:txBody>
+      </p:sp>
+    </p:spTree>
+    <p:extLst>
+      <p:ext uri="{BB962C8B-B14F-4D97-AF65-F5344CB8AC3E}">
+        <p14:creationId xmlns:p14="http://schemas.microsoft.com/office/powerpoint/2010/main" val="3243594767"/>
+      </p:ext>
+    </p:extLst>
+  </p:cSld>
+  <p:clrMapOvr>
+    <a:masterClrMapping/>
+  </p:clrMapOvr>
+  <p:transition>
+    <p:fade/>
+  </p:transition>
+</p:sld>
+</file>
+
+<file path=ppt/slides/slide23.xml><?xml version="1.0" encoding="utf-8"?>
+<p:sld xmlns:a="http://schemas.openxmlformats.org/drawingml/2006/main" xmlns:r="http://schemas.openxmlformats.org/officeDocument/2006/relationships" xmlns:p="http://schemas.openxmlformats.org/presentationml/2006/main">
+  <p:cSld>
+    <p:spTree>
+      <p:nvGrpSpPr>
+        <p:cNvPr id="1" name=""/>
+        <p:cNvGrpSpPr/>
+        <p:nvPr/>
+      </p:nvGrpSpPr>
+      <p:grpSpPr>
+        <a:xfrm>
+          <a:off x="0" y="0"/>
+          <a:ext cx="0" cy="0"/>
+          <a:chOff x="0" y="0"/>
+          <a:chExt cx="0" cy="0"/>
+        </a:xfrm>
+      </p:grpSpPr>
+      <p:sp>
+        <p:nvSpPr>
+          <p:cNvPr id="3" name="Title 2"/>
+          <p:cNvSpPr>
+            <a:spLocks noGrp="1"/>
+          </p:cNvSpPr>
+          <p:nvPr>
+            <p:ph type="title"/>
+          </p:nvPr>
+        </p:nvSpPr>
+        <p:spPr/>
+        <p:txBody>
+          <a:bodyPr/>
+          <a:lstStyle/>
+          <a:p>
+            <a:endParaRPr lang="en-US" dirty="0"/>
+          </a:p>
+        </p:txBody>
+      </p:sp>
+      <p:sp>
+        <p:nvSpPr>
+          <p:cNvPr id="4" name="Text Placeholder 3"/>
+          <p:cNvSpPr>
+            <a:spLocks noGrp="1"/>
+          </p:cNvSpPr>
+          <p:nvPr>
+            <p:ph type="body" sz="quarter" idx="10"/>
+          </p:nvPr>
+        </p:nvSpPr>
+        <p:spPr>
+          <a:xfrm>
+            <a:off x="269239" y="1197324"/>
+            <a:ext cx="11653523" cy="2922788"/>
+          </a:xfrm>
+        </p:spPr>
+        <p:txBody>
+          <a:bodyPr/>
+          <a:lstStyle/>
+          <a:p>
+            <a:pPr marL="457200" indent="-457200">
+              <a:buFontTx/>
+              <a:buChar char="-"/>
+            </a:pPr>
+            <a:r>
+              <a:rPr lang="en-US" dirty="0"/>
+              <a:t>Distributed tracing (including across queues):</a:t>
+            </a:r>
+          </a:p>
+          <a:p>
+            <a:pPr marL="796926" lvl="1" indent="-457200">
+              <a:buFontTx/>
+              <a:buChar char="-"/>
+            </a:pPr>
+            <a:r>
+              <a:rPr lang="en-US" dirty="0">
+                <a:hlinkClick r:id="rId3"/>
+              </a:rPr>
+              <a:t>https://tinyurl.com/OTEL-RabbitMQ</a:t>
+            </a:r>
+            <a:endParaRPr lang="en-US" dirty="0"/>
+          </a:p>
+          <a:p>
+            <a:pPr marL="457200" indent="-457200">
+              <a:buFontTx/>
+              <a:buChar char="-"/>
+            </a:pPr>
+            <a:r>
+              <a:rPr lang="en-US" dirty="0"/>
+              <a:t>Guidelines:</a:t>
+            </a:r>
+          </a:p>
+          <a:p>
+            <a:pPr marL="796926" lvl="1" indent="-457200">
+              <a:buFontTx/>
+              <a:buChar char="-"/>
+            </a:pPr>
+            <a:r>
+              <a:rPr lang="en-US" dirty="0"/>
+              <a:t>Know your backend (e.g., </a:t>
+            </a:r>
+            <a:r>
+              <a:rPr lang="en-US" dirty="0" err="1"/>
+              <a:t>Graylog’s</a:t>
+            </a:r>
+            <a:r>
+              <a:rPr lang="en-US" dirty="0"/>
+              <a:t> </a:t>
+            </a:r>
+            <a:r>
+              <a:rPr lang="en-US" dirty="0" err="1"/>
+              <a:t>ElasticSearch</a:t>
+            </a:r>
+            <a:r>
+              <a:rPr lang="en-US" dirty="0"/>
+              <a:t> index typing)</a:t>
+            </a:r>
+          </a:p>
+          <a:p>
+            <a:pPr marL="457200" indent="-457200">
+              <a:buFontTx/>
+              <a:buChar char="-"/>
+            </a:pPr>
+            <a:r>
+              <a:rPr lang="en-US" dirty="0"/>
+              <a:t>Implementing loggers</a:t>
+            </a:r>
+          </a:p>
+          <a:p>
+            <a:pPr marL="796926" lvl="1" indent="-457200">
+              <a:buFontTx/>
+              <a:buChar char="-"/>
+            </a:pPr>
+            <a:r>
+              <a:rPr lang="en-US" dirty="0"/>
+              <a:t>Common scope provider.</a:t>
+            </a:r>
+          </a:p>
+        </p:txBody>
+      </p:sp>
+    </p:spTree>
+    <p:extLst>
+      <p:ext uri="{BB962C8B-B14F-4D97-AF65-F5344CB8AC3E}">
+        <p14:creationId xmlns:p14="http://schemas.microsoft.com/office/powerpoint/2010/main" val="3482452174"/>
       </p:ext>
     </p:extLst>
   </p:cSld>
@@ -5969,7 +7963,7 @@
         <p:spPr>
           <a:xfrm>
             <a:off x="269239" y="1197324"/>
-            <a:ext cx="11653523" cy="4416337"/>
+            <a:ext cx="11653523" cy="4018088"/>
           </a:xfrm>
         </p:spPr>
         <p:txBody>
@@ -5990,7 +7984,20 @@
               <a:buFontTx/>
               <a:buChar char="-"/>
             </a:pPr>
-            <a:endParaRPr lang="en-US" dirty="0"/>
+            <a:r>
+              <a:rPr lang="en-US" dirty="0"/>
+              <a:t>Metrics</a:t>
+            </a:r>
+          </a:p>
+          <a:p>
+            <a:pPr marL="796926" lvl="1" indent="-457200">
+              <a:buFontTx/>
+              <a:buChar char="-"/>
+            </a:pPr>
+            <a:r>
+              <a:rPr lang="en-US" dirty="0"/>
+              <a:t>Measurements. Think Prometheus/Grafana dashboards.</a:t>
+            </a:r>
           </a:p>
           <a:p>
             <a:pPr marL="457200" indent="-457200">
@@ -5999,7 +8006,7 @@
             </a:pPr>
             <a:r>
               <a:rPr lang="en-US" dirty="0"/>
-              <a:t>Metrics</a:t>
+              <a:t>Traces</a:t>
             </a:r>
           </a:p>
           <a:p>
@@ -6009,7 +8016,7 @@
             </a:pPr>
             <a:r>
               <a:rPr lang="en-US" dirty="0"/>
-              <a:t>Measurements. Think Prometheus/Grafana dashboards.</a:t>
+              <a:t>Spans. Think waterfall diagrams or Start/Stop events.</a:t>
             </a:r>
           </a:p>
           <a:p>
@@ -6025,26 +8032,13 @@
               <a:buChar char="-"/>
             </a:pPr>
             <a:r>
-              <a:rPr lang="en-US" dirty="0"/>
-              <a:t>Traces</a:t>
-            </a:r>
-          </a:p>
-          <a:p>
-            <a:pPr marL="796926" lvl="1" indent="-457200">
-              <a:buFontTx/>
-              <a:buChar char="-"/>
-            </a:pPr>
-            <a:r>
-              <a:rPr lang="en-US" dirty="0"/>
-              <a:t>Spans. Think waterfall diagrams or Start/Stop events.</a:t>
-            </a:r>
-          </a:p>
-          <a:p>
-            <a:pPr marL="796926" lvl="1" indent="-457200">
-              <a:buFontTx/>
-              <a:buChar char="-"/>
-            </a:pPr>
-            <a:endParaRPr lang="en-US" dirty="0"/>
+              <a:rPr lang="en-US" i="1" dirty="0"/>
+              <a:t>Timing</a:t>
+            </a:r>
+            <a:r>
+              <a:rPr lang="en-US" dirty="0"/>
+              <a:t> is a grey area; prefer traces unless you need metric.</a:t>
+            </a:r>
           </a:p>
           <a:p>
             <a:pPr marL="457200" indent="-457200">
@@ -6052,13 +8046,12 @@
               <a:buChar char="-"/>
             </a:pPr>
             <a:r>
-              <a:rPr lang="en-US" i="1" dirty="0"/>
-              <a:t>Timing</a:t>
-            </a:r>
-            <a:r>
-              <a:rPr lang="en-US" dirty="0"/>
-              <a:t> is a grey area; prefer traces unless you need metric.</a:t>
-            </a:r>
+              <a:rPr lang="en-US" dirty="0">
+                <a:hlinkClick r:id="rId3"/>
+              </a:rPr>
+              <a:t>https://tinyurl.com/AzureMonitorOTELTerminology</a:t>
+            </a:r>
+            <a:endParaRPr lang="en-US" dirty="0"/>
           </a:p>
         </p:txBody>
       </p:sp>

--- a/Telemetry/Logging Hero.pptx
+++ b/Telemetry/Logging Hero.pptx
@@ -6,7 +6,7 @@
     <p:sldMasterId id="2147483718" r:id="rId2"/>
   </p:sldMasterIdLst>
   <p:notesMasterIdLst>
-    <p:notesMasterId r:id="rId26"/>
+    <p:notesMasterId r:id="rId28"/>
   </p:notesMasterIdLst>
   <p:sldIdLst>
     <p:sldId id="256" r:id="rId3"/>
@@ -16,10 +16,10 @@
     <p:sldId id="400" r:id="rId7"/>
     <p:sldId id="411" r:id="rId8"/>
     <p:sldId id="414" r:id="rId9"/>
-    <p:sldId id="416" r:id="rId10"/>
-    <p:sldId id="417" r:id="rId11"/>
-    <p:sldId id="413" r:id="rId12"/>
-    <p:sldId id="418" r:id="rId13"/>
+    <p:sldId id="417" r:id="rId10"/>
+    <p:sldId id="416" r:id="rId11"/>
+    <p:sldId id="418" r:id="rId12"/>
+    <p:sldId id="413" r:id="rId13"/>
     <p:sldId id="419" r:id="rId14"/>
     <p:sldId id="412" r:id="rId15"/>
     <p:sldId id="420" r:id="rId16"/>
@@ -30,8 +30,10 @@
     <p:sldId id="423" r:id="rId21"/>
     <p:sldId id="427" r:id="rId22"/>
     <p:sldId id="425" r:id="rId23"/>
-    <p:sldId id="390" r:id="rId24"/>
-    <p:sldId id="410" r:id="rId25"/>
+    <p:sldId id="428" r:id="rId24"/>
+    <p:sldId id="429" r:id="rId25"/>
+    <p:sldId id="390" r:id="rId26"/>
+    <p:sldId id="410" r:id="rId27"/>
   </p:sldIdLst>
   <p:sldSz cx="12192000" cy="6858000"/>
   <p:notesSz cx="6858000" cy="9144000"/>
@@ -142,10 +144,10 @@
             <p14:sldId id="400"/>
             <p14:sldId id="411"/>
             <p14:sldId id="414"/>
+            <p14:sldId id="417"/>
             <p14:sldId id="416"/>
-            <p14:sldId id="417"/>
+            <p14:sldId id="418"/>
             <p14:sldId id="413"/>
-            <p14:sldId id="418"/>
             <p14:sldId id="419"/>
             <p14:sldId id="412"/>
             <p14:sldId id="420"/>
@@ -156,6 +158,8 @@
             <p14:sldId id="423"/>
             <p14:sldId id="427"/>
             <p14:sldId id="425"/>
+            <p14:sldId id="428"/>
+            <p14:sldId id="429"/>
             <p14:sldId id="390"/>
             <p14:sldId id="410"/>
           </p14:sldIdLst>
@@ -251,7 +255,7 @@
           <a:p>
             <a:fld id="{574E8BCA-0B4F-4373-B78E-3D2899449797}" type="datetimeFigureOut">
               <a:rPr lang="en-US" smtClean="0"/>
-              <a:t>9/24/2024</a:t>
+              <a:t>9/25/2024</a:t>
             </a:fld>
             <a:endParaRPr lang="en-US" dirty="0"/>
           </a:p>
@@ -843,7 +847,17 @@
             </a:pPr>
             <a:r>
               <a:rPr lang="en-US" baseline="0" dirty="0"/>
-              <a:t>(and under the covers)</a:t>
+              <a:t>And searching by tags</a:t>
+            </a:r>
+          </a:p>
+          <a:p>
+            <a:pPr marL="171450" indent="-171450">
+              <a:buFont typeface="Arial" panose="020B0604020202020204" pitchFamily="34" charset="0"/>
+              <a:buChar char="•"/>
+            </a:pPr>
+            <a:r>
+              <a:rPr lang="en-US" baseline="0" dirty="0"/>
+              <a:t>Do full Logos demo at this point.</a:t>
             </a:r>
           </a:p>
         </p:txBody>
@@ -1114,7 +1128,14 @@
           <a:bodyPr/>
           <a:lstStyle/>
           <a:p>
-            <a:endParaRPr lang="en-US" dirty="0"/>
+            <a:r>
+              <a:rPr lang="en-US" dirty="0"/>
+              <a:t>I don’t want to add “User” to </a:t>
+            </a:r>
+            <a:r>
+              <a:rPr lang="en-US" i="1" dirty="0"/>
+              <a:t>every single log statement!</a:t>
+            </a:r>
           </a:p>
         </p:txBody>
       </p:sp>
@@ -1207,10 +1228,7 @@
               <a:buFont typeface="Arial" panose="020B0604020202020204" pitchFamily="34" charset="0"/>
               <a:buChar char="•"/>
             </a:pPr>
-            <a:r>
-              <a:rPr lang="en-US" baseline="0" dirty="0"/>
-              <a:t>(and under the covers)</a:t>
-            </a:r>
+            <a:endParaRPr lang="en-US" baseline="0" dirty="0"/>
           </a:p>
         </p:txBody>
       </p:sp>
@@ -1388,7 +1406,10 @@
           <a:bodyPr/>
           <a:lstStyle/>
           <a:p>
-            <a:endParaRPr lang="en-US" baseline="0" dirty="0"/>
+            <a:r>
+              <a:rPr lang="en-US" dirty="0"/>
+              <a:t>“throw context enricher”: we wrote our own for log4net</a:t>
+            </a:r>
           </a:p>
         </p:txBody>
       </p:sp>
@@ -1418,7 +1439,7 @@
     </p:spTree>
     <p:extLst>
       <p:ext uri="{BB962C8B-B14F-4D97-AF65-F5344CB8AC3E}">
-        <p14:creationId xmlns:p14="http://schemas.microsoft.com/office/powerpoint/2010/main" val="2659012186"/>
+        <p14:creationId xmlns:p14="http://schemas.microsoft.com/office/powerpoint/2010/main" val="3487958386"/>
       </p:ext>
     </p:extLst>
   </p:cSld>
@@ -1477,7 +1498,19 @@
           <a:bodyPr/>
           <a:lstStyle/>
           <a:p>
-            <a:endParaRPr lang="en-US" dirty="0"/>
+            <a:pPr marL="171450" indent="-171450">
+              <a:buFont typeface="Arial" panose="020B0604020202020204" pitchFamily="34" charset="0"/>
+              <a:buChar char="•"/>
+            </a:pPr>
+            <a:r>
+              <a:rPr lang="en-US" baseline="0" dirty="0"/>
+              <a:t>Including custom </a:t>
+            </a:r>
+            <a:r>
+              <a:rPr lang="en-US" baseline="0"/>
+              <a:t>logger implementation.</a:t>
+            </a:r>
+            <a:endParaRPr lang="en-US" baseline="0" dirty="0"/>
           </a:p>
         </p:txBody>
       </p:sp>
@@ -1507,7 +1540,7 @@
     </p:spTree>
     <p:extLst>
       <p:ext uri="{BB962C8B-B14F-4D97-AF65-F5344CB8AC3E}">
-        <p14:creationId xmlns:p14="http://schemas.microsoft.com/office/powerpoint/2010/main" val="3985613858"/>
+        <p14:creationId xmlns:p14="http://schemas.microsoft.com/office/powerpoint/2010/main" val="2340563191"/>
       </p:ext>
     </p:extLst>
   </p:cSld>
@@ -1580,96 +1613,8 @@
             </a:pPr>
             <a:r>
               <a:rPr lang="en-US" b="1" dirty="0"/>
-              <a:t>Available for contract work!</a:t>
-            </a:r>
-          </a:p>
-          <a:p>
-            <a:pPr marL="171450" marR="0" lvl="0" indent="-171450" algn="l" defTabSz="914400" rtl="0" eaLnBrk="1" fontAlgn="auto" latinLnBrk="0" hangingPunct="1">
-              <a:lnSpc>
-                <a:spcPct val="100000"/>
-              </a:lnSpc>
-              <a:spcBef>
-                <a:spcPts val="0"/>
-              </a:spcBef>
-              <a:spcAft>
-                <a:spcPts val="0"/>
-              </a:spcAft>
-              <a:buClrTx/>
-              <a:buSzTx/>
-              <a:buFontTx/>
-              <a:buChar char="-"/>
-              <a:tabLst/>
-              <a:defRPr/>
-            </a:pPr>
-            <a:r>
-              <a:rPr lang="en-US" dirty="0"/>
-              <a:t>Microsoft MVP</a:t>
-            </a:r>
-          </a:p>
-          <a:p>
-            <a:pPr marL="171450" indent="-171450">
-              <a:buFontTx/>
-              <a:buChar char="-"/>
-            </a:pPr>
-            <a:r>
-              <a:rPr lang="en-US" dirty="0"/>
-              <a:t>Top async/await answerer on Stack Overflow</a:t>
-            </a:r>
-          </a:p>
-          <a:p>
-            <a:pPr marL="171450" indent="-171450">
-              <a:buFontTx/>
-              <a:buChar char="-"/>
-            </a:pPr>
-            <a:r>
-              <a:rPr lang="en-US" dirty="0"/>
-              <a:t>Assisted hundreds of companies with async adoption across all kinds of applications (available for contract work!)</a:t>
-            </a:r>
-          </a:p>
-          <a:p>
-            <a:pPr marL="171450" indent="-171450">
-              <a:buFontTx/>
-              <a:buChar char="-"/>
-            </a:pPr>
-            <a:r>
-              <a:rPr lang="en-US" dirty="0"/>
-              <a:t>Blog has been the go-to source for async advice for years</a:t>
-            </a:r>
-          </a:p>
-          <a:p>
-            <a:pPr marL="171450" indent="-171450">
-              <a:buFontTx/>
-              <a:buChar char="-"/>
-            </a:pPr>
-            <a:r>
-              <a:rPr lang="en-US" dirty="0"/>
-              <a:t>Contributor of some of the MS documentation on subjects such as </a:t>
-            </a:r>
-            <a:r>
-              <a:rPr lang="en-US" dirty="0" err="1"/>
-              <a:t>ValueTask</a:t>
-            </a:r>
-            <a:endParaRPr lang="en-US" dirty="0"/>
-          </a:p>
-          <a:p>
-            <a:pPr marL="171450" indent="-171450">
-              <a:buFontTx/>
-              <a:buChar char="-"/>
-            </a:pPr>
-            <a:r>
-              <a:rPr lang="en-US" dirty="0"/>
-              <a:t>Maintainer of </a:t>
-            </a:r>
-            <a:r>
-              <a:rPr lang="en-US" dirty="0" err="1"/>
-              <a:t>AsyncEx</a:t>
-            </a:r>
-            <a:r>
-              <a:rPr lang="en-US" dirty="0"/>
-              <a:t>, a library with &gt;25M downloads which provides asynchronous coordination primitives and other async helper types</a:t>
-            </a:r>
-          </a:p>
-          <a:p>
+              <a:t>Christian, husband, father, developer</a:t>
+            </a:r>
             <a:endParaRPr lang="en-US" dirty="0"/>
           </a:p>
         </p:txBody>
@@ -1701,6 +1646,184 @@
     <p:extLst>
       <p:ext uri="{BB962C8B-B14F-4D97-AF65-F5344CB8AC3E}">
         <p14:creationId xmlns:p14="http://schemas.microsoft.com/office/powerpoint/2010/main" val="1864669848"/>
+      </p:ext>
+    </p:extLst>
+  </p:cSld>
+  <p:clrMapOvr>
+    <a:masterClrMapping/>
+  </p:clrMapOvr>
+</p:notes>
+</file>
+
+<file path=ppt/notesSlides/notesSlide20.xml><?xml version="1.0" encoding="utf-8"?>
+<p:notes xmlns:a="http://schemas.openxmlformats.org/drawingml/2006/main" xmlns:r="http://schemas.openxmlformats.org/officeDocument/2006/relationships" xmlns:p="http://schemas.openxmlformats.org/presentationml/2006/main">
+  <p:cSld>
+    <p:spTree>
+      <p:nvGrpSpPr>
+        <p:cNvPr id="1" name=""/>
+        <p:cNvGrpSpPr/>
+        <p:nvPr/>
+      </p:nvGrpSpPr>
+      <p:grpSpPr>
+        <a:xfrm>
+          <a:off x="0" y="0"/>
+          <a:ext cx="0" cy="0"/>
+          <a:chOff x="0" y="0"/>
+          <a:chExt cx="0" cy="0"/>
+        </a:xfrm>
+      </p:grpSpPr>
+      <p:sp>
+        <p:nvSpPr>
+          <p:cNvPr id="2" name="Slide Image Placeholder 1"/>
+          <p:cNvSpPr>
+            <a:spLocks noGrp="1" noRot="1" noChangeAspect="1"/>
+          </p:cNvSpPr>
+          <p:nvPr>
+            <p:ph type="sldImg"/>
+          </p:nvPr>
+        </p:nvSpPr>
+        <p:spPr>
+          <a:xfrm>
+            <a:off x="685800" y="1143000"/>
+            <a:ext cx="5486400" cy="3086100"/>
+          </a:xfrm>
+        </p:spPr>
+      </p:sp>
+      <p:sp>
+        <p:nvSpPr>
+          <p:cNvPr id="3" name="Notes Placeholder 2"/>
+          <p:cNvSpPr>
+            <a:spLocks noGrp="1"/>
+          </p:cNvSpPr>
+          <p:nvPr>
+            <p:ph type="body" idx="1"/>
+          </p:nvPr>
+        </p:nvSpPr>
+        <p:spPr/>
+        <p:txBody>
+          <a:bodyPr/>
+          <a:lstStyle/>
+          <a:p>
+            <a:endParaRPr lang="en-US" baseline="0" dirty="0"/>
+          </a:p>
+        </p:txBody>
+      </p:sp>
+      <p:sp>
+        <p:nvSpPr>
+          <p:cNvPr id="4" name="Slide Number Placeholder 3"/>
+          <p:cNvSpPr>
+            <a:spLocks noGrp="1"/>
+          </p:cNvSpPr>
+          <p:nvPr>
+            <p:ph type="sldNum" sz="quarter" idx="10"/>
+          </p:nvPr>
+        </p:nvSpPr>
+        <p:spPr/>
+        <p:txBody>
+          <a:bodyPr/>
+          <a:lstStyle/>
+          <a:p>
+            <a:fld id="{94CE3395-F8FF-4336-B2AA-E15575B990E7}" type="slidenum">
+              <a:rPr lang="en-US" smtClean="0"/>
+              <a:t>24</a:t>
+            </a:fld>
+            <a:endParaRPr lang="en-US" dirty="0"/>
+          </a:p>
+        </p:txBody>
+      </p:sp>
+    </p:spTree>
+    <p:extLst>
+      <p:ext uri="{BB962C8B-B14F-4D97-AF65-F5344CB8AC3E}">
+        <p14:creationId xmlns:p14="http://schemas.microsoft.com/office/powerpoint/2010/main" val="2659012186"/>
+      </p:ext>
+    </p:extLst>
+  </p:cSld>
+  <p:clrMapOvr>
+    <a:masterClrMapping/>
+  </p:clrMapOvr>
+</p:notes>
+</file>
+
+<file path=ppt/notesSlides/notesSlide21.xml><?xml version="1.0" encoding="utf-8"?>
+<p:notes xmlns:a="http://schemas.openxmlformats.org/drawingml/2006/main" xmlns:r="http://schemas.openxmlformats.org/officeDocument/2006/relationships" xmlns:p="http://schemas.openxmlformats.org/presentationml/2006/main">
+  <p:cSld>
+    <p:spTree>
+      <p:nvGrpSpPr>
+        <p:cNvPr id="1" name=""/>
+        <p:cNvGrpSpPr/>
+        <p:nvPr/>
+      </p:nvGrpSpPr>
+      <p:grpSpPr>
+        <a:xfrm>
+          <a:off x="0" y="0"/>
+          <a:ext cx="0" cy="0"/>
+          <a:chOff x="0" y="0"/>
+          <a:chExt cx="0" cy="0"/>
+        </a:xfrm>
+      </p:grpSpPr>
+      <p:sp>
+        <p:nvSpPr>
+          <p:cNvPr id="2" name="Slide Image Placeholder 1"/>
+          <p:cNvSpPr>
+            <a:spLocks noGrp="1" noRot="1" noChangeAspect="1"/>
+          </p:cNvSpPr>
+          <p:nvPr>
+            <p:ph type="sldImg"/>
+          </p:nvPr>
+        </p:nvSpPr>
+        <p:spPr>
+          <a:xfrm>
+            <a:off x="685800" y="1143000"/>
+            <a:ext cx="5486400" cy="3086100"/>
+          </a:xfrm>
+        </p:spPr>
+      </p:sp>
+      <p:sp>
+        <p:nvSpPr>
+          <p:cNvPr id="3" name="Notes Placeholder 2"/>
+          <p:cNvSpPr>
+            <a:spLocks noGrp="1"/>
+          </p:cNvSpPr>
+          <p:nvPr>
+            <p:ph type="body" idx="1"/>
+          </p:nvPr>
+        </p:nvSpPr>
+        <p:spPr/>
+        <p:txBody>
+          <a:bodyPr/>
+          <a:lstStyle/>
+          <a:p>
+            <a:endParaRPr lang="en-US" dirty="0"/>
+          </a:p>
+        </p:txBody>
+      </p:sp>
+      <p:sp>
+        <p:nvSpPr>
+          <p:cNvPr id="4" name="Slide Number Placeholder 3"/>
+          <p:cNvSpPr>
+            <a:spLocks noGrp="1"/>
+          </p:cNvSpPr>
+          <p:nvPr>
+            <p:ph type="sldNum" sz="quarter" idx="10"/>
+          </p:nvPr>
+        </p:nvSpPr>
+        <p:spPr/>
+        <p:txBody>
+          <a:bodyPr/>
+          <a:lstStyle/>
+          <a:p>
+            <a:fld id="{94CE3395-F8FF-4336-B2AA-E15575B990E7}" type="slidenum">
+              <a:rPr lang="en-US" smtClean="0"/>
+              <a:t>25</a:t>
+            </a:fld>
+            <a:endParaRPr lang="en-US" dirty="0"/>
+          </a:p>
+        </p:txBody>
+      </p:sp>
+    </p:spTree>
+    <p:extLst>
+      <p:ext uri="{BB962C8B-B14F-4D97-AF65-F5344CB8AC3E}">
+        <p14:creationId xmlns:p14="http://schemas.microsoft.com/office/powerpoint/2010/main" val="3985613858"/>
       </p:ext>
     </p:extLst>
   </p:cSld>
@@ -2142,7 +2265,7 @@
           <a:p>
             <a:fld id="{94CE3395-F8FF-4336-B2AA-E15575B990E7}" type="slidenum">
               <a:rPr lang="en-US" smtClean="0"/>
-              <a:t>10</a:t>
+              <a:t>11</a:t>
             </a:fld>
             <a:endParaRPr lang="en-US" dirty="0"/>
           </a:p>
@@ -5331,7 +5454,13 @@
       </p:grpSpPr>
       <p:sp>
         <p:nvSpPr>
-          <p:cNvPr id="2" name="Title 1"/>
+          <p:cNvPr id="3" name="Title 2">
+            <a:extLst>
+              <a:ext uri="{FF2B5EF4-FFF2-40B4-BE49-F238E27FC236}">
+                <a16:creationId xmlns:a16="http://schemas.microsoft.com/office/drawing/2014/main" id="{9441F8B5-FA38-46C3-BB17-0AAB7E0FC16C}"/>
+              </a:ext>
+            </a:extLst>
+          </p:cNvPr>
           <p:cNvSpPr>
             <a:spLocks noGrp="1"/>
           </p:cNvSpPr>
@@ -5346,15 +5475,81 @@
           <a:p>
             <a:r>
               <a:rPr lang="en-US" dirty="0"/>
-              <a:t>Demo: Telemetry the Easy Way</a:t>
-            </a:r>
-          </a:p>
-        </p:txBody>
-      </p:sp>
+              <a:t>Demo: Local Telemetry</a:t>
+            </a:r>
+          </a:p>
+        </p:txBody>
+      </p:sp>
+      <p:sp>
+        <p:nvSpPr>
+          <p:cNvPr id="4" name="Text Placeholder 3">
+            <a:extLst>
+              <a:ext uri="{FF2B5EF4-FFF2-40B4-BE49-F238E27FC236}">
+                <a16:creationId xmlns:a16="http://schemas.microsoft.com/office/drawing/2014/main" id="{7BD85031-FD42-6790-BA83-C5AD8F1BBB24}"/>
+              </a:ext>
+            </a:extLst>
+          </p:cNvPr>
+          <p:cNvSpPr>
+            <a:spLocks noGrp="1"/>
+          </p:cNvSpPr>
+          <p:nvPr>
+            <p:ph type="body" sz="quarter" idx="10"/>
+          </p:nvPr>
+        </p:nvSpPr>
+        <p:spPr>
+          <a:xfrm>
+            <a:off x="269239" y="1197324"/>
+            <a:ext cx="11653523" cy="632737"/>
+          </a:xfrm>
+        </p:spPr>
+        <p:txBody>
+          <a:bodyPr/>
+          <a:lstStyle/>
+          <a:p>
+            <a:r>
+              <a:rPr lang="en-US" dirty="0">
+                <a:hlinkClick r:id="rId2"/>
+              </a:rPr>
+              <a:t>https://github.com/StephenCleary/LocalTelemetry</a:t>
+            </a:r>
+            <a:endParaRPr lang="en-US" dirty="0"/>
+          </a:p>
+        </p:txBody>
+      </p:sp>
+      <p:pic>
+        <p:nvPicPr>
+          <p:cNvPr id="8" name="Picture 7">
+            <a:extLst>
+              <a:ext uri="{FF2B5EF4-FFF2-40B4-BE49-F238E27FC236}">
+                <a16:creationId xmlns:a16="http://schemas.microsoft.com/office/drawing/2014/main" id="{8EA881E6-EFB4-E0AB-7A9E-39009C73B1A5}"/>
+              </a:ext>
+            </a:extLst>
+          </p:cNvPr>
+          <p:cNvPicPr>
+            <a:picLocks noChangeAspect="1"/>
+          </p:cNvPicPr>
+          <p:nvPr/>
+        </p:nvPicPr>
+        <p:blipFill>
+          <a:blip r:embed="rId3"/>
+          <a:stretch>
+            <a:fillRect/>
+          </a:stretch>
+        </p:blipFill>
+        <p:spPr>
+          <a:xfrm>
+            <a:off x="40079" y="2193343"/>
+            <a:ext cx="12111841" cy="3088191"/>
+          </a:xfrm>
+          <a:prstGeom prst="rect">
+            <a:avLst/>
+          </a:prstGeom>
+        </p:spPr>
+      </p:pic>
     </p:spTree>
     <p:extLst>
       <p:ext uri="{BB962C8B-B14F-4D97-AF65-F5344CB8AC3E}">
-        <p14:creationId xmlns:p14="http://schemas.microsoft.com/office/powerpoint/2010/main" val="2978234360"/>
+        <p14:creationId xmlns:p14="http://schemas.microsoft.com/office/powerpoint/2010/main" val="3758030291"/>
       </p:ext>
     </p:extLst>
   </p:cSld>
@@ -5386,13 +5581,7 @@
       </p:grpSpPr>
       <p:sp>
         <p:nvSpPr>
-          <p:cNvPr id="3" name="Title 2">
-            <a:extLst>
-              <a:ext uri="{FF2B5EF4-FFF2-40B4-BE49-F238E27FC236}">
-                <a16:creationId xmlns:a16="http://schemas.microsoft.com/office/drawing/2014/main" id="{9441F8B5-FA38-46C3-BB17-0AAB7E0FC16C}"/>
-              </a:ext>
-            </a:extLst>
-          </p:cNvPr>
+          <p:cNvPr id="2" name="Title 1"/>
           <p:cNvSpPr>
             <a:spLocks noGrp="1"/>
           </p:cNvSpPr>
@@ -5407,70 +5596,15 @@
           <a:p>
             <a:r>
               <a:rPr lang="en-US" dirty="0"/>
-              <a:t>Demo: Local Telemetry</a:t>
-            </a:r>
-          </a:p>
-        </p:txBody>
-      </p:sp>
-      <p:sp>
-        <p:nvSpPr>
-          <p:cNvPr id="4" name="Text Placeholder 3">
-            <a:extLst>
-              <a:ext uri="{FF2B5EF4-FFF2-40B4-BE49-F238E27FC236}">
-                <a16:creationId xmlns:a16="http://schemas.microsoft.com/office/drawing/2014/main" id="{7BD85031-FD42-6790-BA83-C5AD8F1BBB24}"/>
-              </a:ext>
-            </a:extLst>
-          </p:cNvPr>
-          <p:cNvSpPr>
-            <a:spLocks noGrp="1"/>
-          </p:cNvSpPr>
-          <p:nvPr>
-            <p:ph type="body" sz="quarter" idx="10"/>
-          </p:nvPr>
-        </p:nvSpPr>
-        <p:spPr/>
-        <p:txBody>
-          <a:bodyPr/>
-          <a:lstStyle/>
-          <a:p>
-            <a:endParaRPr lang="en-US"/>
-          </a:p>
-        </p:txBody>
-      </p:sp>
-      <p:pic>
-        <p:nvPicPr>
-          <p:cNvPr id="8" name="Picture 7">
-            <a:extLst>
-              <a:ext uri="{FF2B5EF4-FFF2-40B4-BE49-F238E27FC236}">
-                <a16:creationId xmlns:a16="http://schemas.microsoft.com/office/drawing/2014/main" id="{8EA881E6-EFB4-E0AB-7A9E-39009C73B1A5}"/>
-              </a:ext>
-            </a:extLst>
-          </p:cNvPr>
-          <p:cNvPicPr>
-            <a:picLocks noChangeAspect="1"/>
-          </p:cNvPicPr>
-          <p:nvPr/>
-        </p:nvPicPr>
-        <p:blipFill>
-          <a:blip r:embed="rId2"/>
-          <a:stretch>
-            <a:fillRect/>
-          </a:stretch>
-        </p:blipFill>
-        <p:spPr>
-          <a:xfrm>
-            <a:off x="38712" y="1683834"/>
-            <a:ext cx="12111841" cy="3088191"/>
-          </a:xfrm>
-          <a:prstGeom prst="rect">
-            <a:avLst/>
-          </a:prstGeom>
-        </p:spPr>
-      </p:pic>
+              <a:t>Demo: Telemetry the Easy Way</a:t>
+            </a:r>
+          </a:p>
+        </p:txBody>
+      </p:sp>
     </p:spTree>
     <p:extLst>
       <p:ext uri="{BB962C8B-B14F-4D97-AF65-F5344CB8AC3E}">
-        <p14:creationId xmlns:p14="http://schemas.microsoft.com/office/powerpoint/2010/main" val="3758030291"/>
+        <p14:creationId xmlns:p14="http://schemas.microsoft.com/office/powerpoint/2010/main" val="2978234360"/>
       </p:ext>
     </p:extLst>
   </p:cSld>
@@ -7235,7 +7369,7 @@
         <p:spPr>
           <a:xfrm>
             <a:off x="269239" y="1197324"/>
-            <a:ext cx="11653523" cy="1877309"/>
+            <a:ext cx="11653523" cy="2474780"/>
           </a:xfrm>
         </p:spPr>
         <p:txBody>
@@ -7292,14 +7426,21 @@
             <a:endParaRPr lang="en-US" dirty="0"/>
           </a:p>
           <a:p>
-            <a:pPr marL="796926" lvl="1" indent="-457200">
+            <a:pPr marL="457200" indent="-457200">
               <a:buFontTx/>
               <a:buChar char="-"/>
             </a:pPr>
             <a:r>
               <a:rPr lang="en-US" dirty="0"/>
-              <a:t>Tip: helpers are convenient.</a:t>
-            </a:r>
+              <a:t>Tip: helpers are convenient. E.g., </a:t>
+            </a:r>
+            <a:r>
+              <a:rPr lang="en-US" dirty="0">
+                <a:hlinkClick r:id="rId4"/>
+              </a:rPr>
+              <a:t>https://github.com/stephenCleary/Logging</a:t>
+            </a:r>
+            <a:endParaRPr lang="en-US" dirty="0"/>
           </a:p>
         </p:txBody>
       </p:sp>
@@ -7338,6 +7479,197 @@
       </p:grpSpPr>
       <p:sp>
         <p:nvSpPr>
+          <p:cNvPr id="3" name="Title 2"/>
+          <p:cNvSpPr>
+            <a:spLocks noGrp="1"/>
+          </p:cNvSpPr>
+          <p:nvPr>
+            <p:ph type="title"/>
+          </p:nvPr>
+        </p:nvSpPr>
+        <p:spPr/>
+        <p:txBody>
+          <a:bodyPr/>
+          <a:lstStyle/>
+          <a:p>
+            <a:r>
+              <a:rPr lang="en-US" dirty="0"/>
+              <a:t>Semantic Logging Scopes</a:t>
+            </a:r>
+          </a:p>
+        </p:txBody>
+      </p:sp>
+      <p:sp>
+        <p:nvSpPr>
+          <p:cNvPr id="4" name="Text Placeholder 3"/>
+          <p:cNvSpPr>
+            <a:spLocks noGrp="1"/>
+          </p:cNvSpPr>
+          <p:nvPr>
+            <p:ph type="body" sz="quarter" idx="10"/>
+          </p:nvPr>
+        </p:nvSpPr>
+        <p:spPr>
+          <a:xfrm>
+            <a:off x="269239" y="1197324"/>
+            <a:ext cx="11653523" cy="3248646"/>
+          </a:xfrm>
+        </p:spPr>
+        <p:txBody>
+          <a:bodyPr/>
+          <a:lstStyle/>
+          <a:p>
+            <a:pPr marL="457200" indent="-457200">
+              <a:buFontTx/>
+              <a:buChar char="-"/>
+            </a:pPr>
+            <a:r>
+              <a:rPr lang="en-US" dirty="0"/>
+              <a:t>Common pitfall: exception handling scopes.</a:t>
+            </a:r>
+          </a:p>
+          <a:p>
+            <a:pPr marL="796926" lvl="1" indent="-457200">
+              <a:buFontTx/>
+              <a:buChar char="-"/>
+            </a:pPr>
+            <a:r>
+              <a:rPr lang="en-US" dirty="0"/>
+              <a:t>The scopes in force when the exception is thrown are different than when the exception is logged.</a:t>
+            </a:r>
+          </a:p>
+          <a:p>
+            <a:pPr marL="457200" indent="-457200">
+              <a:buFontTx/>
+              <a:buChar char="-"/>
+            </a:pPr>
+            <a:r>
+              <a:rPr lang="en-US" dirty="0"/>
+              <a:t>Workaround:</a:t>
+            </a:r>
+          </a:p>
+          <a:p>
+            <a:pPr marL="796926" lvl="1" indent="-457200">
+              <a:buFontTx/>
+              <a:buChar char="-"/>
+            </a:pPr>
+            <a:r>
+              <a:rPr lang="en-US" dirty="0"/>
+              <a:t>Capture the scopes when the exception is thrown.</a:t>
+            </a:r>
+          </a:p>
+          <a:p>
+            <a:pPr marL="796926" lvl="1" indent="-457200">
+              <a:buFontTx/>
+              <a:buChar char="-"/>
+            </a:pPr>
+            <a:r>
+              <a:rPr lang="en-US" dirty="0"/>
+              <a:t>Restore the scopes when the exception is logged.</a:t>
+            </a:r>
+          </a:p>
+          <a:p>
+            <a:pPr marL="457200" indent="-457200">
+              <a:buFontTx/>
+              <a:buChar char="-"/>
+            </a:pPr>
+            <a:r>
+              <a:rPr lang="en-US" dirty="0"/>
+              <a:t>Alternative: Seq has a “throw context enricher”.</a:t>
+            </a:r>
+          </a:p>
+        </p:txBody>
+      </p:sp>
+    </p:spTree>
+    <p:extLst>
+      <p:ext uri="{BB962C8B-B14F-4D97-AF65-F5344CB8AC3E}">
+        <p14:creationId xmlns:p14="http://schemas.microsoft.com/office/powerpoint/2010/main" val="2475349702"/>
+      </p:ext>
+    </p:extLst>
+  </p:cSld>
+  <p:clrMapOvr>
+    <a:masterClrMapping/>
+  </p:clrMapOvr>
+  <p:transition>
+    <p:fade/>
+  </p:transition>
+</p:sld>
+</file>
+
+<file path=ppt/slides/slide23.xml><?xml version="1.0" encoding="utf-8"?>
+<p:sld xmlns:a="http://schemas.openxmlformats.org/drawingml/2006/main" xmlns:r="http://schemas.openxmlformats.org/officeDocument/2006/relationships" xmlns:p="http://schemas.openxmlformats.org/presentationml/2006/main">
+  <p:cSld>
+    <p:spTree>
+      <p:nvGrpSpPr>
+        <p:cNvPr id="1" name=""/>
+        <p:cNvGrpSpPr/>
+        <p:nvPr/>
+      </p:nvGrpSpPr>
+      <p:grpSpPr>
+        <a:xfrm>
+          <a:off x="0" y="0"/>
+          <a:ext cx="0" cy="0"/>
+          <a:chOff x="0" y="0"/>
+          <a:chExt cx="0" cy="0"/>
+        </a:xfrm>
+      </p:grpSpPr>
+      <p:sp>
+        <p:nvSpPr>
+          <p:cNvPr id="2" name="Title 1"/>
+          <p:cNvSpPr>
+            <a:spLocks noGrp="1"/>
+          </p:cNvSpPr>
+          <p:nvPr>
+            <p:ph type="title"/>
+          </p:nvPr>
+        </p:nvSpPr>
+        <p:spPr/>
+        <p:txBody>
+          <a:bodyPr/>
+          <a:lstStyle/>
+          <a:p>
+            <a:r>
+              <a:rPr lang="en-US" dirty="0"/>
+              <a:t>Demo: Scopes in the Real World</a:t>
+            </a:r>
+          </a:p>
+        </p:txBody>
+      </p:sp>
+    </p:spTree>
+    <p:extLst>
+      <p:ext uri="{BB962C8B-B14F-4D97-AF65-F5344CB8AC3E}">
+        <p14:creationId xmlns:p14="http://schemas.microsoft.com/office/powerpoint/2010/main" val="306706287"/>
+      </p:ext>
+    </p:extLst>
+  </p:cSld>
+  <p:clrMapOvr>
+    <a:masterClrMapping/>
+  </p:clrMapOvr>
+  <p:transition>
+    <p:fade/>
+  </p:transition>
+</p:sld>
+</file>
+
+<file path=ppt/slides/slide24.xml><?xml version="1.0" encoding="utf-8"?>
+<p:sld xmlns:a="http://schemas.openxmlformats.org/drawingml/2006/main" xmlns:r="http://schemas.openxmlformats.org/officeDocument/2006/relationships" xmlns:p="http://schemas.openxmlformats.org/presentationml/2006/main">
+  <p:cSld>
+    <p:spTree>
+      <p:nvGrpSpPr>
+        <p:cNvPr id="1" name=""/>
+        <p:cNvGrpSpPr/>
+        <p:nvPr/>
+      </p:nvGrpSpPr>
+      <p:grpSpPr>
+        <a:xfrm>
+          <a:off x="0" y="0"/>
+          <a:ext cx="0" cy="0"/>
+          <a:chOff x="0" y="0"/>
+          <a:chExt cx="0" cy="0"/>
+        </a:xfrm>
+      </p:grpSpPr>
+      <p:sp>
+        <p:nvSpPr>
           <p:cNvPr id="4" name="Title 3"/>
           <p:cNvSpPr>
             <a:spLocks noGrp="1"/>
@@ -7518,7 +7850,7 @@
 </p:sld>
 </file>
 
-<file path=ppt/slides/slide23.xml><?xml version="1.0" encoding="utf-8"?>
+<file path=ppt/slides/slide25.xml><?xml version="1.0" encoding="utf-8"?>
 <p:sld xmlns:a="http://schemas.openxmlformats.org/drawingml/2006/main" xmlns:r="http://schemas.openxmlformats.org/officeDocument/2006/relationships" xmlns:p="http://schemas.openxmlformats.org/presentationml/2006/main">
   <p:cSld>
     <p:spTree>
@@ -7567,7 +7899,7 @@
         <p:spPr>
           <a:xfrm>
             <a:off x="269239" y="1197324"/>
-            <a:ext cx="11653523" cy="2922788"/>
+            <a:ext cx="11653523" cy="1976888"/>
           </a:xfrm>
         </p:spPr>
         <p:txBody>
@@ -7603,7 +7935,7 @@
             </a:pPr>
             <a:r>
               <a:rPr lang="en-US" dirty="0"/>
-              <a:t>Guidelines:</a:t>
+              <a:t>Pitfall:</a:t>
             </a:r>
           </a:p>
           <a:p>
@@ -7630,26 +7962,6 @@
             <a:r>
               <a:rPr lang="en-US" dirty="0"/>
               <a:t> index typing)</a:t>
-            </a:r>
-          </a:p>
-          <a:p>
-            <a:pPr marL="457200" indent="-457200">
-              <a:buFontTx/>
-              <a:buChar char="-"/>
-            </a:pPr>
-            <a:r>
-              <a:rPr lang="en-US" dirty="0"/>
-              <a:t>Implementing loggers</a:t>
-            </a:r>
-          </a:p>
-          <a:p>
-            <a:pPr marL="796926" lvl="1" indent="-457200">
-              <a:buFontTx/>
-              <a:buChar char="-"/>
-            </a:pPr>
-            <a:r>
-              <a:rPr lang="en-US" dirty="0"/>
-              <a:t>Common scope provider.</a:t>
             </a:r>
           </a:p>
         </p:txBody>
@@ -8236,6 +8548,136 @@
           <a:p>
             <a:r>
               <a:rPr lang="en-US" dirty="0"/>
+              <a:t>Telemetry History: Traces</a:t>
+            </a:r>
+          </a:p>
+        </p:txBody>
+      </p:sp>
+      <p:sp>
+        <p:nvSpPr>
+          <p:cNvPr id="3" name="Text Placeholder 2">
+            <a:extLst>
+              <a:ext uri="{FF2B5EF4-FFF2-40B4-BE49-F238E27FC236}">
+                <a16:creationId xmlns:a16="http://schemas.microsoft.com/office/drawing/2014/main" id="{D3CF2809-96C8-7A27-A245-2B844F255CA6}"/>
+              </a:ext>
+            </a:extLst>
+          </p:cNvPr>
+          <p:cNvSpPr>
+            <a:spLocks noGrp="1"/>
+          </p:cNvSpPr>
+          <p:nvPr>
+            <p:ph type="body" sz="quarter" idx="10"/>
+          </p:nvPr>
+        </p:nvSpPr>
+        <p:spPr>
+          <a:xfrm>
+            <a:off x="269239" y="1197324"/>
+            <a:ext cx="11653523" cy="632737"/>
+          </a:xfrm>
+        </p:spPr>
+        <p:txBody>
+          <a:bodyPr/>
+          <a:lstStyle/>
+          <a:p>
+            <a:pPr marL="457200" indent="-457200">
+              <a:buFontTx/>
+              <a:buChar char="-"/>
+            </a:pPr>
+            <a:endParaRPr lang="en-US" dirty="0"/>
+          </a:p>
+        </p:txBody>
+      </p:sp>
+      <p:pic>
+        <p:nvPicPr>
+          <p:cNvPr id="11" name="Picture 10">
+            <a:extLst>
+              <a:ext uri="{FF2B5EF4-FFF2-40B4-BE49-F238E27FC236}">
+                <a16:creationId xmlns:a16="http://schemas.microsoft.com/office/drawing/2014/main" id="{F2220D5E-173D-67B7-07A2-3782210ACC4E}"/>
+              </a:ext>
+            </a:extLst>
+          </p:cNvPr>
+          <p:cNvPicPr>
+            <a:picLocks noChangeAspect="1"/>
+          </p:cNvPicPr>
+          <p:nvPr/>
+        </p:nvPicPr>
+        <p:blipFill>
+          <a:blip r:embed="rId2">
+            <a:extLst>
+              <a:ext uri="{28A0092B-C50C-407E-A947-70E740481C1C}">
+                <a14:useLocalDpi xmlns:a14="http://schemas.microsoft.com/office/drawing/2010/main" val="0"/>
+              </a:ext>
+            </a:extLst>
+          </a:blip>
+          <a:srcRect/>
+          <a:stretch/>
+        </p:blipFill>
+        <p:spPr>
+          <a:xfrm>
+            <a:off x="1807" y="1875146"/>
+            <a:ext cx="12188386" cy="3107707"/>
+          </a:xfrm>
+          <a:prstGeom prst="rect">
+            <a:avLst/>
+          </a:prstGeom>
+        </p:spPr>
+      </p:pic>
+    </p:spTree>
+    <p:extLst>
+      <p:ext uri="{BB962C8B-B14F-4D97-AF65-F5344CB8AC3E}">
+        <p14:creationId xmlns:p14="http://schemas.microsoft.com/office/powerpoint/2010/main" val="4193017336"/>
+      </p:ext>
+    </p:extLst>
+  </p:cSld>
+  <p:clrMapOvr>
+    <a:masterClrMapping/>
+  </p:clrMapOvr>
+  <p:transition>
+    <p:fade/>
+  </p:transition>
+</p:sld>
+</file>
+
+<file path=ppt/slides/slide9.xml><?xml version="1.0" encoding="utf-8"?>
+<p:sld xmlns:a="http://schemas.openxmlformats.org/drawingml/2006/main" xmlns:r="http://schemas.openxmlformats.org/officeDocument/2006/relationships" xmlns:p="http://schemas.openxmlformats.org/presentationml/2006/main">
+  <p:cSld>
+    <p:spTree>
+      <p:nvGrpSpPr>
+        <p:cNvPr id="1" name=""/>
+        <p:cNvGrpSpPr/>
+        <p:nvPr/>
+      </p:nvGrpSpPr>
+      <p:grpSpPr>
+        <a:xfrm>
+          <a:off x="0" y="0"/>
+          <a:ext cx="0" cy="0"/>
+          <a:chOff x="0" y="0"/>
+          <a:chExt cx="0" cy="0"/>
+        </a:xfrm>
+      </p:grpSpPr>
+      <p:sp>
+        <p:nvSpPr>
+          <p:cNvPr id="2" name="Title 1">
+            <a:extLst>
+              <a:ext uri="{FF2B5EF4-FFF2-40B4-BE49-F238E27FC236}">
+                <a16:creationId xmlns:a16="http://schemas.microsoft.com/office/drawing/2014/main" id="{8A657E44-C671-4C6A-9C66-DC498D09B193}"/>
+              </a:ext>
+            </a:extLst>
+          </p:cNvPr>
+          <p:cNvSpPr>
+            <a:spLocks noGrp="1"/>
+          </p:cNvSpPr>
+          <p:nvPr>
+            <p:ph type="title"/>
+          </p:nvPr>
+        </p:nvSpPr>
+        <p:spPr/>
+        <p:txBody>
+          <a:bodyPr/>
+          <a:lstStyle/>
+          <a:p>
+            <a:r>
+              <a:rPr lang="en-US" dirty="0"/>
               <a:t>Telemetry History: Logs</a:t>
             </a:r>
           </a:p>
@@ -8314,136 +8756,6 @@
     <p:extLst>
       <p:ext uri="{BB962C8B-B14F-4D97-AF65-F5344CB8AC3E}">
         <p14:creationId xmlns:p14="http://schemas.microsoft.com/office/powerpoint/2010/main" val="1246794152"/>
-      </p:ext>
-    </p:extLst>
-  </p:cSld>
-  <p:clrMapOvr>
-    <a:masterClrMapping/>
-  </p:clrMapOvr>
-  <p:transition>
-    <p:fade/>
-  </p:transition>
-</p:sld>
-</file>
-
-<file path=ppt/slides/slide9.xml><?xml version="1.0" encoding="utf-8"?>
-<p:sld xmlns:a="http://schemas.openxmlformats.org/drawingml/2006/main" xmlns:r="http://schemas.openxmlformats.org/officeDocument/2006/relationships" xmlns:p="http://schemas.openxmlformats.org/presentationml/2006/main">
-  <p:cSld>
-    <p:spTree>
-      <p:nvGrpSpPr>
-        <p:cNvPr id="1" name=""/>
-        <p:cNvGrpSpPr/>
-        <p:nvPr/>
-      </p:nvGrpSpPr>
-      <p:grpSpPr>
-        <a:xfrm>
-          <a:off x="0" y="0"/>
-          <a:ext cx="0" cy="0"/>
-          <a:chOff x="0" y="0"/>
-          <a:chExt cx="0" cy="0"/>
-        </a:xfrm>
-      </p:grpSpPr>
-      <p:sp>
-        <p:nvSpPr>
-          <p:cNvPr id="2" name="Title 1">
-            <a:extLst>
-              <a:ext uri="{FF2B5EF4-FFF2-40B4-BE49-F238E27FC236}">
-                <a16:creationId xmlns:a16="http://schemas.microsoft.com/office/drawing/2014/main" id="{8A657E44-C671-4C6A-9C66-DC498D09B193}"/>
-              </a:ext>
-            </a:extLst>
-          </p:cNvPr>
-          <p:cNvSpPr>
-            <a:spLocks noGrp="1"/>
-          </p:cNvSpPr>
-          <p:nvPr>
-            <p:ph type="title"/>
-          </p:nvPr>
-        </p:nvSpPr>
-        <p:spPr/>
-        <p:txBody>
-          <a:bodyPr/>
-          <a:lstStyle/>
-          <a:p>
-            <a:r>
-              <a:rPr lang="en-US" dirty="0"/>
-              <a:t>Telemetry History: Traces</a:t>
-            </a:r>
-          </a:p>
-        </p:txBody>
-      </p:sp>
-      <p:sp>
-        <p:nvSpPr>
-          <p:cNvPr id="3" name="Text Placeholder 2">
-            <a:extLst>
-              <a:ext uri="{FF2B5EF4-FFF2-40B4-BE49-F238E27FC236}">
-                <a16:creationId xmlns:a16="http://schemas.microsoft.com/office/drawing/2014/main" id="{D3CF2809-96C8-7A27-A245-2B844F255CA6}"/>
-              </a:ext>
-            </a:extLst>
-          </p:cNvPr>
-          <p:cNvSpPr>
-            <a:spLocks noGrp="1"/>
-          </p:cNvSpPr>
-          <p:nvPr>
-            <p:ph type="body" sz="quarter" idx="10"/>
-          </p:nvPr>
-        </p:nvSpPr>
-        <p:spPr>
-          <a:xfrm>
-            <a:off x="269239" y="1197324"/>
-            <a:ext cx="11653523" cy="632737"/>
-          </a:xfrm>
-        </p:spPr>
-        <p:txBody>
-          <a:bodyPr/>
-          <a:lstStyle/>
-          <a:p>
-            <a:pPr marL="457200" indent="-457200">
-              <a:buFontTx/>
-              <a:buChar char="-"/>
-            </a:pPr>
-            <a:endParaRPr lang="en-US" dirty="0"/>
-          </a:p>
-        </p:txBody>
-      </p:sp>
-      <p:pic>
-        <p:nvPicPr>
-          <p:cNvPr id="11" name="Picture 10">
-            <a:extLst>
-              <a:ext uri="{FF2B5EF4-FFF2-40B4-BE49-F238E27FC236}">
-                <a16:creationId xmlns:a16="http://schemas.microsoft.com/office/drawing/2014/main" id="{F2220D5E-173D-67B7-07A2-3782210ACC4E}"/>
-              </a:ext>
-            </a:extLst>
-          </p:cNvPr>
-          <p:cNvPicPr>
-            <a:picLocks noChangeAspect="1"/>
-          </p:cNvPicPr>
-          <p:nvPr/>
-        </p:nvPicPr>
-        <p:blipFill>
-          <a:blip r:embed="rId2">
-            <a:extLst>
-              <a:ext uri="{28A0092B-C50C-407E-A947-70E740481C1C}">
-                <a14:useLocalDpi xmlns:a14="http://schemas.microsoft.com/office/drawing/2010/main" val="0"/>
-              </a:ext>
-            </a:extLst>
-          </a:blip>
-          <a:srcRect/>
-          <a:stretch/>
-        </p:blipFill>
-        <p:spPr>
-          <a:xfrm>
-            <a:off x="1807" y="1875146"/>
-            <a:ext cx="12188386" cy="3107707"/>
-          </a:xfrm>
-          <a:prstGeom prst="rect">
-            <a:avLst/>
-          </a:prstGeom>
-        </p:spPr>
-      </p:pic>
-    </p:spTree>
-    <p:extLst>
-      <p:ext uri="{BB962C8B-B14F-4D97-AF65-F5344CB8AC3E}">
-        <p14:creationId xmlns:p14="http://schemas.microsoft.com/office/powerpoint/2010/main" val="4193017336"/>
       </p:ext>
     </p:extLst>
   </p:cSld>

--- a/Telemetry/Logging Hero.pptx
+++ b/Telemetry/Logging Hero.pptx
@@ -255,7 +255,7 @@
           <a:p>
             <a:fld id="{574E8BCA-0B4F-4373-B78E-3D2899449797}" type="datetimeFigureOut">
               <a:rPr lang="en-US" smtClean="0"/>
-              <a:t>9/25/2024</a:t>
+              <a:t>5/2/2025</a:t>
             </a:fld>
             <a:endParaRPr lang="en-US" dirty="0"/>
           </a:p>
@@ -5546,6 +5546,53 @@
           </a:prstGeom>
         </p:spPr>
       </p:pic>
+      <p:pic>
+        <p:nvPicPr>
+          <p:cNvPr id="5122" name="Picture 2">
+            <a:extLst>
+              <a:ext uri="{FF2B5EF4-FFF2-40B4-BE49-F238E27FC236}">
+                <a16:creationId xmlns:a16="http://schemas.microsoft.com/office/drawing/2014/main" id="{FEBAB900-0C6F-D5F8-4E39-AE0FB23923E7}"/>
+              </a:ext>
+            </a:extLst>
+          </p:cNvPr>
+          <p:cNvPicPr>
+            <a:picLocks noChangeAspect="1" noChangeArrowheads="1"/>
+          </p:cNvPicPr>
+          <p:nvPr/>
+        </p:nvPicPr>
+        <p:blipFill>
+          <a:blip r:embed="rId4">
+            <a:extLst>
+              <a:ext uri="{28A0092B-C50C-407E-A947-70E740481C1C}">
+                <a14:useLocalDpi xmlns:a14="http://schemas.microsoft.com/office/drawing/2010/main" val="0"/>
+              </a:ext>
+            </a:extLst>
+          </a:blip>
+          <a:srcRect/>
+          <a:stretch>
+            <a:fillRect/>
+          </a:stretch>
+        </p:blipFill>
+        <p:spPr bwMode="auto">
+          <a:xfrm>
+            <a:off x="8857510" y="4377690"/>
+            <a:ext cx="3065252" cy="2301240"/>
+          </a:xfrm>
+          <a:prstGeom prst="rect">
+            <a:avLst/>
+          </a:prstGeom>
+          <a:noFill/>
+          <a:extLst>
+            <a:ext uri="{909E8E84-426E-40DD-AFC4-6F175D3DCCD1}">
+              <a14:hiddenFill xmlns:a14="http://schemas.microsoft.com/office/drawing/2010/main">
+                <a:solidFill>
+                  <a:srgbClr val="FFFFFF"/>
+                </a:solidFill>
+              </a14:hiddenFill>
+            </a:ext>
+          </a:extLst>
+        </p:spPr>
+      </p:pic>
     </p:spTree>
     <p:extLst>
       <p:ext uri="{BB962C8B-B14F-4D97-AF65-F5344CB8AC3E}">
@@ -5783,6 +5830,53 @@
           </a:p>
         </p:txBody>
       </p:sp>
+      <p:pic>
+        <p:nvPicPr>
+          <p:cNvPr id="2" name="Picture 2" descr="They're more what you'd call guidelines than actual rules - They're more what you'd call guidelines than actual rules  Barbosa Rules">
+            <a:extLst>
+              <a:ext uri="{FF2B5EF4-FFF2-40B4-BE49-F238E27FC236}">
+                <a16:creationId xmlns:a16="http://schemas.microsoft.com/office/drawing/2014/main" id="{0B614A10-DCC2-87C6-C415-34FC9A1BD011}"/>
+              </a:ext>
+            </a:extLst>
+          </p:cNvPr>
+          <p:cNvPicPr>
+            <a:picLocks noChangeAspect="1" noChangeArrowheads="1"/>
+          </p:cNvPicPr>
+          <p:nvPr/>
+        </p:nvPicPr>
+        <p:blipFill>
+          <a:blip r:embed="rId5">
+            <a:extLst>
+              <a:ext uri="{28A0092B-C50C-407E-A947-70E740481C1C}">
+                <a14:useLocalDpi xmlns:a14="http://schemas.microsoft.com/office/drawing/2010/main" val="0"/>
+              </a:ext>
+            </a:extLst>
+          </a:blip>
+          <a:srcRect/>
+          <a:stretch>
+            <a:fillRect/>
+          </a:stretch>
+        </p:blipFill>
+        <p:spPr bwMode="auto">
+          <a:xfrm>
+            <a:off x="4572000" y="3481160"/>
+            <a:ext cx="3048000" cy="2286000"/>
+          </a:xfrm>
+          <a:prstGeom prst="rect">
+            <a:avLst/>
+          </a:prstGeom>
+          <a:noFill/>
+          <a:extLst>
+            <a:ext uri="{909E8E84-426E-40DD-AFC4-6F175D3DCCD1}">
+              <a14:hiddenFill xmlns:a14="http://schemas.microsoft.com/office/drawing/2010/main">
+                <a:solidFill>
+                  <a:srgbClr val="FFFFFF"/>
+                </a:solidFill>
+              </a14:hiddenFill>
+            </a:ext>
+          </a:extLst>
+        </p:spPr>
+      </p:pic>
     </p:spTree>
     <p:extLst>
       <p:ext uri="{BB962C8B-B14F-4D97-AF65-F5344CB8AC3E}">
@@ -5864,7 +5958,7 @@
             </a:pPr>
             <a:r>
               <a:rPr lang="en-US" dirty="0"/>
-              <a:t>Modern ASP.NET</a:t>
+              <a:t>Modern dependency injection</a:t>
             </a:r>
           </a:p>
           <a:p>
@@ -6195,13 +6289,8 @@
             </a:pPr>
             <a:r>
               <a:rPr lang="en-US" dirty="0"/>
-              <a:t>What actually happens </a:t>
-            </a:r>
-            <a:r>
-              <a:rPr lang="en-US"/>
-              <a:t>(mostly):</a:t>
-            </a:r>
-            <a:endParaRPr lang="en-US" dirty="0"/>
+              <a:t>What actually happens (mostly):</a:t>
+            </a:r>
           </a:p>
           <a:p>
             <a:r>
@@ -6220,6 +6309,51 @@
           </a:p>
         </p:txBody>
       </p:sp>
+      <p:pic>
+        <p:nvPicPr>
+          <p:cNvPr id="6146" name="Picture 2">
+            <a:extLst>
+              <a:ext uri="{FF2B5EF4-FFF2-40B4-BE49-F238E27FC236}">
+                <a16:creationId xmlns:a16="http://schemas.microsoft.com/office/drawing/2014/main" id="{4AEAD1BF-01FE-2EF5-D6BA-D17587790F92}"/>
+              </a:ext>
+            </a:extLst>
+          </p:cNvPr>
+          <p:cNvPicPr>
+            <a:picLocks noChangeAspect="1" noChangeArrowheads="1"/>
+          </p:cNvPicPr>
+          <p:nvPr/>
+        </p:nvPicPr>
+        <p:blipFill rotWithShape="1">
+          <a:blip r:embed="rId3">
+            <a:extLst>
+              <a:ext uri="{28A0092B-C50C-407E-A947-70E740481C1C}">
+                <a14:useLocalDpi xmlns:a14="http://schemas.microsoft.com/office/drawing/2010/main" val="0"/>
+              </a:ext>
+            </a:extLst>
+          </a:blip>
+          <a:srcRect t="2" b="34698"/>
+          <a:stretch/>
+        </p:blipFill>
+        <p:spPr bwMode="auto">
+          <a:xfrm>
+            <a:off x="8360874" y="2571750"/>
+            <a:ext cx="3133896" cy="2148840"/>
+          </a:xfrm>
+          <a:prstGeom prst="rect">
+            <a:avLst/>
+          </a:prstGeom>
+          <a:noFill/>
+          <a:extLst>
+            <a:ext uri="{909E8E84-426E-40DD-AFC4-6F175D3DCCD1}">
+              <a14:hiddenFill xmlns:a14="http://schemas.microsoft.com/office/drawing/2010/main">
+                <a:solidFill>
+                  <a:srgbClr val="FFFFFF"/>
+                </a:solidFill>
+              </a14:hiddenFill>
+            </a:ext>
+          </a:extLst>
+        </p:spPr>
+      </p:pic>
     </p:spTree>
     <p:extLst>
       <p:ext uri="{BB962C8B-B14F-4D97-AF65-F5344CB8AC3E}">
@@ -7163,6 +7297,53 @@
           </a:p>
         </p:txBody>
       </p:sp>
+      <p:pic>
+        <p:nvPicPr>
+          <p:cNvPr id="7170" name="Picture 2">
+            <a:extLst>
+              <a:ext uri="{FF2B5EF4-FFF2-40B4-BE49-F238E27FC236}">
+                <a16:creationId xmlns:a16="http://schemas.microsoft.com/office/drawing/2014/main" id="{19C24E00-923B-F3B0-D9A2-6954644936C5}"/>
+              </a:ext>
+            </a:extLst>
+          </p:cNvPr>
+          <p:cNvPicPr>
+            <a:picLocks noChangeAspect="1" noChangeArrowheads="1"/>
+          </p:cNvPicPr>
+          <p:nvPr/>
+        </p:nvPicPr>
+        <p:blipFill>
+          <a:blip r:embed="rId3">
+            <a:extLst>
+              <a:ext uri="{28A0092B-C50C-407E-A947-70E740481C1C}">
+                <a14:useLocalDpi xmlns:a14="http://schemas.microsoft.com/office/drawing/2010/main" val="0"/>
+              </a:ext>
+            </a:extLst>
+          </a:blip>
+          <a:srcRect/>
+          <a:stretch>
+            <a:fillRect/>
+          </a:stretch>
+        </p:blipFill>
+        <p:spPr bwMode="auto">
+          <a:xfrm>
+            <a:off x="4361089" y="3074670"/>
+            <a:ext cx="3469822" cy="3643313"/>
+          </a:xfrm>
+          <a:prstGeom prst="rect">
+            <a:avLst/>
+          </a:prstGeom>
+          <a:noFill/>
+          <a:extLst>
+            <a:ext uri="{909E8E84-426E-40DD-AFC4-6F175D3DCCD1}">
+              <a14:hiddenFill xmlns:a14="http://schemas.microsoft.com/office/drawing/2010/main">
+                <a:solidFill>
+                  <a:srgbClr val="FFFFFF"/>
+                </a:solidFill>
+              </a14:hiddenFill>
+            </a:ext>
+          </a:extLst>
+        </p:spPr>
+      </p:pic>
     </p:spTree>
     <p:extLst>
       <p:ext uri="{BB962C8B-B14F-4D97-AF65-F5344CB8AC3E}">
@@ -7512,7 +7693,7 @@
         <p:spPr>
           <a:xfrm>
             <a:off x="269239" y="1197324"/>
-            <a:ext cx="11653523" cy="3248646"/>
+            <a:ext cx="8120381" cy="5066316"/>
           </a:xfrm>
         </p:spPr>
         <p:txBody>
@@ -7569,6 +7750,19 @@
             </a:r>
           </a:p>
           <a:p>
+            <a:pPr marL="796926" lvl="1" indent="-457200">
+              <a:buFontTx/>
+              <a:buChar char="-"/>
+            </a:pPr>
+            <a:r>
+              <a:rPr lang="en-US" dirty="0">
+                <a:hlinkClick r:id="rId3"/>
+              </a:rPr>
+              <a:t>https://github.com/stephenCleary/Logging</a:t>
+            </a:r>
+            <a:endParaRPr lang="en-US" dirty="0"/>
+          </a:p>
+          <a:p>
             <a:pPr marL="457200" indent="-457200">
               <a:buFontTx/>
               <a:buChar char="-"/>
@@ -7580,6 +7774,53 @@
           </a:p>
         </p:txBody>
       </p:sp>
+      <p:pic>
+        <p:nvPicPr>
+          <p:cNvPr id="9218" name="Picture 2">
+            <a:extLst>
+              <a:ext uri="{FF2B5EF4-FFF2-40B4-BE49-F238E27FC236}">
+                <a16:creationId xmlns:a16="http://schemas.microsoft.com/office/drawing/2014/main" id="{8B1A04AD-005B-36DB-E883-3316A0474777}"/>
+              </a:ext>
+            </a:extLst>
+          </p:cNvPr>
+          <p:cNvPicPr>
+            <a:picLocks noChangeAspect="1" noChangeArrowheads="1"/>
+          </p:cNvPicPr>
+          <p:nvPr/>
+        </p:nvPicPr>
+        <p:blipFill>
+          <a:blip r:embed="rId4">
+            <a:extLst>
+              <a:ext uri="{28A0092B-C50C-407E-A947-70E740481C1C}">
+                <a14:useLocalDpi xmlns:a14="http://schemas.microsoft.com/office/drawing/2010/main" val="0"/>
+              </a:ext>
+            </a:extLst>
+          </a:blip>
+          <a:srcRect/>
+          <a:stretch>
+            <a:fillRect/>
+          </a:stretch>
+        </p:blipFill>
+        <p:spPr bwMode="auto">
+          <a:xfrm>
+            <a:off x="8566223" y="865073"/>
+            <a:ext cx="3356537" cy="4209097"/>
+          </a:xfrm>
+          <a:prstGeom prst="rect">
+            <a:avLst/>
+          </a:prstGeom>
+          <a:noFill/>
+          <a:extLst>
+            <a:ext uri="{909E8E84-426E-40DD-AFC4-6F175D3DCCD1}">
+              <a14:hiddenFill xmlns:a14="http://schemas.microsoft.com/office/drawing/2010/main">
+                <a:solidFill>
+                  <a:srgbClr val="FFFFFF"/>
+                </a:solidFill>
+              </a14:hiddenFill>
+            </a:ext>
+          </a:extLst>
+        </p:spPr>
+      </p:pic>
     </p:spTree>
     <p:extLst>
       <p:ext uri="{BB962C8B-B14F-4D97-AF65-F5344CB8AC3E}">
@@ -8367,6 +8608,53 @@
           </a:p>
         </p:txBody>
       </p:sp>
+      <p:pic>
+        <p:nvPicPr>
+          <p:cNvPr id="2050" name="Picture 2">
+            <a:extLst>
+              <a:ext uri="{FF2B5EF4-FFF2-40B4-BE49-F238E27FC236}">
+                <a16:creationId xmlns:a16="http://schemas.microsoft.com/office/drawing/2014/main" id="{2279CA40-DB85-5F5F-23F4-BDD4177C6D53}"/>
+              </a:ext>
+            </a:extLst>
+          </p:cNvPr>
+          <p:cNvPicPr>
+            <a:picLocks noChangeAspect="1" noChangeArrowheads="1"/>
+          </p:cNvPicPr>
+          <p:nvPr/>
+        </p:nvPicPr>
+        <p:blipFill>
+          <a:blip r:embed="rId4">
+            <a:extLst>
+              <a:ext uri="{28A0092B-C50C-407E-A947-70E740481C1C}">
+                <a14:useLocalDpi xmlns:a14="http://schemas.microsoft.com/office/drawing/2010/main" val="0"/>
+              </a:ext>
+            </a:extLst>
+          </a:blip>
+          <a:srcRect/>
+          <a:stretch>
+            <a:fillRect/>
+          </a:stretch>
+        </p:blipFill>
+        <p:spPr bwMode="auto">
+          <a:xfrm>
+            <a:off x="8910461" y="103823"/>
+            <a:ext cx="3012299" cy="3873817"/>
+          </a:xfrm>
+          <a:prstGeom prst="rect">
+            <a:avLst/>
+          </a:prstGeom>
+          <a:noFill/>
+          <a:extLst>
+            <a:ext uri="{909E8E84-426E-40DD-AFC4-6F175D3DCCD1}">
+              <a14:hiddenFill xmlns:a14="http://schemas.microsoft.com/office/drawing/2010/main">
+                <a:solidFill>
+                  <a:srgbClr val="FFFFFF"/>
+                </a:solidFill>
+              </a14:hiddenFill>
+            </a:ext>
+          </a:extLst>
+        </p:spPr>
+      </p:pic>
     </p:spTree>
     <p:extLst>
       <p:ext uri="{BB962C8B-B14F-4D97-AF65-F5344CB8AC3E}">
@@ -8490,6 +8778,53 @@
           <a:prstGeom prst="rect">
             <a:avLst/>
           </a:prstGeom>
+        </p:spPr>
+      </p:pic>
+      <p:pic>
+        <p:nvPicPr>
+          <p:cNvPr id="1028" name="Picture 4">
+            <a:extLst>
+              <a:ext uri="{FF2B5EF4-FFF2-40B4-BE49-F238E27FC236}">
+                <a16:creationId xmlns:a16="http://schemas.microsoft.com/office/drawing/2014/main" id="{E4AD0C7D-D6EF-F3EA-4BB6-7B68A1AAB26C}"/>
+              </a:ext>
+            </a:extLst>
+          </p:cNvPr>
+          <p:cNvPicPr>
+            <a:picLocks noChangeAspect="1" noChangeArrowheads="1"/>
+          </p:cNvPicPr>
+          <p:nvPr/>
+        </p:nvPicPr>
+        <p:blipFill>
+          <a:blip r:embed="rId3">
+            <a:extLst>
+              <a:ext uri="{28A0092B-C50C-407E-A947-70E740481C1C}">
+                <a14:useLocalDpi xmlns:a14="http://schemas.microsoft.com/office/drawing/2010/main" val="0"/>
+              </a:ext>
+            </a:extLst>
+          </a:blip>
+          <a:srcRect/>
+          <a:stretch>
+            <a:fillRect/>
+          </a:stretch>
+        </p:blipFill>
+        <p:spPr bwMode="auto">
+          <a:xfrm>
+            <a:off x="8597356" y="4151044"/>
+            <a:ext cx="3325406" cy="2417445"/>
+          </a:xfrm>
+          <a:prstGeom prst="rect">
+            <a:avLst/>
+          </a:prstGeom>
+          <a:noFill/>
+          <a:extLst>
+            <a:ext uri="{909E8E84-426E-40DD-AFC4-6F175D3DCCD1}">
+              <a14:hiddenFill xmlns:a14="http://schemas.microsoft.com/office/drawing/2010/main">
+                <a:solidFill>
+                  <a:srgbClr val="FFFFFF"/>
+                </a:solidFill>
+              </a14:hiddenFill>
+            </a:ext>
+          </a:extLst>
         </p:spPr>
       </p:pic>
     </p:spTree>
@@ -8622,6 +8957,53 @@
           </a:prstGeom>
         </p:spPr>
       </p:pic>
+      <p:pic>
+        <p:nvPicPr>
+          <p:cNvPr id="3074" name="Picture 2">
+            <a:extLst>
+              <a:ext uri="{FF2B5EF4-FFF2-40B4-BE49-F238E27FC236}">
+                <a16:creationId xmlns:a16="http://schemas.microsoft.com/office/drawing/2014/main" id="{A5C6CA98-BE7B-9706-8F62-3DC6F9FA15BA}"/>
+              </a:ext>
+            </a:extLst>
+          </p:cNvPr>
+          <p:cNvPicPr>
+            <a:picLocks noChangeAspect="1" noChangeArrowheads="1"/>
+          </p:cNvPicPr>
+          <p:nvPr/>
+        </p:nvPicPr>
+        <p:blipFill>
+          <a:blip r:embed="rId3">
+            <a:extLst>
+              <a:ext uri="{28A0092B-C50C-407E-A947-70E740481C1C}">
+                <a14:useLocalDpi xmlns:a14="http://schemas.microsoft.com/office/drawing/2010/main" val="0"/>
+              </a:ext>
+            </a:extLst>
+          </a:blip>
+          <a:srcRect/>
+          <a:stretch>
+            <a:fillRect/>
+          </a:stretch>
+        </p:blipFill>
+        <p:spPr bwMode="auto">
+          <a:xfrm>
+            <a:off x="8691167" y="3851959"/>
+            <a:ext cx="3044586" cy="2716530"/>
+          </a:xfrm>
+          <a:prstGeom prst="rect">
+            <a:avLst/>
+          </a:prstGeom>
+          <a:noFill/>
+          <a:extLst>
+            <a:ext uri="{909E8E84-426E-40DD-AFC4-6F175D3DCCD1}">
+              <a14:hiddenFill xmlns:a14="http://schemas.microsoft.com/office/drawing/2010/main">
+                <a:solidFill>
+                  <a:srgbClr val="FFFFFF"/>
+                </a:solidFill>
+              </a14:hiddenFill>
+            </a:ext>
+          </a:extLst>
+        </p:spPr>
+      </p:pic>
     </p:spTree>
     <p:extLst>
       <p:ext uri="{BB962C8B-B14F-4D97-AF65-F5344CB8AC3E}">
@@ -8750,6 +9132,53 @@
           <a:prstGeom prst="rect">
             <a:avLst/>
           </a:prstGeom>
+        </p:spPr>
+      </p:pic>
+      <p:pic>
+        <p:nvPicPr>
+          <p:cNvPr id="4098" name="Picture 2">
+            <a:extLst>
+              <a:ext uri="{FF2B5EF4-FFF2-40B4-BE49-F238E27FC236}">
+                <a16:creationId xmlns:a16="http://schemas.microsoft.com/office/drawing/2014/main" id="{025FDD68-5AAD-1434-E6CE-A1D268EB82C8}"/>
+              </a:ext>
+            </a:extLst>
+          </p:cNvPr>
+          <p:cNvPicPr>
+            <a:picLocks noChangeAspect="1" noChangeArrowheads="1"/>
+          </p:cNvPicPr>
+          <p:nvPr/>
+        </p:nvPicPr>
+        <p:blipFill>
+          <a:blip r:embed="rId3">
+            <a:extLst>
+              <a:ext uri="{28A0092B-C50C-407E-A947-70E740481C1C}">
+                <a14:useLocalDpi xmlns:a14="http://schemas.microsoft.com/office/drawing/2010/main" val="0"/>
+              </a:ext>
+            </a:extLst>
+          </a:blip>
+          <a:srcRect/>
+          <a:stretch>
+            <a:fillRect/>
+          </a:stretch>
+        </p:blipFill>
+        <p:spPr bwMode="auto">
+          <a:xfrm>
+            <a:off x="8196582" y="4084369"/>
+            <a:ext cx="3726180" cy="2484120"/>
+          </a:xfrm>
+          <a:prstGeom prst="rect">
+            <a:avLst/>
+          </a:prstGeom>
+          <a:noFill/>
+          <a:extLst>
+            <a:ext uri="{909E8E84-426E-40DD-AFC4-6F175D3DCCD1}">
+              <a14:hiddenFill xmlns:a14="http://schemas.microsoft.com/office/drawing/2010/main">
+                <a:solidFill>
+                  <a:srgbClr val="FFFFFF"/>
+                </a:solidFill>
+              </a14:hiddenFill>
+            </a:ext>
+          </a:extLst>
         </p:spPr>
       </p:pic>
     </p:spTree>
